--- a/source/images/images.pptx
+++ b/source/images/images.pptx
@@ -4,11 +4,17 @@
   <p:sldMasterIdLst>
     <p:sldMasterId id="2147483672" r:id="rId1"/>
   </p:sldMasterIdLst>
+  <p:notesMasterIdLst>
+    <p:notesMasterId r:id="rId9"/>
+  </p:notesMasterIdLst>
   <p:sldIdLst>
     <p:sldId id="257" r:id="rId2"/>
     <p:sldId id="258" r:id="rId3"/>
     <p:sldId id="260" r:id="rId4"/>
     <p:sldId id="259" r:id="rId5"/>
+    <p:sldId id="263" r:id="rId6"/>
+    <p:sldId id="261" r:id="rId7"/>
+    <p:sldId id="262" r:id="rId8"/>
   </p:sldIdLst>
   <p:sldSz cx="6858000" cy="6858000"/>
   <p:notesSz cx="6858000" cy="9144000"/>
@@ -126,6 +132,607 @@
 </p:presentation>
 </file>
 
+<file path=ppt/notesMasters/notesMaster1.xml><?xml version="1.0" encoding="utf-8"?>
+<p:notesMaster xmlns:a="http://schemas.openxmlformats.org/drawingml/2006/main" xmlns:r="http://schemas.openxmlformats.org/officeDocument/2006/relationships" xmlns:p="http://schemas.openxmlformats.org/presentationml/2006/main">
+  <p:cSld>
+    <p:bg>
+      <p:bgRef idx="1001">
+        <a:schemeClr val="bg1"/>
+      </p:bgRef>
+    </p:bg>
+    <p:spTree>
+      <p:nvGrpSpPr>
+        <p:cNvPr id="1" name=""/>
+        <p:cNvGrpSpPr/>
+        <p:nvPr/>
+      </p:nvGrpSpPr>
+      <p:grpSpPr>
+        <a:xfrm>
+          <a:off x="0" y="0"/>
+          <a:ext cx="0" cy="0"/>
+          <a:chOff x="0" y="0"/>
+          <a:chExt cx="0" cy="0"/>
+        </a:xfrm>
+      </p:grpSpPr>
+      <p:sp>
+        <p:nvSpPr>
+          <p:cNvPr id="2" name="Header Placeholder 1"/>
+          <p:cNvSpPr>
+            <a:spLocks noGrp="1"/>
+          </p:cNvSpPr>
+          <p:nvPr>
+            <p:ph type="hdr" sz="quarter"/>
+          </p:nvPr>
+        </p:nvSpPr>
+        <p:spPr>
+          <a:xfrm>
+            <a:off x="0" y="0"/>
+            <a:ext cx="2971800" cy="458788"/>
+          </a:xfrm>
+          <a:prstGeom prst="rect">
+            <a:avLst/>
+          </a:prstGeom>
+        </p:spPr>
+        <p:txBody>
+          <a:bodyPr vert="horz" lIns="91440" tIns="45720" rIns="91440" bIns="45720" rtlCol="0"/>
+          <a:lstStyle>
+            <a:lvl1pPr algn="l">
+              <a:defRPr sz="1200"/>
+            </a:lvl1pPr>
+          </a:lstStyle>
+          <a:p>
+            <a:endParaRPr lang="en-US"/>
+          </a:p>
+        </p:txBody>
+      </p:sp>
+      <p:sp>
+        <p:nvSpPr>
+          <p:cNvPr id="3" name="Date Placeholder 2"/>
+          <p:cNvSpPr>
+            <a:spLocks noGrp="1"/>
+          </p:cNvSpPr>
+          <p:nvPr>
+            <p:ph type="dt" idx="1"/>
+          </p:nvPr>
+        </p:nvSpPr>
+        <p:spPr>
+          <a:xfrm>
+            <a:off x="3884613" y="0"/>
+            <a:ext cx="2971800" cy="458788"/>
+          </a:xfrm>
+          <a:prstGeom prst="rect">
+            <a:avLst/>
+          </a:prstGeom>
+        </p:spPr>
+        <p:txBody>
+          <a:bodyPr vert="horz" lIns="91440" tIns="45720" rIns="91440" bIns="45720" rtlCol="0"/>
+          <a:lstStyle>
+            <a:lvl1pPr algn="r">
+              <a:defRPr sz="1200"/>
+            </a:lvl1pPr>
+          </a:lstStyle>
+          <a:p>
+            <a:fld id="{A931C0ED-D60B-E940-AEAE-F8B90FC69403}" type="datetimeFigureOut">
+              <a:rPr lang="en-US" smtClean="0"/>
+              <a:t>3/18/23</a:t>
+            </a:fld>
+            <a:endParaRPr lang="en-US"/>
+          </a:p>
+        </p:txBody>
+      </p:sp>
+      <p:sp>
+        <p:nvSpPr>
+          <p:cNvPr id="4" name="Slide Image Placeholder 3"/>
+          <p:cNvSpPr>
+            <a:spLocks noGrp="1" noRot="1" noChangeAspect="1"/>
+          </p:cNvSpPr>
+          <p:nvPr>
+            <p:ph type="sldImg" idx="2"/>
+          </p:nvPr>
+        </p:nvSpPr>
+        <p:spPr>
+          <a:xfrm>
+            <a:off x="1885950" y="1143000"/>
+            <a:ext cx="3086100" cy="3086100"/>
+          </a:xfrm>
+          <a:prstGeom prst="rect">
+            <a:avLst/>
+          </a:prstGeom>
+          <a:noFill/>
+          <a:ln w="12700">
+            <a:solidFill>
+              <a:prstClr val="black"/>
+            </a:solidFill>
+          </a:ln>
+        </p:spPr>
+        <p:txBody>
+          <a:bodyPr vert="horz" lIns="91440" tIns="45720" rIns="91440" bIns="45720" rtlCol="0" anchor="ctr"/>
+          <a:lstStyle/>
+          <a:p>
+            <a:endParaRPr lang="en-US"/>
+          </a:p>
+        </p:txBody>
+      </p:sp>
+      <p:sp>
+        <p:nvSpPr>
+          <p:cNvPr id="5" name="Notes Placeholder 4"/>
+          <p:cNvSpPr>
+            <a:spLocks noGrp="1"/>
+          </p:cNvSpPr>
+          <p:nvPr>
+            <p:ph type="body" sz="quarter" idx="3"/>
+          </p:nvPr>
+        </p:nvSpPr>
+        <p:spPr>
+          <a:xfrm>
+            <a:off x="685800" y="4400550"/>
+            <a:ext cx="5486400" cy="3600450"/>
+          </a:xfrm>
+          <a:prstGeom prst="rect">
+            <a:avLst/>
+          </a:prstGeom>
+        </p:spPr>
+        <p:txBody>
+          <a:bodyPr vert="horz" lIns="91440" tIns="45720" rIns="91440" bIns="45720" rtlCol="0"/>
+          <a:lstStyle/>
+          <a:p>
+            <a:pPr lvl="0"/>
+            <a:r>
+              <a:rPr lang="en-US"/>
+              <a:t>Click to edit Master text styles</a:t>
+            </a:r>
+          </a:p>
+          <a:p>
+            <a:pPr lvl="1"/>
+            <a:r>
+              <a:rPr lang="en-US"/>
+              <a:t>Second level</a:t>
+            </a:r>
+          </a:p>
+          <a:p>
+            <a:pPr lvl="2"/>
+            <a:r>
+              <a:rPr lang="en-US"/>
+              <a:t>Third level</a:t>
+            </a:r>
+          </a:p>
+          <a:p>
+            <a:pPr lvl="3"/>
+            <a:r>
+              <a:rPr lang="en-US"/>
+              <a:t>Fourth level</a:t>
+            </a:r>
+          </a:p>
+          <a:p>
+            <a:pPr lvl="4"/>
+            <a:r>
+              <a:rPr lang="en-US"/>
+              <a:t>Fifth level</a:t>
+            </a:r>
+          </a:p>
+        </p:txBody>
+      </p:sp>
+      <p:sp>
+        <p:nvSpPr>
+          <p:cNvPr id="6" name="Footer Placeholder 5"/>
+          <p:cNvSpPr>
+            <a:spLocks noGrp="1"/>
+          </p:cNvSpPr>
+          <p:nvPr>
+            <p:ph type="ftr" sz="quarter" idx="4"/>
+          </p:nvPr>
+        </p:nvSpPr>
+        <p:spPr>
+          <a:xfrm>
+            <a:off x="0" y="8685213"/>
+            <a:ext cx="2971800" cy="458787"/>
+          </a:xfrm>
+          <a:prstGeom prst="rect">
+            <a:avLst/>
+          </a:prstGeom>
+        </p:spPr>
+        <p:txBody>
+          <a:bodyPr vert="horz" lIns="91440" tIns="45720" rIns="91440" bIns="45720" rtlCol="0" anchor="b"/>
+          <a:lstStyle>
+            <a:lvl1pPr algn="l">
+              <a:defRPr sz="1200"/>
+            </a:lvl1pPr>
+          </a:lstStyle>
+          <a:p>
+            <a:endParaRPr lang="en-US"/>
+          </a:p>
+        </p:txBody>
+      </p:sp>
+      <p:sp>
+        <p:nvSpPr>
+          <p:cNvPr id="7" name="Slide Number Placeholder 6"/>
+          <p:cNvSpPr>
+            <a:spLocks noGrp="1"/>
+          </p:cNvSpPr>
+          <p:nvPr>
+            <p:ph type="sldNum" sz="quarter" idx="5"/>
+          </p:nvPr>
+        </p:nvSpPr>
+        <p:spPr>
+          <a:xfrm>
+            <a:off x="3884613" y="8685213"/>
+            <a:ext cx="2971800" cy="458787"/>
+          </a:xfrm>
+          <a:prstGeom prst="rect">
+            <a:avLst/>
+          </a:prstGeom>
+        </p:spPr>
+        <p:txBody>
+          <a:bodyPr vert="horz" lIns="91440" tIns="45720" rIns="91440" bIns="45720" rtlCol="0" anchor="b"/>
+          <a:lstStyle>
+            <a:lvl1pPr algn="r">
+              <a:defRPr sz="1200"/>
+            </a:lvl1pPr>
+          </a:lstStyle>
+          <a:p>
+            <a:fld id="{A31D0361-6903-F04B-A7A4-97C87F5C812C}" type="slidenum">
+              <a:rPr lang="en-US" smtClean="0"/>
+              <a:t>‹#›</a:t>
+            </a:fld>
+            <a:endParaRPr lang="en-US"/>
+          </a:p>
+        </p:txBody>
+      </p:sp>
+    </p:spTree>
+    <p:extLst>
+      <p:ext uri="{BB962C8B-B14F-4D97-AF65-F5344CB8AC3E}">
+        <p14:creationId xmlns:p14="http://schemas.microsoft.com/office/powerpoint/2010/main" val="559056725"/>
+      </p:ext>
+    </p:extLst>
+  </p:cSld>
+  <p:clrMap bg1="lt1" tx1="dk1" bg2="lt2" tx2="dk2" accent1="accent1" accent2="accent2" accent3="accent3" accent4="accent4" accent5="accent5" accent6="accent6" hlink="hlink" folHlink="folHlink"/>
+  <p:notesStyle>
+    <a:lvl1pPr marL="0" algn="l" defTabSz="914400" rtl="0" eaLnBrk="1" latinLnBrk="0" hangingPunct="1">
+      <a:defRPr sz="1200" kern="1200">
+        <a:solidFill>
+          <a:schemeClr val="tx1"/>
+        </a:solidFill>
+        <a:latin typeface="+mn-lt"/>
+        <a:ea typeface="+mn-ea"/>
+        <a:cs typeface="+mn-cs"/>
+      </a:defRPr>
+    </a:lvl1pPr>
+    <a:lvl2pPr marL="457200" algn="l" defTabSz="914400" rtl="0" eaLnBrk="1" latinLnBrk="0" hangingPunct="1">
+      <a:defRPr sz="1200" kern="1200">
+        <a:solidFill>
+          <a:schemeClr val="tx1"/>
+        </a:solidFill>
+        <a:latin typeface="+mn-lt"/>
+        <a:ea typeface="+mn-ea"/>
+        <a:cs typeface="+mn-cs"/>
+      </a:defRPr>
+    </a:lvl2pPr>
+    <a:lvl3pPr marL="914400" algn="l" defTabSz="914400" rtl="0" eaLnBrk="1" latinLnBrk="0" hangingPunct="1">
+      <a:defRPr sz="1200" kern="1200">
+        <a:solidFill>
+          <a:schemeClr val="tx1"/>
+        </a:solidFill>
+        <a:latin typeface="+mn-lt"/>
+        <a:ea typeface="+mn-ea"/>
+        <a:cs typeface="+mn-cs"/>
+      </a:defRPr>
+    </a:lvl3pPr>
+    <a:lvl4pPr marL="1371600" algn="l" defTabSz="914400" rtl="0" eaLnBrk="1" latinLnBrk="0" hangingPunct="1">
+      <a:defRPr sz="1200" kern="1200">
+        <a:solidFill>
+          <a:schemeClr val="tx1"/>
+        </a:solidFill>
+        <a:latin typeface="+mn-lt"/>
+        <a:ea typeface="+mn-ea"/>
+        <a:cs typeface="+mn-cs"/>
+      </a:defRPr>
+    </a:lvl4pPr>
+    <a:lvl5pPr marL="1828800" algn="l" defTabSz="914400" rtl="0" eaLnBrk="1" latinLnBrk="0" hangingPunct="1">
+      <a:defRPr sz="1200" kern="1200">
+        <a:solidFill>
+          <a:schemeClr val="tx1"/>
+        </a:solidFill>
+        <a:latin typeface="+mn-lt"/>
+        <a:ea typeface="+mn-ea"/>
+        <a:cs typeface="+mn-cs"/>
+      </a:defRPr>
+    </a:lvl5pPr>
+    <a:lvl6pPr marL="2286000" algn="l" defTabSz="914400" rtl="0" eaLnBrk="1" latinLnBrk="0" hangingPunct="1">
+      <a:defRPr sz="1200" kern="1200">
+        <a:solidFill>
+          <a:schemeClr val="tx1"/>
+        </a:solidFill>
+        <a:latin typeface="+mn-lt"/>
+        <a:ea typeface="+mn-ea"/>
+        <a:cs typeface="+mn-cs"/>
+      </a:defRPr>
+    </a:lvl6pPr>
+    <a:lvl7pPr marL="2743200" algn="l" defTabSz="914400" rtl="0" eaLnBrk="1" latinLnBrk="0" hangingPunct="1">
+      <a:defRPr sz="1200" kern="1200">
+        <a:solidFill>
+          <a:schemeClr val="tx1"/>
+        </a:solidFill>
+        <a:latin typeface="+mn-lt"/>
+        <a:ea typeface="+mn-ea"/>
+        <a:cs typeface="+mn-cs"/>
+      </a:defRPr>
+    </a:lvl7pPr>
+    <a:lvl8pPr marL="3200400" algn="l" defTabSz="914400" rtl="0" eaLnBrk="1" latinLnBrk="0" hangingPunct="1">
+      <a:defRPr sz="1200" kern="1200">
+        <a:solidFill>
+          <a:schemeClr val="tx1"/>
+        </a:solidFill>
+        <a:latin typeface="+mn-lt"/>
+        <a:ea typeface="+mn-ea"/>
+        <a:cs typeface="+mn-cs"/>
+      </a:defRPr>
+    </a:lvl8pPr>
+    <a:lvl9pPr marL="3657600" algn="l" defTabSz="914400" rtl="0" eaLnBrk="1" latinLnBrk="0" hangingPunct="1">
+      <a:defRPr sz="1200" kern="1200">
+        <a:solidFill>
+          <a:schemeClr val="tx1"/>
+        </a:solidFill>
+        <a:latin typeface="+mn-lt"/>
+        <a:ea typeface="+mn-ea"/>
+        <a:cs typeface="+mn-cs"/>
+      </a:defRPr>
+    </a:lvl9pPr>
+  </p:notesStyle>
+</p:notesMaster>
+</file>
+
+<file path=ppt/notesSlides/notesSlide1.xml><?xml version="1.0" encoding="utf-8"?>
+<p:notes xmlns:a="http://schemas.openxmlformats.org/drawingml/2006/main" xmlns:r="http://schemas.openxmlformats.org/officeDocument/2006/relationships" xmlns:p="http://schemas.openxmlformats.org/presentationml/2006/main">
+  <p:cSld>
+    <p:spTree>
+      <p:nvGrpSpPr>
+        <p:cNvPr id="1" name=""/>
+        <p:cNvGrpSpPr/>
+        <p:nvPr/>
+      </p:nvGrpSpPr>
+      <p:grpSpPr>
+        <a:xfrm>
+          <a:off x="0" y="0"/>
+          <a:ext cx="0" cy="0"/>
+          <a:chOff x="0" y="0"/>
+          <a:chExt cx="0" cy="0"/>
+        </a:xfrm>
+      </p:grpSpPr>
+      <p:sp>
+        <p:nvSpPr>
+          <p:cNvPr id="2" name="Slide Image Placeholder 1"/>
+          <p:cNvSpPr>
+            <a:spLocks noGrp="1" noRot="1" noChangeAspect="1"/>
+          </p:cNvSpPr>
+          <p:nvPr>
+            <p:ph type="sldImg"/>
+          </p:nvPr>
+        </p:nvSpPr>
+        <p:spPr/>
+      </p:sp>
+      <p:sp>
+        <p:nvSpPr>
+          <p:cNvPr id="3" name="Notes Placeholder 2"/>
+          <p:cNvSpPr>
+            <a:spLocks noGrp="1"/>
+          </p:cNvSpPr>
+          <p:nvPr>
+            <p:ph type="body" idx="1"/>
+          </p:nvPr>
+        </p:nvSpPr>
+        <p:spPr/>
+        <p:txBody>
+          <a:bodyPr/>
+          <a:lstStyle/>
+          <a:p>
+            <a:endParaRPr lang="en-US" dirty="0"/>
+          </a:p>
+        </p:txBody>
+      </p:sp>
+      <p:sp>
+        <p:nvSpPr>
+          <p:cNvPr id="4" name="Slide Number Placeholder 3"/>
+          <p:cNvSpPr>
+            <a:spLocks noGrp="1"/>
+          </p:cNvSpPr>
+          <p:nvPr>
+            <p:ph type="sldNum" sz="quarter" idx="5"/>
+          </p:nvPr>
+        </p:nvSpPr>
+        <p:spPr/>
+        <p:txBody>
+          <a:bodyPr/>
+          <a:lstStyle/>
+          <a:p>
+            <a:fld id="{A31D0361-6903-F04B-A7A4-97C87F5C812C}" type="slidenum">
+              <a:rPr lang="en-US" smtClean="0"/>
+              <a:t>5</a:t>
+            </a:fld>
+            <a:endParaRPr lang="en-US"/>
+          </a:p>
+        </p:txBody>
+      </p:sp>
+    </p:spTree>
+    <p:extLst>
+      <p:ext uri="{BB962C8B-B14F-4D97-AF65-F5344CB8AC3E}">
+        <p14:creationId xmlns:p14="http://schemas.microsoft.com/office/powerpoint/2010/main" val="4019056584"/>
+      </p:ext>
+    </p:extLst>
+  </p:cSld>
+  <p:clrMapOvr>
+    <a:masterClrMapping/>
+  </p:clrMapOvr>
+</p:notes>
+</file>
+
+<file path=ppt/notesSlides/notesSlide2.xml><?xml version="1.0" encoding="utf-8"?>
+<p:notes xmlns:a="http://schemas.openxmlformats.org/drawingml/2006/main" xmlns:r="http://schemas.openxmlformats.org/officeDocument/2006/relationships" xmlns:p="http://schemas.openxmlformats.org/presentationml/2006/main">
+  <p:cSld>
+    <p:spTree>
+      <p:nvGrpSpPr>
+        <p:cNvPr id="1" name=""/>
+        <p:cNvGrpSpPr/>
+        <p:nvPr/>
+      </p:nvGrpSpPr>
+      <p:grpSpPr>
+        <a:xfrm>
+          <a:off x="0" y="0"/>
+          <a:ext cx="0" cy="0"/>
+          <a:chOff x="0" y="0"/>
+          <a:chExt cx="0" cy="0"/>
+        </a:xfrm>
+      </p:grpSpPr>
+      <p:sp>
+        <p:nvSpPr>
+          <p:cNvPr id="2" name="Slide Image Placeholder 1"/>
+          <p:cNvSpPr>
+            <a:spLocks noGrp="1" noRot="1" noChangeAspect="1"/>
+          </p:cNvSpPr>
+          <p:nvPr>
+            <p:ph type="sldImg"/>
+          </p:nvPr>
+        </p:nvSpPr>
+        <p:spPr/>
+      </p:sp>
+      <p:sp>
+        <p:nvSpPr>
+          <p:cNvPr id="3" name="Notes Placeholder 2"/>
+          <p:cNvSpPr>
+            <a:spLocks noGrp="1"/>
+          </p:cNvSpPr>
+          <p:nvPr>
+            <p:ph type="body" idx="1"/>
+          </p:nvPr>
+        </p:nvSpPr>
+        <p:spPr/>
+        <p:txBody>
+          <a:bodyPr/>
+          <a:lstStyle/>
+          <a:p>
+            <a:endParaRPr lang="en-US" dirty="0"/>
+          </a:p>
+        </p:txBody>
+      </p:sp>
+      <p:sp>
+        <p:nvSpPr>
+          <p:cNvPr id="4" name="Slide Number Placeholder 3"/>
+          <p:cNvSpPr>
+            <a:spLocks noGrp="1"/>
+          </p:cNvSpPr>
+          <p:nvPr>
+            <p:ph type="sldNum" sz="quarter" idx="5"/>
+          </p:nvPr>
+        </p:nvSpPr>
+        <p:spPr/>
+        <p:txBody>
+          <a:bodyPr/>
+          <a:lstStyle/>
+          <a:p>
+            <a:fld id="{A31D0361-6903-F04B-A7A4-97C87F5C812C}" type="slidenum">
+              <a:rPr lang="en-US" smtClean="0"/>
+              <a:t>6</a:t>
+            </a:fld>
+            <a:endParaRPr lang="en-US"/>
+          </a:p>
+        </p:txBody>
+      </p:sp>
+    </p:spTree>
+    <p:extLst>
+      <p:ext uri="{BB962C8B-B14F-4D97-AF65-F5344CB8AC3E}">
+        <p14:creationId xmlns:p14="http://schemas.microsoft.com/office/powerpoint/2010/main" val="740805703"/>
+      </p:ext>
+    </p:extLst>
+  </p:cSld>
+  <p:clrMapOvr>
+    <a:masterClrMapping/>
+  </p:clrMapOvr>
+</p:notes>
+</file>
+
+<file path=ppt/notesSlides/notesSlide3.xml><?xml version="1.0" encoding="utf-8"?>
+<p:notes xmlns:a="http://schemas.openxmlformats.org/drawingml/2006/main" xmlns:r="http://schemas.openxmlformats.org/officeDocument/2006/relationships" xmlns:p="http://schemas.openxmlformats.org/presentationml/2006/main">
+  <p:cSld>
+    <p:spTree>
+      <p:nvGrpSpPr>
+        <p:cNvPr id="1" name=""/>
+        <p:cNvGrpSpPr/>
+        <p:nvPr/>
+      </p:nvGrpSpPr>
+      <p:grpSpPr>
+        <a:xfrm>
+          <a:off x="0" y="0"/>
+          <a:ext cx="0" cy="0"/>
+          <a:chOff x="0" y="0"/>
+          <a:chExt cx="0" cy="0"/>
+        </a:xfrm>
+      </p:grpSpPr>
+      <p:sp>
+        <p:nvSpPr>
+          <p:cNvPr id="2" name="Slide Image Placeholder 1"/>
+          <p:cNvSpPr>
+            <a:spLocks noGrp="1" noRot="1" noChangeAspect="1"/>
+          </p:cNvSpPr>
+          <p:nvPr>
+            <p:ph type="sldImg"/>
+          </p:nvPr>
+        </p:nvSpPr>
+        <p:spPr/>
+      </p:sp>
+      <p:sp>
+        <p:nvSpPr>
+          <p:cNvPr id="3" name="Notes Placeholder 2"/>
+          <p:cNvSpPr>
+            <a:spLocks noGrp="1"/>
+          </p:cNvSpPr>
+          <p:nvPr>
+            <p:ph type="body" idx="1"/>
+          </p:nvPr>
+        </p:nvSpPr>
+        <p:spPr/>
+        <p:txBody>
+          <a:bodyPr/>
+          <a:lstStyle/>
+          <a:p>
+            <a:endParaRPr lang="en-US" dirty="0"/>
+          </a:p>
+        </p:txBody>
+      </p:sp>
+      <p:sp>
+        <p:nvSpPr>
+          <p:cNvPr id="4" name="Slide Number Placeholder 3"/>
+          <p:cNvSpPr>
+            <a:spLocks noGrp="1"/>
+          </p:cNvSpPr>
+          <p:nvPr>
+            <p:ph type="sldNum" sz="quarter" idx="5"/>
+          </p:nvPr>
+        </p:nvSpPr>
+        <p:spPr/>
+        <p:txBody>
+          <a:bodyPr/>
+          <a:lstStyle/>
+          <a:p>
+            <a:fld id="{A31D0361-6903-F04B-A7A4-97C87F5C812C}" type="slidenum">
+              <a:rPr lang="en-US" smtClean="0"/>
+              <a:t>7</a:t>
+            </a:fld>
+            <a:endParaRPr lang="en-US"/>
+          </a:p>
+        </p:txBody>
+      </p:sp>
+    </p:spTree>
+    <p:extLst>
+      <p:ext uri="{BB962C8B-B14F-4D97-AF65-F5344CB8AC3E}">
+        <p14:creationId xmlns:p14="http://schemas.microsoft.com/office/powerpoint/2010/main" val="3129570800"/>
+      </p:ext>
+    </p:extLst>
+  </p:cSld>
+  <p:clrMapOvr>
+    <a:masterClrMapping/>
+  </p:clrMapOvr>
+</p:notes>
+</file>
+
 <file path=ppt/slideLayouts/slideLayout1.xml><?xml version="1.0" encoding="utf-8"?>
 <p:sldLayout xmlns:a="http://schemas.openxmlformats.org/drawingml/2006/main" xmlns:r="http://schemas.openxmlformats.org/officeDocument/2006/relationships" xmlns:p="http://schemas.openxmlformats.org/presentationml/2006/main" type="title" preserve="1">
   <p:cSld name="Title Slide">
@@ -257,7 +864,7 @@
           <a:p>
             <a:fld id="{1AE40B97-6DC4-B54E-841D-F36C7B85E1B8}" type="datetimeFigureOut">
               <a:rPr lang="en-US" smtClean="0"/>
-              <a:t>3/17/23</a:t>
+              <a:t>3/18/23</a:t>
             </a:fld>
             <a:endParaRPr lang="en-US"/>
           </a:p>
@@ -427,7 +1034,7 @@
           <a:p>
             <a:fld id="{1AE40B97-6DC4-B54E-841D-F36C7B85E1B8}" type="datetimeFigureOut">
               <a:rPr lang="en-US" smtClean="0"/>
-              <a:t>3/17/23</a:t>
+              <a:t>3/18/23</a:t>
             </a:fld>
             <a:endParaRPr lang="en-US"/>
           </a:p>
@@ -607,7 +1214,7 @@
           <a:p>
             <a:fld id="{1AE40B97-6DC4-B54E-841D-F36C7B85E1B8}" type="datetimeFigureOut">
               <a:rPr lang="en-US" smtClean="0"/>
-              <a:t>3/17/23</a:t>
+              <a:t>3/18/23</a:t>
             </a:fld>
             <a:endParaRPr lang="en-US"/>
           </a:p>
@@ -777,7 +1384,7 @@
           <a:p>
             <a:fld id="{1AE40B97-6DC4-B54E-841D-F36C7B85E1B8}" type="datetimeFigureOut">
               <a:rPr lang="en-US" smtClean="0"/>
-              <a:t>3/17/23</a:t>
+              <a:t>3/18/23</a:t>
             </a:fld>
             <a:endParaRPr lang="en-US"/>
           </a:p>
@@ -1021,7 +1628,7 @@
           <a:p>
             <a:fld id="{1AE40B97-6DC4-B54E-841D-F36C7B85E1B8}" type="datetimeFigureOut">
               <a:rPr lang="en-US" smtClean="0"/>
-              <a:t>3/17/23</a:t>
+              <a:t>3/18/23</a:t>
             </a:fld>
             <a:endParaRPr lang="en-US"/>
           </a:p>
@@ -1253,7 +1860,7 @@
           <a:p>
             <a:fld id="{1AE40B97-6DC4-B54E-841D-F36C7B85E1B8}" type="datetimeFigureOut">
               <a:rPr lang="en-US" smtClean="0"/>
-              <a:t>3/17/23</a:t>
+              <a:t>3/18/23</a:t>
             </a:fld>
             <a:endParaRPr lang="en-US"/>
           </a:p>
@@ -1620,7 +2227,7 @@
           <a:p>
             <a:fld id="{1AE40B97-6DC4-B54E-841D-F36C7B85E1B8}" type="datetimeFigureOut">
               <a:rPr lang="en-US" smtClean="0"/>
-              <a:t>3/17/23</a:t>
+              <a:t>3/18/23</a:t>
             </a:fld>
             <a:endParaRPr lang="en-US"/>
           </a:p>
@@ -1738,7 +2345,7 @@
           <a:p>
             <a:fld id="{1AE40B97-6DC4-B54E-841D-F36C7B85E1B8}" type="datetimeFigureOut">
               <a:rPr lang="en-US" smtClean="0"/>
-              <a:t>3/17/23</a:t>
+              <a:t>3/18/23</a:t>
             </a:fld>
             <a:endParaRPr lang="en-US"/>
           </a:p>
@@ -1833,7 +2440,7 @@
           <a:p>
             <a:fld id="{1AE40B97-6DC4-B54E-841D-F36C7B85E1B8}" type="datetimeFigureOut">
               <a:rPr lang="en-US" smtClean="0"/>
-              <a:t>3/17/23</a:t>
+              <a:t>3/18/23</a:t>
             </a:fld>
             <a:endParaRPr lang="en-US"/>
           </a:p>
@@ -2110,7 +2717,7 @@
           <a:p>
             <a:fld id="{1AE40B97-6DC4-B54E-841D-F36C7B85E1B8}" type="datetimeFigureOut">
               <a:rPr lang="en-US" smtClean="0"/>
-              <a:t>3/17/23</a:t>
+              <a:t>3/18/23</a:t>
             </a:fld>
             <a:endParaRPr lang="en-US"/>
           </a:p>
@@ -2367,7 +2974,7 @@
           <a:p>
             <a:fld id="{1AE40B97-6DC4-B54E-841D-F36C7B85E1B8}" type="datetimeFigureOut">
               <a:rPr lang="en-US" smtClean="0"/>
-              <a:t>3/17/23</a:t>
+              <a:t>3/18/23</a:t>
             </a:fld>
             <a:endParaRPr lang="en-US"/>
           </a:p>
@@ -2580,7 +3187,7 @@
           <a:p>
             <a:fld id="{1AE40B97-6DC4-B54E-841D-F36C7B85E1B8}" type="datetimeFigureOut">
               <a:rPr lang="en-US" smtClean="0"/>
-              <a:t>3/17/23</a:t>
+              <a:t>3/18/23</a:t>
             </a:fld>
             <a:endParaRPr lang="en-US"/>
           </a:p>
@@ -3320,8 +3927,8 @@
           </a:p>
         </p:txBody>
       </p:sp>
-      <mc:AlternateContent xmlns:mc="http://schemas.openxmlformats.org/markup-compatibility/2006">
-        <mc:Choice xmlns:a14="http://schemas.microsoft.com/office/drawing/2010/main" Requires="a14">
+      <mc:AlternateContent xmlns:mc="http://schemas.openxmlformats.org/markup-compatibility/2006" xmlns:a14="http://schemas.microsoft.com/office/drawing/2010/main">
+        <mc:Choice Requires="a14">
           <p:sp>
             <p:nvSpPr>
               <p:cNvPr id="18" name="Rounded Rectangle 17">
@@ -3429,7 +4036,7 @@
             </p:txBody>
           </p:sp>
         </mc:Choice>
-        <mc:Fallback>
+        <mc:Fallback xmlns="">
           <p:sp>
             <p:nvSpPr>
               <p:cNvPr id="18" name="Rounded Rectangle 17">
@@ -3479,8 +4086,8 @@
           </p:sp>
         </mc:Fallback>
       </mc:AlternateContent>
-      <mc:AlternateContent xmlns:mc="http://schemas.openxmlformats.org/markup-compatibility/2006">
-        <mc:Choice xmlns:a14="http://schemas.microsoft.com/office/drawing/2010/main" Requires="a14">
+      <mc:AlternateContent xmlns:mc="http://schemas.openxmlformats.org/markup-compatibility/2006" xmlns:a14="http://schemas.microsoft.com/office/drawing/2010/main">
+        <mc:Choice Requires="a14">
           <p:sp>
             <p:nvSpPr>
               <p:cNvPr id="20" name="Rounded Rectangle 19">
@@ -3588,7 +4195,7 @@
             </p:txBody>
           </p:sp>
         </mc:Choice>
-        <mc:Fallback>
+        <mc:Fallback xmlns="">
           <p:sp>
             <p:nvSpPr>
               <p:cNvPr id="20" name="Rounded Rectangle 19">
@@ -3638,8 +4245,8 @@
           </p:sp>
         </mc:Fallback>
       </mc:AlternateContent>
-      <mc:AlternateContent xmlns:mc="http://schemas.openxmlformats.org/markup-compatibility/2006">
-        <mc:Choice xmlns:a14="http://schemas.microsoft.com/office/drawing/2010/main" Requires="a14">
+      <mc:AlternateContent xmlns:mc="http://schemas.openxmlformats.org/markup-compatibility/2006" xmlns:a14="http://schemas.microsoft.com/office/drawing/2010/main">
+        <mc:Choice Requires="a14">
           <p:sp>
             <p:nvSpPr>
               <p:cNvPr id="23" name="Rounded Rectangle 22">
@@ -3747,7 +4354,7 @@
             </p:txBody>
           </p:sp>
         </mc:Choice>
-        <mc:Fallback>
+        <mc:Fallback xmlns="">
           <p:sp>
             <p:nvSpPr>
               <p:cNvPr id="23" name="Rounded Rectangle 22">
@@ -4303,8 +4910,8 @@
           </a:p>
         </p:txBody>
       </p:sp>
-      <mc:AlternateContent xmlns:mc="http://schemas.openxmlformats.org/markup-compatibility/2006">
-        <mc:Choice xmlns:a14="http://schemas.microsoft.com/office/drawing/2010/main" Requires="a14">
+      <mc:AlternateContent xmlns:mc="http://schemas.openxmlformats.org/markup-compatibility/2006" xmlns:a14="http://schemas.microsoft.com/office/drawing/2010/main">
+        <mc:Choice Requires="a14">
           <p:sp>
             <p:nvSpPr>
               <p:cNvPr id="28" name="TextBox 27">
@@ -4352,7 +4959,9 @@
                       <m:sSub>
                         <m:sSubPr>
                           <m:ctrlPr>
-                            <a:rPr lang="en-US" altLang="ko-KR"/>
+                            <a:rPr lang="en-US" altLang="ko-KR" i="1">
+                              <a:latin typeface="Cambria Math" panose="02040503050406030204" pitchFamily="18" charset="0"/>
+                            </a:rPr>
                           </m:ctrlPr>
                         </m:sSubPr>
                         <m:e>
@@ -4360,7 +4969,9 @@
                             <m:accPr>
                               <m:chr m:val="̂"/>
                               <m:ctrlPr>
-                                <a:rPr lang="en-US" altLang="ko-KR"/>
+                                <a:rPr lang="en-US" altLang="ko-KR" i="1">
+                                  <a:latin typeface="Cambria Math" panose="02040503050406030204" pitchFamily="18" charset="0"/>
+                                </a:rPr>
                               </m:ctrlPr>
                             </m:accPr>
                             <m:e>
@@ -4368,7 +4979,9 @@
                                 <m:rPr>
                                   <m:sty m:val="p"/>
                                 </m:rPr>
-                                <a:rPr lang="en-US" altLang="ko-KR"/>
+                                <a:rPr lang="en-US" altLang="ko-KR">
+                                  <a:latin typeface="Cambria Math" panose="02040503050406030204" pitchFamily="18" charset="0"/>
+                                </a:rPr>
                                 <m:t>e</m:t>
                               </m:r>
                             </m:e>
@@ -4379,7 +4992,9 @@
                             <m:rPr>
                               <m:sty m:val="p"/>
                             </m:rPr>
-                            <a:rPr lang="en-US" altLang="ko-KR"/>
+                            <a:rPr lang="en-US" altLang="ko-KR">
+                              <a:latin typeface="Cambria Math" panose="02040503050406030204" pitchFamily="18" charset="0"/>
+                            </a:rPr>
                             <m:t>X</m:t>
                           </m:r>
                         </m:sub>
@@ -4392,7 +5007,7 @@
             </p:txBody>
           </p:sp>
         </mc:Choice>
-        <mc:Fallback>
+        <mc:Fallback xmlns="">
           <p:sp>
             <p:nvSpPr>
               <p:cNvPr id="28" name="TextBox 27">
@@ -4437,8 +5052,8 @@
           </p:sp>
         </mc:Fallback>
       </mc:AlternateContent>
-      <mc:AlternateContent xmlns:mc="http://schemas.openxmlformats.org/markup-compatibility/2006">
-        <mc:Choice xmlns:a14="http://schemas.microsoft.com/office/drawing/2010/main" Requires="a14">
+      <mc:AlternateContent xmlns:mc="http://schemas.openxmlformats.org/markup-compatibility/2006" xmlns:a14="http://schemas.microsoft.com/office/drawing/2010/main">
+        <mc:Choice Requires="a14">
           <p:sp>
             <p:nvSpPr>
               <p:cNvPr id="29" name="TextBox 28">
@@ -4486,7 +5101,9 @@
                       <m:sSub>
                         <m:sSubPr>
                           <m:ctrlPr>
-                            <a:rPr lang="en-US" altLang="ko-KR" sz="2400" i="1"/>
+                            <a:rPr lang="en-US" altLang="ko-KR" sz="2400" i="1">
+                              <a:latin typeface="Cambria Math" panose="02040503050406030204" pitchFamily="18" charset="0"/>
+                            </a:rPr>
                           </m:ctrlPr>
                         </m:sSubPr>
                         <m:e>
@@ -4494,7 +5111,9 @@
                             <m:accPr>
                               <m:chr m:val="̂"/>
                               <m:ctrlPr>
-                                <a:rPr lang="en-US" altLang="ko-KR" sz="2400" i="1"/>
+                                <a:rPr lang="en-US" altLang="ko-KR" sz="2400" i="1">
+                                  <a:latin typeface="Cambria Math" panose="02040503050406030204" pitchFamily="18" charset="0"/>
+                                </a:rPr>
                               </m:ctrlPr>
                             </m:accPr>
                             <m:e>
@@ -4502,7 +5121,9 @@
                                 <m:rPr>
                                   <m:sty m:val="p"/>
                                 </m:rPr>
-                                <a:rPr lang="en-US" altLang="ko-KR" sz="2400"/>
+                                <a:rPr lang="en-US" altLang="ko-KR" sz="2400">
+                                  <a:latin typeface="Cambria Math" panose="02040503050406030204" pitchFamily="18" charset="0"/>
+                                </a:rPr>
                                 <m:t>e</m:t>
                               </m:r>
                             </m:e>
@@ -4513,7 +5134,9 @@
                             <m:rPr>
                               <m:sty m:val="p"/>
                             </m:rPr>
-                            <a:rPr lang="en-US" altLang="ko-KR" sz="2400"/>
+                            <a:rPr lang="en-US" altLang="ko-KR" sz="2400">
+                              <a:latin typeface="Cambria Math" panose="02040503050406030204" pitchFamily="18" charset="0"/>
+                            </a:rPr>
                             <m:t>Y</m:t>
                           </m:r>
                         </m:sub>
@@ -4526,7 +5149,7 @@
             </p:txBody>
           </p:sp>
         </mc:Choice>
-        <mc:Fallback>
+        <mc:Fallback xmlns="">
           <p:sp>
             <p:nvSpPr>
               <p:cNvPr id="29" name="TextBox 28">
@@ -4571,8 +5194,8 @@
           </p:sp>
         </mc:Fallback>
       </mc:AlternateContent>
-      <mc:AlternateContent xmlns:mc="http://schemas.openxmlformats.org/markup-compatibility/2006">
-        <mc:Choice xmlns:a14="http://schemas.microsoft.com/office/drawing/2010/main" Requires="a14">
+      <mc:AlternateContent xmlns:mc="http://schemas.openxmlformats.org/markup-compatibility/2006" xmlns:a14="http://schemas.microsoft.com/office/drawing/2010/main">
+        <mc:Choice Requires="a14">
           <p:sp>
             <p:nvSpPr>
               <p:cNvPr id="30" name="TextBox 29">
@@ -4622,7 +5245,7 @@
             </p:txBody>
           </p:sp>
         </mc:Choice>
-        <mc:Fallback>
+        <mc:Fallback xmlns="">
           <p:sp>
             <p:nvSpPr>
               <p:cNvPr id="30" name="TextBox 29">
@@ -4667,8 +5290,8 @@
           </p:sp>
         </mc:Fallback>
       </mc:AlternateContent>
-      <mc:AlternateContent xmlns:mc="http://schemas.openxmlformats.org/markup-compatibility/2006">
-        <mc:Choice xmlns:a14="http://schemas.microsoft.com/office/drawing/2010/main" Requires="a14">
+      <mc:AlternateContent xmlns:mc="http://schemas.openxmlformats.org/markup-compatibility/2006" xmlns:a14="http://schemas.microsoft.com/office/drawing/2010/main">
+        <mc:Choice Requires="a14">
           <p:sp>
             <p:nvSpPr>
               <p:cNvPr id="22" name="Rounded Rectangle 7">
@@ -4749,6 +5372,7 @@
                         <a:solidFill>
                           <a:schemeClr val="tx1"/>
                         </a:solidFill>
+                        <a:latin typeface="Cambria Math" panose="02040503050406030204" pitchFamily="18" charset="0"/>
                       </a:rPr>
                       <m:t>{</m:t>
                     </m:r>
@@ -4757,6 +5381,7 @@
                         <a:solidFill>
                           <a:schemeClr val="tx1"/>
                         </a:solidFill>
+                        <a:latin typeface="Cambria Math" panose="02040503050406030204" pitchFamily="18" charset="0"/>
                       </a:rPr>
                       <m:t>𝑆</m:t>
                     </m:r>
@@ -4765,6 +5390,7 @@
                         <a:solidFill>
                           <a:schemeClr val="tx1"/>
                         </a:solidFill>
+                        <a:latin typeface="Cambria Math" panose="02040503050406030204" pitchFamily="18" charset="0"/>
                       </a:rPr>
                       <m:t>}</m:t>
                     </m:r>
@@ -4782,7 +5408,7 @@
             </p:txBody>
           </p:sp>
         </mc:Choice>
-        <mc:Fallback>
+        <mc:Fallback xmlns="">
           <p:sp>
             <p:nvSpPr>
               <p:cNvPr id="22" name="Rounded Rectangle 7">
@@ -5286,8 +5912,8 @@
           </a:p>
         </p:txBody>
       </p:sp>
-      <mc:AlternateContent xmlns:mc="http://schemas.openxmlformats.org/markup-compatibility/2006">
-        <mc:Choice xmlns:a14="http://schemas.microsoft.com/office/drawing/2010/main" Requires="a14">
+      <mc:AlternateContent xmlns:mc="http://schemas.openxmlformats.org/markup-compatibility/2006" xmlns:a14="http://schemas.microsoft.com/office/drawing/2010/main">
+        <mc:Choice Requires="a14">
           <p:sp>
             <p:nvSpPr>
               <p:cNvPr id="43" name="TextBox 42">
@@ -5335,7 +5961,9 @@
                       <m:sSub>
                         <m:sSubPr>
                           <m:ctrlPr>
-                            <a:rPr lang="en-US" altLang="ko-KR" smtClean="0"/>
+                            <a:rPr lang="en-US" altLang="ko-KR" i="1" smtClean="0">
+                              <a:latin typeface="Cambria Math" panose="02040503050406030204" pitchFamily="18" charset="0"/>
+                            </a:rPr>
                           </m:ctrlPr>
                         </m:sSubPr>
                         <m:e>
@@ -5343,7 +5971,9 @@
                             <m:accPr>
                               <m:chr m:val="̂"/>
                               <m:ctrlPr>
-                                <a:rPr lang="en-US" altLang="ko-KR"/>
+                                <a:rPr lang="en-US" altLang="ko-KR" i="1">
+                                  <a:latin typeface="Cambria Math" panose="02040503050406030204" pitchFamily="18" charset="0"/>
+                                </a:rPr>
                               </m:ctrlPr>
                             </m:accPr>
                             <m:e>
@@ -5351,7 +5981,9 @@
                                 <m:rPr>
                                   <m:sty m:val="p"/>
                                 </m:rPr>
-                                <a:rPr lang="en-US" altLang="ko-KR"/>
+                                <a:rPr lang="en-US" altLang="ko-KR">
+                                  <a:latin typeface="Cambria Math" panose="02040503050406030204" pitchFamily="18" charset="0"/>
+                                </a:rPr>
                                 <m:t>e</m:t>
                               </m:r>
                             </m:e>
@@ -5377,7 +6009,7 @@
             </p:txBody>
           </p:sp>
         </mc:Choice>
-        <mc:Fallback>
+        <mc:Fallback xmlns="">
           <p:sp>
             <p:nvSpPr>
               <p:cNvPr id="43" name="TextBox 42">
@@ -5638,8 +6270,8 @@
           </a:p>
         </p:txBody>
       </p:sp>
-      <mc:AlternateContent xmlns:mc="http://schemas.openxmlformats.org/markup-compatibility/2006">
-        <mc:Choice xmlns:a14="http://schemas.microsoft.com/office/drawing/2010/main" Requires="a14">
+      <mc:AlternateContent xmlns:mc="http://schemas.openxmlformats.org/markup-compatibility/2006" xmlns:a14="http://schemas.microsoft.com/office/drawing/2010/main">
+        <mc:Choice Requires="a14">
           <p:sp>
             <p:nvSpPr>
               <p:cNvPr id="6" name="Rounded Rectangle 5">
@@ -5820,7 +6452,7 @@
             </p:txBody>
           </p:sp>
         </mc:Choice>
-        <mc:Fallback>
+        <mc:Fallback xmlns="">
           <p:sp>
             <p:nvSpPr>
               <p:cNvPr id="6" name="Rounded Rectangle 5">
@@ -5993,8 +6625,8 @@
           </p:txBody>
         </p:sp>
       </p:grpSp>
-      <mc:AlternateContent xmlns:mc="http://schemas.openxmlformats.org/markup-compatibility/2006">
-        <mc:Choice xmlns:a14="http://schemas.microsoft.com/office/drawing/2010/main" Requires="a14">
+      <mc:AlternateContent xmlns:mc="http://schemas.openxmlformats.org/markup-compatibility/2006" xmlns:a14="http://schemas.microsoft.com/office/drawing/2010/main">
+        <mc:Choice Requires="a14">
           <p:sp>
             <p:nvSpPr>
               <p:cNvPr id="10" name="Rounded Rectangle 9">
@@ -6175,7 +6807,7 @@
             </p:txBody>
           </p:sp>
         </mc:Choice>
-        <mc:Fallback>
+        <mc:Fallback xmlns="">
           <p:sp>
             <p:nvSpPr>
               <p:cNvPr id="10" name="Rounded Rectangle 9">
@@ -7053,8 +7685,8 @@
           </a:p>
         </p:txBody>
       </p:sp>
-      <mc:AlternateContent xmlns:mc="http://schemas.openxmlformats.org/markup-compatibility/2006">
-        <mc:Choice xmlns:a14="http://schemas.microsoft.com/office/drawing/2010/main" Requires="a14">
+      <mc:AlternateContent xmlns:mc="http://schemas.openxmlformats.org/markup-compatibility/2006" xmlns:a14="http://schemas.microsoft.com/office/drawing/2010/main">
+        <mc:Choice Requires="a14">
           <p:sp>
             <p:nvSpPr>
               <p:cNvPr id="11" name="TextBox 10">
@@ -7102,7 +7734,9 @@
                       <m:sSub>
                         <m:sSubPr>
                           <m:ctrlPr>
-                            <a:rPr lang="en-US" altLang="ko-KR"/>
+                            <a:rPr lang="en-US" altLang="ko-KR" i="1">
+                              <a:latin typeface="Cambria Math" panose="02040503050406030204" pitchFamily="18" charset="0"/>
+                            </a:rPr>
                           </m:ctrlPr>
                         </m:sSubPr>
                         <m:e>
@@ -7110,7 +7744,9 @@
                             <m:accPr>
                               <m:chr m:val="̂"/>
                               <m:ctrlPr>
-                                <a:rPr lang="en-US" altLang="ko-KR"/>
+                                <a:rPr lang="en-US" altLang="ko-KR" i="1">
+                                  <a:latin typeface="Cambria Math" panose="02040503050406030204" pitchFamily="18" charset="0"/>
+                                </a:rPr>
                               </m:ctrlPr>
                             </m:accPr>
                             <m:e>
@@ -7118,7 +7754,9 @@
                                 <m:rPr>
                                   <m:sty m:val="p"/>
                                 </m:rPr>
-                                <a:rPr lang="en-US" altLang="ko-KR"/>
+                                <a:rPr lang="en-US" altLang="ko-KR">
+                                  <a:latin typeface="Cambria Math" panose="02040503050406030204" pitchFamily="18" charset="0"/>
+                                </a:rPr>
                                 <m:t>e</m:t>
                               </m:r>
                             </m:e>
@@ -7129,7 +7767,9 @@
                             <m:rPr>
                               <m:sty m:val="p"/>
                             </m:rPr>
-                            <a:rPr lang="en-US" altLang="ko-KR"/>
+                            <a:rPr lang="en-US" altLang="ko-KR">
+                              <a:latin typeface="Cambria Math" panose="02040503050406030204" pitchFamily="18" charset="0"/>
+                            </a:rPr>
                             <m:t>X</m:t>
                           </m:r>
                         </m:sub>
@@ -7142,7 +7782,7 @@
             </p:txBody>
           </p:sp>
         </mc:Choice>
-        <mc:Fallback>
+        <mc:Fallback xmlns="">
           <p:sp>
             <p:nvSpPr>
               <p:cNvPr id="11" name="TextBox 10">
@@ -7187,8 +7827,8 @@
           </p:sp>
         </mc:Fallback>
       </mc:AlternateContent>
-      <mc:AlternateContent xmlns:mc="http://schemas.openxmlformats.org/markup-compatibility/2006">
-        <mc:Choice xmlns:a14="http://schemas.microsoft.com/office/drawing/2010/main" Requires="a14">
+      <mc:AlternateContent xmlns:mc="http://schemas.openxmlformats.org/markup-compatibility/2006" xmlns:a14="http://schemas.microsoft.com/office/drawing/2010/main">
+        <mc:Choice Requires="a14">
           <p:sp>
             <p:nvSpPr>
               <p:cNvPr id="14" name="TextBox 13">
@@ -7236,7 +7876,9 @@
                       <m:sSub>
                         <m:sSubPr>
                           <m:ctrlPr>
-                            <a:rPr lang="en-US" altLang="ko-KR" sz="2400" i="1"/>
+                            <a:rPr lang="en-US" altLang="ko-KR" sz="2400" i="1">
+                              <a:latin typeface="Cambria Math" panose="02040503050406030204" pitchFamily="18" charset="0"/>
+                            </a:rPr>
                           </m:ctrlPr>
                         </m:sSubPr>
                         <m:e>
@@ -7244,7 +7886,9 @@
                             <m:accPr>
                               <m:chr m:val="̂"/>
                               <m:ctrlPr>
-                                <a:rPr lang="en-US" altLang="ko-KR" sz="2400" i="1"/>
+                                <a:rPr lang="en-US" altLang="ko-KR" sz="2400" i="1">
+                                  <a:latin typeface="Cambria Math" panose="02040503050406030204" pitchFamily="18" charset="0"/>
+                                </a:rPr>
                               </m:ctrlPr>
                             </m:accPr>
                             <m:e>
@@ -7252,7 +7896,9 @@
                                 <m:rPr>
                                   <m:sty m:val="p"/>
                                 </m:rPr>
-                                <a:rPr lang="en-US" altLang="ko-KR" sz="2400"/>
+                                <a:rPr lang="en-US" altLang="ko-KR" sz="2400">
+                                  <a:latin typeface="Cambria Math" panose="02040503050406030204" pitchFamily="18" charset="0"/>
+                                </a:rPr>
                                 <m:t>e</m:t>
                               </m:r>
                             </m:e>
@@ -7263,7 +7909,9 @@
                             <m:rPr>
                               <m:sty m:val="p"/>
                             </m:rPr>
-                            <a:rPr lang="en-US" altLang="ko-KR" sz="2400"/>
+                            <a:rPr lang="en-US" altLang="ko-KR" sz="2400">
+                              <a:latin typeface="Cambria Math" panose="02040503050406030204" pitchFamily="18" charset="0"/>
+                            </a:rPr>
                             <m:t>Y</m:t>
                           </m:r>
                         </m:sub>
@@ -7276,7 +7924,7 @@
             </p:txBody>
           </p:sp>
         </mc:Choice>
-        <mc:Fallback>
+        <mc:Fallback xmlns="">
           <p:sp>
             <p:nvSpPr>
               <p:cNvPr id="14" name="TextBox 13">
@@ -7321,8 +7969,8 @@
           </p:sp>
         </mc:Fallback>
       </mc:AlternateContent>
-      <mc:AlternateContent xmlns:mc="http://schemas.openxmlformats.org/markup-compatibility/2006">
-        <mc:Choice xmlns:a14="http://schemas.microsoft.com/office/drawing/2010/main" Requires="a14">
+      <mc:AlternateContent xmlns:mc="http://schemas.openxmlformats.org/markup-compatibility/2006" xmlns:a14="http://schemas.microsoft.com/office/drawing/2010/main">
+        <mc:Choice Requires="a14">
           <p:sp>
             <p:nvSpPr>
               <p:cNvPr id="17" name="TextBox 16">
@@ -7372,7 +8020,7 @@
             </p:txBody>
           </p:sp>
         </mc:Choice>
-        <mc:Fallback>
+        <mc:Fallback xmlns="">
           <p:sp>
             <p:nvSpPr>
               <p:cNvPr id="17" name="TextBox 16">
@@ -7417,8 +8065,8 @@
           </p:sp>
         </mc:Fallback>
       </mc:AlternateContent>
-      <mc:AlternateContent xmlns:mc="http://schemas.openxmlformats.org/markup-compatibility/2006">
-        <mc:Choice xmlns:a14="http://schemas.microsoft.com/office/drawing/2010/main" Requires="a14">
+      <mc:AlternateContent xmlns:mc="http://schemas.openxmlformats.org/markup-compatibility/2006" xmlns:a14="http://schemas.microsoft.com/office/drawing/2010/main">
+        <mc:Choice Requires="a14">
           <p:sp>
             <p:nvSpPr>
               <p:cNvPr id="19" name="Rounded Rectangle 7">
@@ -7499,6 +8147,7 @@
                         <a:solidFill>
                           <a:schemeClr val="tx1"/>
                         </a:solidFill>
+                        <a:latin typeface="Cambria Math" panose="02040503050406030204" pitchFamily="18" charset="0"/>
                       </a:rPr>
                       <m:t>{</m:t>
                     </m:r>
@@ -7507,6 +8156,7 @@
                         <a:solidFill>
                           <a:schemeClr val="tx1"/>
                         </a:solidFill>
+                        <a:latin typeface="Cambria Math" panose="02040503050406030204" pitchFamily="18" charset="0"/>
                       </a:rPr>
                       <m:t>𝑆</m:t>
                     </m:r>
@@ -7515,6 +8165,7 @@
                         <a:solidFill>
                           <a:schemeClr val="tx1"/>
                         </a:solidFill>
+                        <a:latin typeface="Cambria Math" panose="02040503050406030204" pitchFamily="18" charset="0"/>
                       </a:rPr>
                       <m:t>}</m:t>
                     </m:r>
@@ -7532,7 +8183,7 @@
             </p:txBody>
           </p:sp>
         </mc:Choice>
-        <mc:Fallback>
+        <mc:Fallback xmlns="">
           <p:sp>
             <p:nvSpPr>
               <p:cNvPr id="19" name="Rounded Rectangle 7">
@@ -7641,8 +8292,8 @@
           </a:p>
         </p:txBody>
       </p:sp>
-      <mc:AlternateContent xmlns:mc="http://schemas.openxmlformats.org/markup-compatibility/2006">
-        <mc:Choice xmlns:a14="http://schemas.microsoft.com/office/drawing/2010/main" Requires="a14">
+      <mc:AlternateContent xmlns:mc="http://schemas.openxmlformats.org/markup-compatibility/2006" xmlns:a14="http://schemas.microsoft.com/office/drawing/2010/main">
+        <mc:Choice Requires="a14">
           <p:sp>
             <p:nvSpPr>
               <p:cNvPr id="25" name="TextBox 24">
@@ -7690,7 +8341,9 @@
                       <m:sSub>
                         <m:sSubPr>
                           <m:ctrlPr>
-                            <a:rPr lang="en-US" altLang="ko-KR" smtClean="0"/>
+                            <a:rPr lang="en-US" altLang="ko-KR" i="1" smtClean="0">
+                              <a:latin typeface="Cambria Math" panose="02040503050406030204" pitchFamily="18" charset="0"/>
+                            </a:rPr>
                           </m:ctrlPr>
                         </m:sSubPr>
                         <m:e>
@@ -7698,7 +8351,9 @@
                             <m:accPr>
                               <m:chr m:val="̂"/>
                               <m:ctrlPr>
-                                <a:rPr lang="en-US" altLang="ko-KR"/>
+                                <a:rPr lang="en-US" altLang="ko-KR" i="1">
+                                  <a:latin typeface="Cambria Math" panose="02040503050406030204" pitchFamily="18" charset="0"/>
+                                </a:rPr>
                               </m:ctrlPr>
                             </m:accPr>
                             <m:e>
@@ -7706,7 +8361,9 @@
                                 <m:rPr>
                                   <m:sty m:val="p"/>
                                 </m:rPr>
-                                <a:rPr lang="en-US" altLang="ko-KR"/>
+                                <a:rPr lang="en-US" altLang="ko-KR">
+                                  <a:latin typeface="Cambria Math" panose="02040503050406030204" pitchFamily="18" charset="0"/>
+                                </a:rPr>
                                 <m:t>e</m:t>
                               </m:r>
                             </m:e>
@@ -7732,7 +8389,7 @@
             </p:txBody>
           </p:sp>
         </mc:Choice>
-        <mc:Fallback>
+        <mc:Fallback xmlns="">
           <p:sp>
             <p:nvSpPr>
               <p:cNvPr id="25" name="TextBox 24">
@@ -8402,6 +9059,5661 @@
 </p:sld>
 </file>
 
+<file path=ppt/slides/slide5.xml><?xml version="1.0" encoding="utf-8"?>
+<p:sld xmlns:a="http://schemas.openxmlformats.org/drawingml/2006/main" xmlns:r="http://schemas.openxmlformats.org/officeDocument/2006/relationships" xmlns:p="http://schemas.openxmlformats.org/presentationml/2006/main">
+  <p:cSld>
+    <p:spTree>
+      <p:nvGrpSpPr>
+        <p:cNvPr id="1" name=""/>
+        <p:cNvGrpSpPr/>
+        <p:nvPr/>
+      </p:nvGrpSpPr>
+      <p:grpSpPr>
+        <a:xfrm>
+          <a:off x="0" y="0"/>
+          <a:ext cx="0" cy="0"/>
+          <a:chOff x="0" y="0"/>
+          <a:chExt cx="0" cy="0"/>
+        </a:xfrm>
+      </p:grpSpPr>
+      <p:pic>
+        <p:nvPicPr>
+          <p:cNvPr id="13" name="Picture 12">
+            <a:extLst>
+              <a:ext uri="{FF2B5EF4-FFF2-40B4-BE49-F238E27FC236}">
+                <a16:creationId xmlns:a16="http://schemas.microsoft.com/office/drawing/2014/main" id="{B756D728-6C47-A054-6D1E-EDCC4A9DD79C}"/>
+              </a:ext>
+            </a:extLst>
+          </p:cNvPr>
+          <p:cNvPicPr>
+            <a:picLocks noChangeAspect="1"/>
+          </p:cNvPicPr>
+          <p:nvPr/>
+        </p:nvPicPr>
+        <p:blipFill rotWithShape="1">
+          <a:blip r:embed="rId3"/>
+          <a:srcRect l="44586" r="39878"/>
+          <a:stretch/>
+        </p:blipFill>
+        <p:spPr>
+          <a:xfrm>
+            <a:off x="710157" y="187583"/>
+            <a:ext cx="1420609" cy="6858000"/>
+          </a:xfrm>
+          <a:prstGeom prst="rect">
+            <a:avLst/>
+          </a:prstGeom>
+        </p:spPr>
+      </p:pic>
+      <p:sp>
+        <p:nvSpPr>
+          <p:cNvPr id="24" name="Rounded Rectangle 23">
+            <a:extLst>
+              <a:ext uri="{FF2B5EF4-FFF2-40B4-BE49-F238E27FC236}">
+                <a16:creationId xmlns:a16="http://schemas.microsoft.com/office/drawing/2014/main" id="{13C32372-74E2-D935-7826-E3067BE56693}"/>
+              </a:ext>
+            </a:extLst>
+          </p:cNvPr>
+          <p:cNvSpPr/>
+          <p:nvPr/>
+        </p:nvSpPr>
+        <p:spPr>
+          <a:xfrm>
+            <a:off x="95533" y="95533"/>
+            <a:ext cx="6684645" cy="6192533"/>
+          </a:xfrm>
+          <a:prstGeom prst="roundRect">
+            <a:avLst>
+              <a:gd name="adj" fmla="val 2166"/>
+            </a:avLst>
+          </a:prstGeom>
+          <a:noFill/>
+          <a:ln w="38100">
+            <a:solidFill>
+              <a:schemeClr val="tx1"/>
+            </a:solidFill>
+          </a:ln>
+        </p:spPr>
+        <p:style>
+          <a:lnRef idx="2">
+            <a:schemeClr val="accent1">
+              <a:shade val="50000"/>
+            </a:schemeClr>
+          </a:lnRef>
+          <a:fillRef idx="1">
+            <a:schemeClr val="accent1"/>
+          </a:fillRef>
+          <a:effectRef idx="0">
+            <a:schemeClr val="accent1"/>
+          </a:effectRef>
+          <a:fontRef idx="minor">
+            <a:schemeClr val="lt1"/>
+          </a:fontRef>
+        </p:style>
+        <p:txBody>
+          <a:bodyPr rtlCol="0" anchor="ctr"/>
+          <a:lstStyle/>
+          <a:p>
+            <a:pPr algn="ctr"/>
+            <a:endParaRPr lang="en-US"/>
+          </a:p>
+        </p:txBody>
+      </p:sp>
+    </p:spTree>
+    <p:extLst>
+      <p:ext uri="{BB962C8B-B14F-4D97-AF65-F5344CB8AC3E}">
+        <p14:creationId xmlns:p14="http://schemas.microsoft.com/office/powerpoint/2010/main" val="4244692091"/>
+      </p:ext>
+    </p:extLst>
+  </p:cSld>
+  <p:clrMapOvr>
+    <a:masterClrMapping/>
+  </p:clrMapOvr>
+</p:sld>
+</file>
+
+<file path=ppt/slides/slide6.xml><?xml version="1.0" encoding="utf-8"?>
+<p:sld xmlns:a="http://schemas.openxmlformats.org/drawingml/2006/main" xmlns:r="http://schemas.openxmlformats.org/officeDocument/2006/relationships" xmlns:p="http://schemas.openxmlformats.org/presentationml/2006/main">
+  <p:cSld>
+    <p:spTree>
+      <p:nvGrpSpPr>
+        <p:cNvPr id="1" name=""/>
+        <p:cNvGrpSpPr/>
+        <p:nvPr/>
+      </p:nvGrpSpPr>
+      <p:grpSpPr>
+        <a:xfrm>
+          <a:off x="0" y="0"/>
+          <a:ext cx="0" cy="0"/>
+          <a:chOff x="0" y="0"/>
+          <a:chExt cx="0" cy="0"/>
+        </a:xfrm>
+      </p:grpSpPr>
+      <p:pic>
+        <p:nvPicPr>
+          <p:cNvPr id="16" name="Picture 15">
+            <a:extLst>
+              <a:ext uri="{FF2B5EF4-FFF2-40B4-BE49-F238E27FC236}">
+                <a16:creationId xmlns:a16="http://schemas.microsoft.com/office/drawing/2014/main" id="{83042A6C-5E9B-048C-B8C2-0A567274E8D4}"/>
+              </a:ext>
+            </a:extLst>
+          </p:cNvPr>
+          <p:cNvPicPr>
+            <a:picLocks noChangeAspect="1"/>
+          </p:cNvPicPr>
+          <p:nvPr/>
+        </p:nvPicPr>
+        <p:blipFill rotWithShape="1">
+          <a:blip r:embed="rId3"/>
+          <a:srcRect l="39759" r="37172"/>
+          <a:stretch/>
+        </p:blipFill>
+        <p:spPr>
+          <a:xfrm>
+            <a:off x="2745390" y="187583"/>
+            <a:ext cx="2109446" cy="6858000"/>
+          </a:xfrm>
+          <a:prstGeom prst="rect">
+            <a:avLst/>
+          </a:prstGeom>
+        </p:spPr>
+      </p:pic>
+      <p:pic>
+        <p:nvPicPr>
+          <p:cNvPr id="13" name="Picture 12">
+            <a:extLst>
+              <a:ext uri="{FF2B5EF4-FFF2-40B4-BE49-F238E27FC236}">
+                <a16:creationId xmlns:a16="http://schemas.microsoft.com/office/drawing/2014/main" id="{B756D728-6C47-A054-6D1E-EDCC4A9DD79C}"/>
+              </a:ext>
+            </a:extLst>
+          </p:cNvPr>
+          <p:cNvPicPr>
+            <a:picLocks noChangeAspect="1"/>
+          </p:cNvPicPr>
+          <p:nvPr/>
+        </p:nvPicPr>
+        <p:blipFill rotWithShape="1">
+          <a:blip r:embed="rId4"/>
+          <a:srcRect l="44586" r="39878"/>
+          <a:stretch/>
+        </p:blipFill>
+        <p:spPr>
+          <a:xfrm>
+            <a:off x="710157" y="187583"/>
+            <a:ext cx="1420609" cy="6858000"/>
+          </a:xfrm>
+          <a:prstGeom prst="rect">
+            <a:avLst/>
+          </a:prstGeom>
+        </p:spPr>
+      </p:pic>
+      <p:sp>
+        <p:nvSpPr>
+          <p:cNvPr id="24" name="Rounded Rectangle 23">
+            <a:extLst>
+              <a:ext uri="{FF2B5EF4-FFF2-40B4-BE49-F238E27FC236}">
+                <a16:creationId xmlns:a16="http://schemas.microsoft.com/office/drawing/2014/main" id="{13C32372-74E2-D935-7826-E3067BE56693}"/>
+              </a:ext>
+            </a:extLst>
+          </p:cNvPr>
+          <p:cNvSpPr/>
+          <p:nvPr/>
+        </p:nvSpPr>
+        <p:spPr>
+          <a:xfrm>
+            <a:off x="95533" y="95533"/>
+            <a:ext cx="6684645" cy="6192533"/>
+          </a:xfrm>
+          <a:prstGeom prst="roundRect">
+            <a:avLst>
+              <a:gd name="adj" fmla="val 2166"/>
+            </a:avLst>
+          </a:prstGeom>
+          <a:noFill/>
+          <a:ln w="38100">
+            <a:solidFill>
+              <a:schemeClr val="tx1"/>
+            </a:solidFill>
+          </a:ln>
+        </p:spPr>
+        <p:style>
+          <a:lnRef idx="2">
+            <a:schemeClr val="accent1">
+              <a:shade val="50000"/>
+            </a:schemeClr>
+          </a:lnRef>
+          <a:fillRef idx="1">
+            <a:schemeClr val="accent1"/>
+          </a:fillRef>
+          <a:effectRef idx="0">
+            <a:schemeClr val="accent1"/>
+          </a:effectRef>
+          <a:fontRef idx="minor">
+            <a:schemeClr val="lt1"/>
+          </a:fontRef>
+        </p:style>
+        <p:txBody>
+          <a:bodyPr rtlCol="0" anchor="ctr"/>
+          <a:lstStyle/>
+          <a:p>
+            <a:pPr algn="ctr"/>
+            <a:endParaRPr lang="en-US"/>
+          </a:p>
+        </p:txBody>
+      </p:sp>
+      <p:sp>
+        <p:nvSpPr>
+          <p:cNvPr id="34" name="Oval 33">
+            <a:extLst>
+              <a:ext uri="{FF2B5EF4-FFF2-40B4-BE49-F238E27FC236}">
+                <a16:creationId xmlns:a16="http://schemas.microsoft.com/office/drawing/2014/main" id="{64E8444C-2287-68A9-7902-72F206C7645D}"/>
+              </a:ext>
+            </a:extLst>
+          </p:cNvPr>
+          <p:cNvSpPr/>
+          <p:nvPr/>
+        </p:nvSpPr>
+        <p:spPr>
+          <a:xfrm>
+            <a:off x="3749152" y="6203516"/>
+            <a:ext cx="169102" cy="169100"/>
+          </a:xfrm>
+          <a:prstGeom prst="ellipse">
+            <a:avLst/>
+          </a:prstGeom>
+          <a:solidFill>
+            <a:schemeClr val="accent4">
+              <a:lumMod val="60000"/>
+              <a:lumOff val="40000"/>
+            </a:schemeClr>
+          </a:solidFill>
+          <a:ln w="38100">
+            <a:solidFill>
+              <a:schemeClr val="tx1"/>
+            </a:solidFill>
+          </a:ln>
+        </p:spPr>
+        <p:style>
+          <a:lnRef idx="2">
+            <a:schemeClr val="accent1">
+              <a:shade val="50000"/>
+            </a:schemeClr>
+          </a:lnRef>
+          <a:fillRef idx="1">
+            <a:schemeClr val="accent1"/>
+          </a:fillRef>
+          <a:effectRef idx="0">
+            <a:schemeClr val="accent1"/>
+          </a:effectRef>
+          <a:fontRef idx="minor">
+            <a:schemeClr val="lt1"/>
+          </a:fontRef>
+        </p:style>
+        <p:txBody>
+          <a:bodyPr rtlCol="0" anchor="ctr"/>
+          <a:lstStyle/>
+          <a:p>
+            <a:pPr algn="ctr"/>
+            <a:endParaRPr lang="en-US" sz="600"/>
+          </a:p>
+        </p:txBody>
+      </p:sp>
+      <p:grpSp>
+        <p:nvGrpSpPr>
+          <p:cNvPr id="52" name="Group 51">
+            <a:extLst>
+              <a:ext uri="{FF2B5EF4-FFF2-40B4-BE49-F238E27FC236}">
+                <a16:creationId xmlns:a16="http://schemas.microsoft.com/office/drawing/2014/main" id="{A94DC0B3-A5FE-CF4E-EFF1-70175E7BF7CE}"/>
+              </a:ext>
+            </a:extLst>
+          </p:cNvPr>
+          <p:cNvGrpSpPr/>
+          <p:nvPr/>
+        </p:nvGrpSpPr>
+        <p:grpSpPr>
+          <a:xfrm>
+            <a:off x="4653751" y="4315988"/>
+            <a:ext cx="1626402" cy="1771035"/>
+            <a:chOff x="4810337" y="3695910"/>
+            <a:chExt cx="1866139" cy="2032091"/>
+          </a:xfrm>
+        </p:grpSpPr>
+        <p:sp>
+          <p:nvSpPr>
+            <p:cNvPr id="36" name="Rounded Rectangle 6">
+              <a:extLst>
+                <a:ext uri="{FF2B5EF4-FFF2-40B4-BE49-F238E27FC236}">
+                  <a16:creationId xmlns:a16="http://schemas.microsoft.com/office/drawing/2014/main" id="{F552B023-60FE-2694-B03C-9E43F1D456A6}"/>
+                </a:ext>
+              </a:extLst>
+            </p:cNvPr>
+            <p:cNvSpPr/>
+            <p:nvPr/>
+          </p:nvSpPr>
+          <p:spPr>
+            <a:xfrm>
+              <a:off x="4810337" y="3838317"/>
+              <a:ext cx="1866139" cy="1889684"/>
+            </a:xfrm>
+            <a:prstGeom prst="roundRect">
+              <a:avLst>
+                <a:gd name="adj" fmla="val 5518"/>
+              </a:avLst>
+            </a:prstGeom>
+            <a:solidFill>
+              <a:schemeClr val="accent3">
+                <a:lumMod val="40000"/>
+                <a:lumOff val="60000"/>
+              </a:schemeClr>
+            </a:solidFill>
+            <a:ln w="25400">
+              <a:solidFill>
+                <a:schemeClr val="tx1"/>
+              </a:solidFill>
+            </a:ln>
+          </p:spPr>
+          <p:style>
+            <a:lnRef idx="2">
+              <a:schemeClr val="accent1">
+                <a:shade val="50000"/>
+              </a:schemeClr>
+            </a:lnRef>
+            <a:fillRef idx="1">
+              <a:schemeClr val="accent1"/>
+            </a:fillRef>
+            <a:effectRef idx="0">
+              <a:schemeClr val="accent1"/>
+            </a:effectRef>
+            <a:fontRef idx="minor">
+              <a:schemeClr val="lt1"/>
+            </a:fontRef>
+          </p:style>
+          <p:txBody>
+            <a:bodyPr rtlCol="0" anchor="ctr"/>
+            <a:lstStyle/>
+            <a:p>
+              <a:pPr algn="ctr"/>
+              <a:endParaRPr lang="en-US" sz="600"/>
+            </a:p>
+          </p:txBody>
+        </p:sp>
+        <p:cxnSp>
+          <p:nvCxnSpPr>
+            <p:cNvPr id="37" name="Straight Arrow Connector 36">
+              <a:extLst>
+                <a:ext uri="{FF2B5EF4-FFF2-40B4-BE49-F238E27FC236}">
+                  <a16:creationId xmlns:a16="http://schemas.microsoft.com/office/drawing/2014/main" id="{7A7A3BDB-3A08-7AC4-C830-7D6AD4E70B52}"/>
+                </a:ext>
+              </a:extLst>
+            </p:cNvPr>
+            <p:cNvCxnSpPr>
+              <a:cxnSpLocks/>
+              <a:stCxn id="39" idx="6"/>
+            </p:cNvCxnSpPr>
+            <p:nvPr/>
+          </p:nvCxnSpPr>
+          <p:spPr>
+            <a:xfrm>
+              <a:off x="5344664" y="5308747"/>
+              <a:ext cx="870574" cy="0"/>
+            </a:xfrm>
+            <a:prstGeom prst="straightConnector1">
+              <a:avLst/>
+            </a:prstGeom>
+            <a:ln w="50800">
+              <a:solidFill>
+                <a:schemeClr val="tx1"/>
+              </a:solidFill>
+              <a:tailEnd type="triangle"/>
+            </a:ln>
+          </p:spPr>
+          <p:style>
+            <a:lnRef idx="1">
+              <a:schemeClr val="accent1"/>
+            </a:lnRef>
+            <a:fillRef idx="0">
+              <a:schemeClr val="accent1"/>
+            </a:fillRef>
+            <a:effectRef idx="0">
+              <a:schemeClr val="accent1"/>
+            </a:effectRef>
+            <a:fontRef idx="minor">
+              <a:schemeClr val="tx1"/>
+            </a:fontRef>
+          </p:style>
+        </p:cxnSp>
+        <p:cxnSp>
+          <p:nvCxnSpPr>
+            <p:cNvPr id="38" name="Straight Arrow Connector 37">
+              <a:extLst>
+                <a:ext uri="{FF2B5EF4-FFF2-40B4-BE49-F238E27FC236}">
+                  <a16:creationId xmlns:a16="http://schemas.microsoft.com/office/drawing/2014/main" id="{6FC0011D-551A-4F3D-A696-C220D395DA6B}"/>
+                </a:ext>
+              </a:extLst>
+            </p:cNvPr>
+            <p:cNvCxnSpPr>
+              <a:cxnSpLocks/>
+            </p:cNvCxnSpPr>
+            <p:nvPr/>
+          </p:nvCxnSpPr>
+          <p:spPr>
+            <a:xfrm flipV="1">
+              <a:off x="5250681" y="4228016"/>
+              <a:ext cx="0" cy="999875"/>
+            </a:xfrm>
+            <a:prstGeom prst="straightConnector1">
+              <a:avLst/>
+            </a:prstGeom>
+            <a:ln w="50800">
+              <a:solidFill>
+                <a:schemeClr val="tx1"/>
+              </a:solidFill>
+              <a:tailEnd type="triangle"/>
+            </a:ln>
+          </p:spPr>
+          <p:style>
+            <a:lnRef idx="1">
+              <a:schemeClr val="accent1"/>
+            </a:lnRef>
+            <a:fillRef idx="0">
+              <a:schemeClr val="accent1"/>
+            </a:fillRef>
+            <a:effectRef idx="0">
+              <a:schemeClr val="accent1"/>
+            </a:effectRef>
+            <a:fontRef idx="minor">
+              <a:schemeClr val="tx1"/>
+            </a:fontRef>
+          </p:style>
+        </p:cxnSp>
+        <p:sp>
+          <p:nvSpPr>
+            <p:cNvPr id="39" name="Oval 38">
+              <a:extLst>
+                <a:ext uri="{FF2B5EF4-FFF2-40B4-BE49-F238E27FC236}">
+                  <a16:creationId xmlns:a16="http://schemas.microsoft.com/office/drawing/2014/main" id="{365C93C4-461C-5568-D1C0-6887383B6191}"/>
+                </a:ext>
+              </a:extLst>
+            </p:cNvPr>
+            <p:cNvSpPr/>
+            <p:nvPr/>
+          </p:nvSpPr>
+          <p:spPr>
+            <a:xfrm>
+              <a:off x="5175562" y="5224197"/>
+              <a:ext cx="169102" cy="169100"/>
+            </a:xfrm>
+            <a:prstGeom prst="ellipse">
+              <a:avLst/>
+            </a:prstGeom>
+            <a:solidFill>
+              <a:schemeClr val="accent4">
+                <a:lumMod val="60000"/>
+                <a:lumOff val="40000"/>
+              </a:schemeClr>
+            </a:solidFill>
+            <a:ln w="38100">
+              <a:solidFill>
+                <a:schemeClr val="tx1"/>
+              </a:solidFill>
+            </a:ln>
+          </p:spPr>
+          <p:style>
+            <a:lnRef idx="2">
+              <a:schemeClr val="accent1">
+                <a:shade val="50000"/>
+              </a:schemeClr>
+            </a:lnRef>
+            <a:fillRef idx="1">
+              <a:schemeClr val="accent1"/>
+            </a:fillRef>
+            <a:effectRef idx="0">
+              <a:schemeClr val="accent1"/>
+            </a:effectRef>
+            <a:fontRef idx="minor">
+              <a:schemeClr val="lt1"/>
+            </a:fontRef>
+          </p:style>
+          <p:txBody>
+            <a:bodyPr rtlCol="0" anchor="ctr"/>
+            <a:lstStyle/>
+            <a:p>
+              <a:pPr algn="ctr"/>
+              <a:endParaRPr lang="en-US" sz="500"/>
+            </a:p>
+          </p:txBody>
+        </p:sp>
+        <mc:AlternateContent xmlns:mc="http://schemas.openxmlformats.org/markup-compatibility/2006">
+          <mc:Choice xmlns:a14="http://schemas.microsoft.com/office/drawing/2010/main" Requires="a14">
+            <p:sp>
+              <p:nvSpPr>
+                <p:cNvPr id="40" name="TextBox 39">
+                  <a:extLst>
+                    <a:ext uri="{FF2B5EF4-FFF2-40B4-BE49-F238E27FC236}">
+                      <a16:creationId xmlns:a16="http://schemas.microsoft.com/office/drawing/2014/main" id="{3EA36240-B266-5934-A4E7-AE75F7A8F2E9}"/>
+                    </a:ext>
+                  </a:extLst>
+                </p:cNvPr>
+                <p:cNvSpPr txBox="1"/>
+                <p:nvPr/>
+              </p:nvSpPr>
+              <p:spPr>
+                <a:xfrm>
+                  <a:off x="6131750" y="5038127"/>
+                  <a:ext cx="505353" cy="461665"/>
+                </a:xfrm>
+                <a:prstGeom prst="rect">
+                  <a:avLst/>
+                </a:prstGeom>
+                <a:noFill/>
+              </p:spPr>
+              <p:txBody>
+                <a:bodyPr wrap="square">
+                  <a:spAutoFit/>
+                </a:bodyPr>
+                <a:lstStyle>
+                  <a:defPPr>
+                    <a:defRPr lang="en-US"/>
+                  </a:defPPr>
+                  <a:lvl1pPr>
+                    <a:defRPr sz="2400" b="0" i="1">
+                      <a:latin typeface="Cambria Math" panose="02040503050406030204" pitchFamily="18" charset="0"/>
+                    </a:defRPr>
+                  </a:lvl1pPr>
+                </a:lstStyle>
+                <a:p>
+                  <a:pPr/>
+                  <a14:m>
+                    <m:oMathPara xmlns:m="http://schemas.openxmlformats.org/officeDocument/2006/math">
+                      <m:oMathParaPr>
+                        <m:jc m:val="centerGroup"/>
+                      </m:oMathParaPr>
+                      <m:oMath xmlns:m="http://schemas.openxmlformats.org/officeDocument/2006/math">
+                        <m:sSub>
+                          <m:sSubPr>
+                            <m:ctrlPr>
+                              <a:rPr lang="en-US" altLang="ko-KR" sz="2000" i="1" smtClean="0"/>
+                            </m:ctrlPr>
+                          </m:sSubPr>
+                          <m:e>
+                            <m:acc>
+                              <m:accPr>
+                                <m:chr m:val="̂"/>
+                                <m:ctrlPr>
+                                  <a:rPr lang="en-US" altLang="ko-KR" sz="2000" i="1"/>
+                                </m:ctrlPr>
+                              </m:accPr>
+                              <m:e>
+                                <m:r>
+                                  <m:rPr>
+                                    <m:sty m:val="p"/>
+                                  </m:rPr>
+                                  <a:rPr lang="en-US" altLang="ko-KR" sz="2000"/>
+                                  <m:t>e</m:t>
+                                </m:r>
+                              </m:e>
+                            </m:acc>
+                          </m:e>
+                          <m:sub>
+                            <m:r>
+                              <m:rPr>
+                                <m:sty m:val="p"/>
+                              </m:rPr>
+                              <a:rPr lang="en-US" altLang="ko-KR" sz="2000" b="0" i="0" smtClean="0">
+                                <a:latin typeface="Cambria Math" panose="02040503050406030204" pitchFamily="18" charset="0"/>
+                              </a:rPr>
+                              <m:t>Y</m:t>
+                            </m:r>
+                          </m:sub>
+                        </m:sSub>
+                      </m:oMath>
+                    </m:oMathPara>
+                  </a14:m>
+                  <a:endParaRPr lang="en-US" sz="2000" dirty="0"/>
+                </a:p>
+              </p:txBody>
+            </p:sp>
+          </mc:Choice>
+          <mc:Fallback>
+            <p:sp>
+              <p:nvSpPr>
+                <p:cNvPr id="40" name="TextBox 39">
+                  <a:extLst>
+                    <a:ext uri="{FF2B5EF4-FFF2-40B4-BE49-F238E27FC236}">
+                      <a16:creationId xmlns:a16="http://schemas.microsoft.com/office/drawing/2014/main" id="{3EA36240-B266-5934-A4E7-AE75F7A8F2E9}"/>
+                    </a:ext>
+                  </a:extLst>
+                </p:cNvPr>
+                <p:cNvSpPr txBox="1">
+                  <a:spLocks noRot="1" noChangeAspect="1" noMove="1" noResize="1" noEditPoints="1" noAdjustHandles="1" noChangeArrowheads="1" noChangeShapeType="1" noTextEdit="1"/>
+                </p:cNvSpPr>
+                <p:nvPr/>
+              </p:nvSpPr>
+              <p:spPr>
+                <a:xfrm>
+                  <a:off x="6131750" y="5038127"/>
+                  <a:ext cx="505353" cy="461665"/>
+                </a:xfrm>
+                <a:prstGeom prst="rect">
+                  <a:avLst/>
+                </a:prstGeom>
+                <a:blipFill>
+                  <a:blip r:embed="rId5"/>
+                  <a:stretch>
+                    <a:fillRect t="-6250"/>
+                  </a:stretch>
+                </a:blipFill>
+              </p:spPr>
+              <p:txBody>
+                <a:bodyPr/>
+                <a:lstStyle/>
+                <a:p>
+                  <a:r>
+                    <a:rPr lang="en-US">
+                      <a:noFill/>
+                    </a:rPr>
+                    <a:t> </a:t>
+                  </a:r>
+                </a:p>
+              </p:txBody>
+            </p:sp>
+          </mc:Fallback>
+        </mc:AlternateContent>
+        <mc:AlternateContent xmlns:mc="http://schemas.openxmlformats.org/markup-compatibility/2006">
+          <mc:Choice xmlns:a14="http://schemas.microsoft.com/office/drawing/2010/main" Requires="a14">
+            <p:sp>
+              <p:nvSpPr>
+                <p:cNvPr id="41" name="TextBox 40">
+                  <a:extLst>
+                    <a:ext uri="{FF2B5EF4-FFF2-40B4-BE49-F238E27FC236}">
+                      <a16:creationId xmlns:a16="http://schemas.microsoft.com/office/drawing/2014/main" id="{7A32A7DC-F464-4F45-CCB0-EE08DD0D097B}"/>
+                    </a:ext>
+                  </a:extLst>
+                </p:cNvPr>
+                <p:cNvSpPr txBox="1"/>
+                <p:nvPr/>
+              </p:nvSpPr>
+              <p:spPr>
+                <a:xfrm>
+                  <a:off x="5260113" y="4064931"/>
+                  <a:ext cx="505353" cy="461665"/>
+                </a:xfrm>
+                <a:prstGeom prst="rect">
+                  <a:avLst/>
+                </a:prstGeom>
+                <a:noFill/>
+              </p:spPr>
+              <p:txBody>
+                <a:bodyPr wrap="square">
+                  <a:spAutoFit/>
+                </a:bodyPr>
+                <a:lstStyle>
+                  <a:defPPr>
+                    <a:defRPr lang="en-US"/>
+                  </a:defPPr>
+                  <a:lvl1pPr>
+                    <a:defRPr sz="6000" b="0" i="1">
+                      <a:latin typeface="Cambria Math" panose="02040503050406030204" pitchFamily="18" charset="0"/>
+                    </a:defRPr>
+                  </a:lvl1pPr>
+                </a:lstStyle>
+                <a:p>
+                  <a:pPr/>
+                  <a14:m>
+                    <m:oMathPara xmlns:m="http://schemas.openxmlformats.org/officeDocument/2006/math">
+                      <m:oMathParaPr>
+                        <m:jc m:val="centerGroup"/>
+                      </m:oMathParaPr>
+                      <m:oMath xmlns:m="http://schemas.openxmlformats.org/officeDocument/2006/math">
+                        <m:sSub>
+                          <m:sSubPr>
+                            <m:ctrlPr>
+                              <a:rPr lang="en-US" altLang="ko-KR" sz="2000" i="1" smtClean="0"/>
+                            </m:ctrlPr>
+                          </m:sSubPr>
+                          <m:e>
+                            <m:acc>
+                              <m:accPr>
+                                <m:chr m:val="̂"/>
+                                <m:ctrlPr>
+                                  <a:rPr lang="en-US" altLang="ko-KR" sz="2000" i="1"/>
+                                </m:ctrlPr>
+                              </m:accPr>
+                              <m:e>
+                                <m:r>
+                                  <m:rPr>
+                                    <m:sty m:val="p"/>
+                                  </m:rPr>
+                                  <a:rPr lang="en-US" altLang="ko-KR" sz="2000"/>
+                                  <m:t>e</m:t>
+                                </m:r>
+                              </m:e>
+                            </m:acc>
+                          </m:e>
+                          <m:sub>
+                            <m:r>
+                              <m:rPr>
+                                <m:sty m:val="p"/>
+                              </m:rPr>
+                              <a:rPr lang="en-US" altLang="ko-KR" sz="2000" b="0" i="0" smtClean="0">
+                                <a:latin typeface="Cambria Math" panose="02040503050406030204" pitchFamily="18" charset="0"/>
+                              </a:rPr>
+                              <m:t>Z</m:t>
+                            </m:r>
+                          </m:sub>
+                        </m:sSub>
+                      </m:oMath>
+                    </m:oMathPara>
+                  </a14:m>
+                  <a:endParaRPr lang="en-US" sz="2000" dirty="0"/>
+                </a:p>
+              </p:txBody>
+            </p:sp>
+          </mc:Choice>
+          <mc:Fallback>
+            <p:sp>
+              <p:nvSpPr>
+                <p:cNvPr id="41" name="TextBox 40">
+                  <a:extLst>
+                    <a:ext uri="{FF2B5EF4-FFF2-40B4-BE49-F238E27FC236}">
+                      <a16:creationId xmlns:a16="http://schemas.microsoft.com/office/drawing/2014/main" id="{7A32A7DC-F464-4F45-CCB0-EE08DD0D097B}"/>
+                    </a:ext>
+                  </a:extLst>
+                </p:cNvPr>
+                <p:cNvSpPr txBox="1">
+                  <a:spLocks noRot="1" noChangeAspect="1" noMove="1" noResize="1" noEditPoints="1" noAdjustHandles="1" noChangeArrowheads="1" noChangeShapeType="1" noTextEdit="1"/>
+                </p:cNvSpPr>
+                <p:nvPr/>
+              </p:nvSpPr>
+              <p:spPr>
+                <a:xfrm>
+                  <a:off x="5260113" y="4064931"/>
+                  <a:ext cx="505353" cy="461665"/>
+                </a:xfrm>
+                <a:prstGeom prst="rect">
+                  <a:avLst/>
+                </a:prstGeom>
+                <a:blipFill>
+                  <a:blip r:embed="rId6"/>
+                  <a:stretch>
+                    <a:fillRect t="-6250"/>
+                  </a:stretch>
+                </a:blipFill>
+              </p:spPr>
+              <p:txBody>
+                <a:bodyPr/>
+                <a:lstStyle/>
+                <a:p>
+                  <a:r>
+                    <a:rPr lang="en-US">
+                      <a:noFill/>
+                    </a:rPr>
+                    <a:t> </a:t>
+                  </a:r>
+                </a:p>
+              </p:txBody>
+            </p:sp>
+          </mc:Fallback>
+        </mc:AlternateContent>
+        <mc:AlternateContent xmlns:mc="http://schemas.openxmlformats.org/markup-compatibility/2006">
+          <mc:Choice xmlns:a14="http://schemas.microsoft.com/office/drawing/2010/main" Requires="a14">
+            <p:sp>
+              <p:nvSpPr>
+                <p:cNvPr id="42" name="TextBox 41">
+                  <a:extLst>
+                    <a:ext uri="{FF2B5EF4-FFF2-40B4-BE49-F238E27FC236}">
+                      <a16:creationId xmlns:a16="http://schemas.microsoft.com/office/drawing/2014/main" id="{6EF84534-EE56-4BD4-93E5-1D62310668F8}"/>
+                    </a:ext>
+                  </a:extLst>
+                </p:cNvPr>
+                <p:cNvSpPr txBox="1"/>
+                <p:nvPr/>
+              </p:nvSpPr>
+              <p:spPr>
+                <a:xfrm>
+                  <a:off x="5194538" y="4893620"/>
+                  <a:ext cx="534327" cy="461665"/>
+                </a:xfrm>
+                <a:prstGeom prst="rect">
+                  <a:avLst/>
+                </a:prstGeom>
+                <a:noFill/>
+              </p:spPr>
+              <p:txBody>
+                <a:bodyPr wrap="square">
+                  <a:spAutoFit/>
+                </a:bodyPr>
+                <a:lstStyle/>
+                <a:p>
+                  <a:pPr/>
+                  <a14:m>
+                    <m:oMathPara xmlns:m="http://schemas.openxmlformats.org/officeDocument/2006/math">
+                      <m:oMathParaPr>
+                        <m:jc m:val="centerGroup"/>
+                      </m:oMathParaPr>
+                      <m:oMath xmlns:m="http://schemas.openxmlformats.org/officeDocument/2006/math">
+                        <m:r>
+                          <a:rPr lang="en-US" sz="2000" b="0" i="1" smtClean="0">
+                            <a:latin typeface="Cambria Math" panose="02040503050406030204" pitchFamily="18" charset="0"/>
+                          </a:rPr>
+                          <m:t>𝑂</m:t>
+                        </m:r>
+                      </m:oMath>
+                    </m:oMathPara>
+                  </a14:m>
+                  <a:endParaRPr lang="en-US" sz="2000" dirty="0"/>
+                </a:p>
+              </p:txBody>
+            </p:sp>
+          </mc:Choice>
+          <mc:Fallback>
+            <p:sp>
+              <p:nvSpPr>
+                <p:cNvPr id="42" name="TextBox 41">
+                  <a:extLst>
+                    <a:ext uri="{FF2B5EF4-FFF2-40B4-BE49-F238E27FC236}">
+                      <a16:creationId xmlns:a16="http://schemas.microsoft.com/office/drawing/2014/main" id="{6EF84534-EE56-4BD4-93E5-1D62310668F8}"/>
+                    </a:ext>
+                  </a:extLst>
+                </p:cNvPr>
+                <p:cNvSpPr txBox="1">
+                  <a:spLocks noRot="1" noChangeAspect="1" noMove="1" noResize="1" noEditPoints="1" noAdjustHandles="1" noChangeArrowheads="1" noChangeShapeType="1" noTextEdit="1"/>
+                </p:cNvSpPr>
+                <p:nvPr/>
+              </p:nvSpPr>
+              <p:spPr>
+                <a:xfrm>
+                  <a:off x="5194538" y="4893620"/>
+                  <a:ext cx="534327" cy="461665"/>
+                </a:xfrm>
+                <a:prstGeom prst="rect">
+                  <a:avLst/>
+                </a:prstGeom>
+                <a:blipFill>
+                  <a:blip r:embed="rId7"/>
+                  <a:stretch>
+                    <a:fillRect/>
+                  </a:stretch>
+                </a:blipFill>
+              </p:spPr>
+              <p:txBody>
+                <a:bodyPr/>
+                <a:lstStyle/>
+                <a:p>
+                  <a:r>
+                    <a:rPr lang="en-US">
+                      <a:noFill/>
+                    </a:rPr>
+                    <a:t> </a:t>
+                  </a:r>
+                </a:p>
+              </p:txBody>
+            </p:sp>
+          </mc:Fallback>
+        </mc:AlternateContent>
+        <mc:AlternateContent xmlns:mc="http://schemas.openxmlformats.org/markup-compatibility/2006">
+          <mc:Choice xmlns:a14="http://schemas.microsoft.com/office/drawing/2010/main" Requires="a14">
+            <p:sp>
+              <p:nvSpPr>
+                <p:cNvPr id="43" name="Rounded Rectangle 7">
+                  <a:extLst>
+                    <a:ext uri="{FF2B5EF4-FFF2-40B4-BE49-F238E27FC236}">
+                      <a16:creationId xmlns:a16="http://schemas.microsoft.com/office/drawing/2014/main" id="{D3983BA3-A390-4E9D-FF7D-A6AE4CE04953}"/>
+                    </a:ext>
+                  </a:extLst>
+                </p:cNvPr>
+                <p:cNvSpPr/>
+                <p:nvPr/>
+              </p:nvSpPr>
+              <p:spPr>
+                <a:xfrm>
+                  <a:off x="5082880" y="3695910"/>
+                  <a:ext cx="1365738" cy="348125"/>
+                </a:xfrm>
+                <a:prstGeom prst="roundRect">
+                  <a:avLst>
+                    <a:gd name="adj" fmla="val 8677"/>
+                  </a:avLst>
+                </a:prstGeom>
+                <a:solidFill>
+                  <a:schemeClr val="accent3">
+                    <a:lumMod val="40000"/>
+                    <a:lumOff val="60000"/>
+                  </a:schemeClr>
+                </a:solidFill>
+                <a:ln w="25400">
+                  <a:solidFill>
+                    <a:schemeClr val="tx1"/>
+                  </a:solidFill>
+                </a:ln>
+              </p:spPr>
+              <p:style>
+                <a:lnRef idx="2">
+                  <a:schemeClr val="accent1">
+                    <a:shade val="50000"/>
+                  </a:schemeClr>
+                </a:lnRef>
+                <a:fillRef idx="1">
+                  <a:schemeClr val="accent1"/>
+                </a:fillRef>
+                <a:effectRef idx="0">
+                  <a:schemeClr val="accent1"/>
+                </a:effectRef>
+                <a:fontRef idx="minor">
+                  <a:schemeClr val="lt1"/>
+                </a:fontRef>
+              </p:style>
+              <p:txBody>
+                <a:bodyPr rtlCol="0" anchor="ctr"/>
+                <a:lstStyle/>
+                <a:p>
+                  <a:pPr algn="ctr"/>
+                  <a:r>
+                    <a:rPr lang="en-US" sz="1400" b="1" dirty="0">
+                      <a:solidFill>
+                        <a:schemeClr val="tx1"/>
+                      </a:solidFill>
+                      <a:latin typeface="Helvetica" pitchFamily="2" charset="0"/>
+                    </a:rPr>
+                    <a:t>Frame</a:t>
+                  </a:r>
+                  <a:r>
+                    <a:rPr lang="en-US" sz="1600" b="1" dirty="0">
+                      <a:solidFill>
+                        <a:schemeClr val="tx1"/>
+                      </a:solidFill>
+                      <a:latin typeface="Helvetica" pitchFamily="2" charset="0"/>
+                    </a:rPr>
+                    <a:t> </a:t>
+                  </a:r>
+                  <a14:m>
+                    <m:oMath xmlns:m="http://schemas.openxmlformats.org/officeDocument/2006/math">
+                      <m:r>
+                        <a:rPr lang="en-US" sz="1600" b="0" i="1">
+                          <a:solidFill>
+                            <a:schemeClr val="tx1"/>
+                          </a:solidFill>
+                          <a:latin typeface="Cambria Math" panose="02040503050406030204" pitchFamily="18" charset="0"/>
+                        </a:rPr>
+                        <m:t>{</m:t>
+                      </m:r>
+                      <m:r>
+                        <a:rPr lang="en-US" sz="1600" b="0" i="1">
+                          <a:solidFill>
+                            <a:schemeClr val="tx1"/>
+                          </a:solidFill>
+                          <a:latin typeface="Cambria Math" panose="02040503050406030204" pitchFamily="18" charset="0"/>
+                        </a:rPr>
+                        <m:t>𝑆</m:t>
+                      </m:r>
+                      <m:r>
+                        <a:rPr lang="en-US" sz="1600" b="0" i="1">
+                          <a:solidFill>
+                            <a:schemeClr val="tx1"/>
+                          </a:solidFill>
+                          <a:latin typeface="Cambria Math" panose="02040503050406030204" pitchFamily="18" charset="0"/>
+                        </a:rPr>
+                        <m:t>}</m:t>
+                      </m:r>
+                    </m:oMath>
+                  </a14:m>
+                  <a:r>
+                    <a:rPr lang="en-US" sz="1600" i="1" dirty="0">
+                      <a:solidFill>
+                        <a:schemeClr val="tx1"/>
+                      </a:solidFill>
+                    </a:rPr>
+                    <a:t> </a:t>
+                  </a:r>
+                </a:p>
+              </p:txBody>
+            </p:sp>
+          </mc:Choice>
+          <mc:Fallback>
+            <p:sp>
+              <p:nvSpPr>
+                <p:cNvPr id="43" name="Rounded Rectangle 7">
+                  <a:extLst>
+                    <a:ext uri="{FF2B5EF4-FFF2-40B4-BE49-F238E27FC236}">
+                      <a16:creationId xmlns:a16="http://schemas.microsoft.com/office/drawing/2014/main" id="{D3983BA3-A390-4E9D-FF7D-A6AE4CE04953}"/>
+                    </a:ext>
+                  </a:extLst>
+                </p:cNvPr>
+                <p:cNvSpPr>
+                  <a:spLocks noRot="1" noChangeAspect="1" noMove="1" noResize="1" noEditPoints="1" noAdjustHandles="1" noChangeArrowheads="1" noChangeShapeType="1" noTextEdit="1"/>
+                </p:cNvSpPr>
+                <p:nvPr/>
+              </p:nvSpPr>
+              <p:spPr>
+                <a:xfrm>
+                  <a:off x="5082880" y="3695910"/>
+                  <a:ext cx="1365738" cy="348125"/>
+                </a:xfrm>
+                <a:prstGeom prst="roundRect">
+                  <a:avLst>
+                    <a:gd name="adj" fmla="val 8677"/>
+                  </a:avLst>
+                </a:prstGeom>
+                <a:blipFill>
+                  <a:blip r:embed="rId8"/>
+                  <a:stretch>
+                    <a:fillRect b="-22222"/>
+                  </a:stretch>
+                </a:blipFill>
+                <a:ln w="25400">
+                  <a:solidFill>
+                    <a:schemeClr val="tx1"/>
+                  </a:solidFill>
+                </a:ln>
+              </p:spPr>
+              <p:txBody>
+                <a:bodyPr/>
+                <a:lstStyle/>
+                <a:p>
+                  <a:r>
+                    <a:rPr lang="en-US">
+                      <a:noFill/>
+                    </a:rPr>
+                    <a:t> </a:t>
+                  </a:r>
+                </a:p>
+              </p:txBody>
+            </p:sp>
+          </mc:Fallback>
+        </mc:AlternateContent>
+        <mc:AlternateContent xmlns:mc="http://schemas.openxmlformats.org/markup-compatibility/2006">
+          <mc:Choice xmlns:a14="http://schemas.microsoft.com/office/drawing/2010/main" Requires="a14">
+            <p:sp>
+              <p:nvSpPr>
+                <p:cNvPr id="50" name="TextBox 49">
+                  <a:extLst>
+                    <a:ext uri="{FF2B5EF4-FFF2-40B4-BE49-F238E27FC236}">
+                      <a16:creationId xmlns:a16="http://schemas.microsoft.com/office/drawing/2014/main" id="{5776005A-E22B-4247-1F98-7FF3D3AFB4C1}"/>
+                    </a:ext>
+                  </a:extLst>
+                </p:cNvPr>
+                <p:cNvSpPr txBox="1"/>
+                <p:nvPr/>
+              </p:nvSpPr>
+              <p:spPr>
+                <a:xfrm>
+                  <a:off x="5219643" y="5262481"/>
+                  <a:ext cx="505353" cy="461665"/>
+                </a:xfrm>
+                <a:prstGeom prst="rect">
+                  <a:avLst/>
+                </a:prstGeom>
+                <a:noFill/>
+              </p:spPr>
+              <p:txBody>
+                <a:bodyPr wrap="square">
+                  <a:spAutoFit/>
+                </a:bodyPr>
+                <a:lstStyle>
+                  <a:defPPr>
+                    <a:defRPr lang="en-US"/>
+                  </a:defPPr>
+                  <a:lvl1pPr>
+                    <a:defRPr sz="2400" b="0" i="1">
+                      <a:latin typeface="Cambria Math" panose="02040503050406030204" pitchFamily="18" charset="0"/>
+                    </a:defRPr>
+                  </a:lvl1pPr>
+                </a:lstStyle>
+                <a:p>
+                  <a:pPr/>
+                  <a14:m>
+                    <m:oMathPara xmlns:m="http://schemas.openxmlformats.org/officeDocument/2006/math">
+                      <m:oMathParaPr>
+                        <m:jc m:val="centerGroup"/>
+                      </m:oMathParaPr>
+                      <m:oMath xmlns:m="http://schemas.openxmlformats.org/officeDocument/2006/math">
+                        <m:sSub>
+                          <m:sSubPr>
+                            <m:ctrlPr>
+                              <a:rPr lang="en-US" altLang="ko-KR" sz="2000" i="1" smtClean="0"/>
+                            </m:ctrlPr>
+                          </m:sSubPr>
+                          <m:e>
+                            <m:acc>
+                              <m:accPr>
+                                <m:chr m:val="̂"/>
+                                <m:ctrlPr>
+                                  <a:rPr lang="en-US" altLang="ko-KR" sz="2000" i="1"/>
+                                </m:ctrlPr>
+                              </m:accPr>
+                              <m:e>
+                                <m:r>
+                                  <m:rPr>
+                                    <m:sty m:val="p"/>
+                                  </m:rPr>
+                                  <a:rPr lang="en-US" altLang="ko-KR" sz="2000"/>
+                                  <m:t>e</m:t>
+                                </m:r>
+                              </m:e>
+                            </m:acc>
+                          </m:e>
+                          <m:sub>
+                            <m:r>
+                              <m:rPr>
+                                <m:sty m:val="p"/>
+                              </m:rPr>
+                              <a:rPr lang="en-US" altLang="ko-KR" sz="2000" b="0" i="0" smtClean="0">
+                                <a:latin typeface="Cambria Math" panose="02040503050406030204" pitchFamily="18" charset="0"/>
+                              </a:rPr>
+                              <m:t>X</m:t>
+                            </m:r>
+                          </m:sub>
+                        </m:sSub>
+                      </m:oMath>
+                    </m:oMathPara>
+                  </a14:m>
+                  <a:endParaRPr lang="en-US" sz="2000" dirty="0"/>
+                </a:p>
+              </p:txBody>
+            </p:sp>
+          </mc:Choice>
+          <mc:Fallback>
+            <p:sp>
+              <p:nvSpPr>
+                <p:cNvPr id="50" name="TextBox 49">
+                  <a:extLst>
+                    <a:ext uri="{FF2B5EF4-FFF2-40B4-BE49-F238E27FC236}">
+                      <a16:creationId xmlns:a16="http://schemas.microsoft.com/office/drawing/2014/main" id="{5776005A-E22B-4247-1F98-7FF3D3AFB4C1}"/>
+                    </a:ext>
+                  </a:extLst>
+                </p:cNvPr>
+                <p:cNvSpPr txBox="1">
+                  <a:spLocks noRot="1" noChangeAspect="1" noMove="1" noResize="1" noEditPoints="1" noAdjustHandles="1" noChangeArrowheads="1" noChangeShapeType="1" noTextEdit="1"/>
+                </p:cNvSpPr>
+                <p:nvPr/>
+              </p:nvSpPr>
+              <p:spPr>
+                <a:xfrm>
+                  <a:off x="5219643" y="5262481"/>
+                  <a:ext cx="505353" cy="461665"/>
+                </a:xfrm>
+                <a:prstGeom prst="rect">
+                  <a:avLst/>
+                </a:prstGeom>
+                <a:blipFill>
+                  <a:blip r:embed="rId9"/>
+                  <a:stretch>
+                    <a:fillRect t="-6061"/>
+                  </a:stretch>
+                </a:blipFill>
+              </p:spPr>
+              <p:txBody>
+                <a:bodyPr/>
+                <a:lstStyle/>
+                <a:p>
+                  <a:r>
+                    <a:rPr lang="en-US">
+                      <a:noFill/>
+                    </a:rPr>
+                    <a:t> </a:t>
+                  </a:r>
+                </a:p>
+              </p:txBody>
+            </p:sp>
+          </mc:Fallback>
+        </mc:AlternateContent>
+      </p:grpSp>
+      <p:cxnSp>
+        <p:nvCxnSpPr>
+          <p:cNvPr id="54" name="Straight Connector 53">
+            <a:extLst>
+              <a:ext uri="{FF2B5EF4-FFF2-40B4-BE49-F238E27FC236}">
+                <a16:creationId xmlns:a16="http://schemas.microsoft.com/office/drawing/2014/main" id="{9203290B-BC74-E503-2D3F-C6116DA1FDA2}"/>
+              </a:ext>
+            </a:extLst>
+          </p:cNvPr>
+          <p:cNvCxnSpPr>
+            <a:cxnSpLocks/>
+          </p:cNvCxnSpPr>
+          <p:nvPr/>
+        </p:nvCxnSpPr>
+        <p:spPr>
+          <a:xfrm>
+            <a:off x="3335642" y="1744292"/>
+            <a:ext cx="516578" cy="0"/>
+          </a:xfrm>
+          <a:prstGeom prst="line">
+            <a:avLst/>
+          </a:prstGeom>
+          <a:ln w="38100">
+            <a:gradFill>
+              <a:gsLst>
+                <a:gs pos="45000">
+                  <a:srgbClr val="9464B8"/>
+                </a:gs>
+                <a:gs pos="24000">
+                  <a:srgbClr val="B898D0"/>
+                </a:gs>
+                <a:gs pos="0">
+                  <a:schemeClr val="bg1"/>
+                </a:gs>
+                <a:gs pos="100000">
+                  <a:srgbClr val="7030A0"/>
+                </a:gs>
+              </a:gsLst>
+              <a:lin ang="0" scaled="0"/>
+            </a:gradFill>
+            <a:prstDash val="solid"/>
+            <a:tailEnd type="triangle"/>
+          </a:ln>
+        </p:spPr>
+        <p:style>
+          <a:lnRef idx="1">
+            <a:schemeClr val="accent1"/>
+          </a:lnRef>
+          <a:fillRef idx="0">
+            <a:schemeClr val="accent1"/>
+          </a:fillRef>
+          <a:effectRef idx="0">
+            <a:schemeClr val="accent1"/>
+          </a:effectRef>
+          <a:fontRef idx="minor">
+            <a:schemeClr val="tx1"/>
+          </a:fontRef>
+        </p:style>
+      </p:cxnSp>
+      <p:sp>
+        <p:nvSpPr>
+          <p:cNvPr id="28" name="Oval 27">
+            <a:extLst>
+              <a:ext uri="{FF2B5EF4-FFF2-40B4-BE49-F238E27FC236}">
+                <a16:creationId xmlns:a16="http://schemas.microsoft.com/office/drawing/2014/main" id="{79F32B51-C289-304F-B896-6DD93ED66BB0}"/>
+              </a:ext>
+            </a:extLst>
+          </p:cNvPr>
+          <p:cNvSpPr/>
+          <p:nvPr/>
+        </p:nvSpPr>
+        <p:spPr>
+          <a:xfrm>
+            <a:off x="3520416" y="1687551"/>
+            <a:ext cx="113482" cy="113482"/>
+          </a:xfrm>
+          <a:prstGeom prst="ellipse">
+            <a:avLst/>
+          </a:prstGeom>
+          <a:solidFill>
+            <a:srgbClr val="C7ACDB"/>
+          </a:solidFill>
+          <a:ln w="25400">
+            <a:solidFill>
+              <a:schemeClr val="tx1"/>
+            </a:solidFill>
+          </a:ln>
+        </p:spPr>
+        <p:style>
+          <a:lnRef idx="2">
+            <a:schemeClr val="accent1">
+              <a:shade val="50000"/>
+            </a:schemeClr>
+          </a:lnRef>
+          <a:fillRef idx="1">
+            <a:schemeClr val="accent1"/>
+          </a:fillRef>
+          <a:effectRef idx="0">
+            <a:schemeClr val="accent1"/>
+          </a:effectRef>
+          <a:fontRef idx="minor">
+            <a:schemeClr val="lt1"/>
+          </a:fontRef>
+        </p:style>
+        <p:txBody>
+          <a:bodyPr rtlCol="0" anchor="ctr"/>
+          <a:lstStyle/>
+          <a:p>
+            <a:pPr algn="ctr"/>
+            <a:endParaRPr lang="en-US" sz="1600" b="1">
+              <a:solidFill>
+                <a:schemeClr val="tx1"/>
+              </a:solidFill>
+              <a:latin typeface="Helvetica" pitchFamily="2" charset="0"/>
+            </a:endParaRPr>
+          </a:p>
+        </p:txBody>
+      </p:sp>
+      <p:cxnSp>
+        <p:nvCxnSpPr>
+          <p:cNvPr id="62" name="Straight Connector 61">
+            <a:extLst>
+              <a:ext uri="{FF2B5EF4-FFF2-40B4-BE49-F238E27FC236}">
+                <a16:creationId xmlns:a16="http://schemas.microsoft.com/office/drawing/2014/main" id="{F9E88977-104F-EEE2-ED38-848E50A98B4D}"/>
+              </a:ext>
+            </a:extLst>
+          </p:cNvPr>
+          <p:cNvCxnSpPr>
+            <a:cxnSpLocks/>
+          </p:cNvCxnSpPr>
+          <p:nvPr/>
+        </p:nvCxnSpPr>
+        <p:spPr>
+          <a:xfrm flipV="1">
+            <a:off x="3826313" y="1094549"/>
+            <a:ext cx="0" cy="527373"/>
+          </a:xfrm>
+          <a:prstGeom prst="line">
+            <a:avLst/>
+          </a:prstGeom>
+          <a:ln w="38100">
+            <a:gradFill>
+              <a:gsLst>
+                <a:gs pos="9000">
+                  <a:srgbClr val="B3A4C1"/>
+                </a:gs>
+                <a:gs pos="0">
+                  <a:srgbClr val="B3B3B3"/>
+                </a:gs>
+                <a:gs pos="35000">
+                  <a:srgbClr val="B394CE"/>
+                </a:gs>
+                <a:gs pos="100000">
+                  <a:srgbClr val="7030A0"/>
+                </a:gs>
+              </a:gsLst>
+              <a:lin ang="5400000" scaled="0"/>
+            </a:gradFill>
+            <a:prstDash val="solid"/>
+            <a:tailEnd type="triangle"/>
+          </a:ln>
+        </p:spPr>
+        <p:style>
+          <a:lnRef idx="1">
+            <a:schemeClr val="accent1"/>
+          </a:lnRef>
+          <a:fillRef idx="0">
+            <a:schemeClr val="accent1"/>
+          </a:fillRef>
+          <a:effectRef idx="0">
+            <a:schemeClr val="accent1"/>
+          </a:effectRef>
+          <a:fontRef idx="minor">
+            <a:schemeClr val="tx1"/>
+          </a:fontRef>
+        </p:style>
+      </p:cxnSp>
+      <p:sp>
+        <p:nvSpPr>
+          <p:cNvPr id="33" name="Oval 32">
+            <a:extLst>
+              <a:ext uri="{FF2B5EF4-FFF2-40B4-BE49-F238E27FC236}">
+                <a16:creationId xmlns:a16="http://schemas.microsoft.com/office/drawing/2014/main" id="{EC3D228B-6983-C01F-D7C1-97DC0E346297}"/>
+              </a:ext>
+            </a:extLst>
+          </p:cNvPr>
+          <p:cNvSpPr/>
+          <p:nvPr/>
+        </p:nvSpPr>
+        <p:spPr>
+          <a:xfrm>
+            <a:off x="3773177" y="1355747"/>
+            <a:ext cx="113482" cy="113482"/>
+          </a:xfrm>
+          <a:prstGeom prst="ellipse">
+            <a:avLst/>
+          </a:prstGeom>
+          <a:solidFill>
+            <a:srgbClr val="C7ACDB"/>
+          </a:solidFill>
+          <a:ln w="25400">
+            <a:solidFill>
+              <a:schemeClr val="tx1"/>
+            </a:solidFill>
+          </a:ln>
+        </p:spPr>
+        <p:style>
+          <a:lnRef idx="2">
+            <a:schemeClr val="accent1">
+              <a:shade val="50000"/>
+            </a:schemeClr>
+          </a:lnRef>
+          <a:fillRef idx="1">
+            <a:schemeClr val="accent1"/>
+          </a:fillRef>
+          <a:effectRef idx="0">
+            <a:schemeClr val="accent1"/>
+          </a:effectRef>
+          <a:fontRef idx="minor">
+            <a:schemeClr val="lt1"/>
+          </a:fontRef>
+        </p:style>
+        <p:txBody>
+          <a:bodyPr rtlCol="0" anchor="ctr"/>
+          <a:lstStyle/>
+          <a:p>
+            <a:pPr algn="ctr"/>
+            <a:endParaRPr lang="en-US" sz="1600" b="1">
+              <a:solidFill>
+                <a:schemeClr val="tx1"/>
+              </a:solidFill>
+              <a:latin typeface="Helvetica" pitchFamily="2" charset="0"/>
+            </a:endParaRPr>
+          </a:p>
+        </p:txBody>
+      </p:sp>
+      <p:cxnSp>
+        <p:nvCxnSpPr>
+          <p:cNvPr id="67" name="Straight Connector 66">
+            <a:extLst>
+              <a:ext uri="{FF2B5EF4-FFF2-40B4-BE49-F238E27FC236}">
+                <a16:creationId xmlns:a16="http://schemas.microsoft.com/office/drawing/2014/main" id="{A00ADF3D-D2CA-B04F-DED4-000D01C7DB68}"/>
+              </a:ext>
+            </a:extLst>
+          </p:cNvPr>
+          <p:cNvCxnSpPr>
+            <a:cxnSpLocks/>
+          </p:cNvCxnSpPr>
+          <p:nvPr/>
+        </p:nvCxnSpPr>
+        <p:spPr>
+          <a:xfrm rot="16200000">
+            <a:off x="3579063" y="2591296"/>
+            <a:ext cx="516578" cy="0"/>
+          </a:xfrm>
+          <a:prstGeom prst="line">
+            <a:avLst/>
+          </a:prstGeom>
+          <a:ln w="38100">
+            <a:gradFill>
+              <a:gsLst>
+                <a:gs pos="9000">
+                  <a:srgbClr val="B3A4C1"/>
+                </a:gs>
+                <a:gs pos="0">
+                  <a:srgbClr val="B3B3B3"/>
+                </a:gs>
+                <a:gs pos="35000">
+                  <a:srgbClr val="B394CE"/>
+                </a:gs>
+                <a:gs pos="100000">
+                  <a:srgbClr val="7030A0"/>
+                </a:gs>
+              </a:gsLst>
+              <a:lin ang="0" scaled="0"/>
+            </a:gradFill>
+            <a:prstDash val="solid"/>
+            <a:tailEnd type="triangle"/>
+          </a:ln>
+        </p:spPr>
+        <p:style>
+          <a:lnRef idx="1">
+            <a:schemeClr val="accent1"/>
+          </a:lnRef>
+          <a:fillRef idx="0">
+            <a:schemeClr val="accent1"/>
+          </a:fillRef>
+          <a:effectRef idx="0">
+            <a:schemeClr val="accent1"/>
+          </a:effectRef>
+          <a:fontRef idx="minor">
+            <a:schemeClr val="tx1"/>
+          </a:fontRef>
+        </p:style>
+      </p:cxnSp>
+      <p:sp>
+        <p:nvSpPr>
+          <p:cNvPr id="27" name="Oval 26">
+            <a:extLst>
+              <a:ext uri="{FF2B5EF4-FFF2-40B4-BE49-F238E27FC236}">
+                <a16:creationId xmlns:a16="http://schemas.microsoft.com/office/drawing/2014/main" id="{9EE5D287-801B-82AC-DBED-A80D757597AB}"/>
+              </a:ext>
+            </a:extLst>
+          </p:cNvPr>
+          <p:cNvSpPr/>
+          <p:nvPr/>
+        </p:nvSpPr>
+        <p:spPr>
+          <a:xfrm>
+            <a:off x="3780611" y="2564780"/>
+            <a:ext cx="113482" cy="113482"/>
+          </a:xfrm>
+          <a:prstGeom prst="ellipse">
+            <a:avLst/>
+          </a:prstGeom>
+          <a:solidFill>
+            <a:srgbClr val="C7ACDB"/>
+          </a:solidFill>
+          <a:ln w="25400">
+            <a:solidFill>
+              <a:schemeClr val="tx1"/>
+            </a:solidFill>
+          </a:ln>
+        </p:spPr>
+        <p:style>
+          <a:lnRef idx="2">
+            <a:schemeClr val="accent1">
+              <a:shade val="50000"/>
+            </a:schemeClr>
+          </a:lnRef>
+          <a:fillRef idx="1">
+            <a:schemeClr val="accent1"/>
+          </a:fillRef>
+          <a:effectRef idx="0">
+            <a:schemeClr val="accent1"/>
+          </a:effectRef>
+          <a:fontRef idx="minor">
+            <a:schemeClr val="lt1"/>
+          </a:fontRef>
+        </p:style>
+        <p:txBody>
+          <a:bodyPr rtlCol="0" anchor="ctr"/>
+          <a:lstStyle/>
+          <a:p>
+            <a:pPr algn="ctr"/>
+            <a:endParaRPr lang="en-US" sz="1600" b="1">
+              <a:solidFill>
+                <a:schemeClr val="tx1"/>
+              </a:solidFill>
+              <a:latin typeface="Helvetica" pitchFamily="2" charset="0"/>
+            </a:endParaRPr>
+          </a:p>
+        </p:txBody>
+      </p:sp>
+      <p:cxnSp>
+        <p:nvCxnSpPr>
+          <p:cNvPr id="68" name="Straight Connector 67">
+            <a:extLst>
+              <a:ext uri="{FF2B5EF4-FFF2-40B4-BE49-F238E27FC236}">
+                <a16:creationId xmlns:a16="http://schemas.microsoft.com/office/drawing/2014/main" id="{E5BF41EC-E948-CC70-AFB9-9144222B1FB6}"/>
+              </a:ext>
+            </a:extLst>
+          </p:cNvPr>
+          <p:cNvCxnSpPr>
+            <a:cxnSpLocks/>
+          </p:cNvCxnSpPr>
+          <p:nvPr/>
+        </p:nvCxnSpPr>
+        <p:spPr>
+          <a:xfrm flipH="1">
+            <a:off x="3558288" y="3342634"/>
+            <a:ext cx="516578" cy="0"/>
+          </a:xfrm>
+          <a:prstGeom prst="line">
+            <a:avLst/>
+          </a:prstGeom>
+          <a:ln w="38100">
+            <a:gradFill>
+              <a:gsLst>
+                <a:gs pos="9000">
+                  <a:srgbClr val="B3A4C1"/>
+                </a:gs>
+                <a:gs pos="0">
+                  <a:srgbClr val="B3B3B3"/>
+                </a:gs>
+                <a:gs pos="35000">
+                  <a:srgbClr val="B394CE"/>
+                </a:gs>
+                <a:gs pos="100000">
+                  <a:srgbClr val="7030A0"/>
+                </a:gs>
+              </a:gsLst>
+              <a:lin ang="0" scaled="0"/>
+            </a:gradFill>
+            <a:prstDash val="solid"/>
+            <a:tailEnd type="triangle"/>
+          </a:ln>
+        </p:spPr>
+        <p:style>
+          <a:lnRef idx="1">
+            <a:schemeClr val="accent1"/>
+          </a:lnRef>
+          <a:fillRef idx="0">
+            <a:schemeClr val="accent1"/>
+          </a:fillRef>
+          <a:effectRef idx="0">
+            <a:schemeClr val="accent1"/>
+          </a:effectRef>
+          <a:fontRef idx="minor">
+            <a:schemeClr val="tx1"/>
+          </a:fontRef>
+        </p:style>
+      </p:cxnSp>
+      <p:sp>
+        <p:nvSpPr>
+          <p:cNvPr id="23" name="Oval 22">
+            <a:extLst>
+              <a:ext uri="{FF2B5EF4-FFF2-40B4-BE49-F238E27FC236}">
+                <a16:creationId xmlns:a16="http://schemas.microsoft.com/office/drawing/2014/main" id="{47CBA1AE-A59F-FB3E-1D95-6A7CD0F5A4CC}"/>
+              </a:ext>
+            </a:extLst>
+          </p:cNvPr>
+          <p:cNvSpPr/>
+          <p:nvPr/>
+        </p:nvSpPr>
+        <p:spPr>
+          <a:xfrm>
+            <a:off x="3795479" y="3285893"/>
+            <a:ext cx="113482" cy="113482"/>
+          </a:xfrm>
+          <a:prstGeom prst="ellipse">
+            <a:avLst/>
+          </a:prstGeom>
+          <a:solidFill>
+            <a:srgbClr val="C7ACDB"/>
+          </a:solidFill>
+          <a:ln w="25400">
+            <a:solidFill>
+              <a:schemeClr val="tx1"/>
+            </a:solidFill>
+          </a:ln>
+        </p:spPr>
+        <p:style>
+          <a:lnRef idx="2">
+            <a:schemeClr val="accent1">
+              <a:shade val="50000"/>
+            </a:schemeClr>
+          </a:lnRef>
+          <a:fillRef idx="1">
+            <a:schemeClr val="accent1"/>
+          </a:fillRef>
+          <a:effectRef idx="0">
+            <a:schemeClr val="accent1"/>
+          </a:effectRef>
+          <a:fontRef idx="minor">
+            <a:schemeClr val="lt1"/>
+          </a:fontRef>
+        </p:style>
+        <p:txBody>
+          <a:bodyPr rtlCol="0" anchor="ctr"/>
+          <a:lstStyle/>
+          <a:p>
+            <a:pPr algn="ctr"/>
+            <a:endParaRPr lang="en-US" sz="1600" b="1">
+              <a:solidFill>
+                <a:schemeClr val="tx1"/>
+              </a:solidFill>
+              <a:latin typeface="Helvetica" pitchFamily="2" charset="0"/>
+            </a:endParaRPr>
+          </a:p>
+        </p:txBody>
+      </p:sp>
+      <p:cxnSp>
+        <p:nvCxnSpPr>
+          <p:cNvPr id="69" name="Straight Connector 68">
+            <a:extLst>
+              <a:ext uri="{FF2B5EF4-FFF2-40B4-BE49-F238E27FC236}">
+                <a16:creationId xmlns:a16="http://schemas.microsoft.com/office/drawing/2014/main" id="{7CCA4E18-D2A4-C1EA-6D04-97B0DD452659}"/>
+              </a:ext>
+            </a:extLst>
+          </p:cNvPr>
+          <p:cNvCxnSpPr>
+            <a:cxnSpLocks/>
+          </p:cNvCxnSpPr>
+          <p:nvPr/>
+        </p:nvCxnSpPr>
+        <p:spPr>
+          <a:xfrm rot="16200000">
+            <a:off x="3579063" y="4181811"/>
+            <a:ext cx="516578" cy="0"/>
+          </a:xfrm>
+          <a:prstGeom prst="line">
+            <a:avLst/>
+          </a:prstGeom>
+          <a:ln w="38100">
+            <a:gradFill>
+              <a:gsLst>
+                <a:gs pos="9000">
+                  <a:srgbClr val="B3A4C1"/>
+                </a:gs>
+                <a:gs pos="0">
+                  <a:srgbClr val="B3B3B3"/>
+                </a:gs>
+                <a:gs pos="35000">
+                  <a:srgbClr val="B394CE"/>
+                </a:gs>
+                <a:gs pos="100000">
+                  <a:srgbClr val="7030A0"/>
+                </a:gs>
+              </a:gsLst>
+              <a:lin ang="0" scaled="0"/>
+            </a:gradFill>
+            <a:prstDash val="solid"/>
+            <a:tailEnd type="triangle"/>
+          </a:ln>
+        </p:spPr>
+        <p:style>
+          <a:lnRef idx="1">
+            <a:schemeClr val="accent1"/>
+          </a:lnRef>
+          <a:fillRef idx="0">
+            <a:schemeClr val="accent1"/>
+          </a:fillRef>
+          <a:effectRef idx="0">
+            <a:schemeClr val="accent1"/>
+          </a:effectRef>
+          <a:fontRef idx="minor">
+            <a:schemeClr val="tx1"/>
+          </a:fontRef>
+        </p:style>
+      </p:cxnSp>
+      <p:sp>
+        <p:nvSpPr>
+          <p:cNvPr id="22" name="Oval 21">
+            <a:extLst>
+              <a:ext uri="{FF2B5EF4-FFF2-40B4-BE49-F238E27FC236}">
+                <a16:creationId xmlns:a16="http://schemas.microsoft.com/office/drawing/2014/main" id="{0C444F39-B75B-1E58-BE20-13057BE27CA9}"/>
+              </a:ext>
+            </a:extLst>
+          </p:cNvPr>
+          <p:cNvSpPr/>
+          <p:nvPr/>
+        </p:nvSpPr>
+        <p:spPr>
+          <a:xfrm>
+            <a:off x="3780611" y="4170556"/>
+            <a:ext cx="113482" cy="113482"/>
+          </a:xfrm>
+          <a:prstGeom prst="ellipse">
+            <a:avLst/>
+          </a:prstGeom>
+          <a:solidFill>
+            <a:srgbClr val="C7ACDB"/>
+          </a:solidFill>
+          <a:ln w="25400">
+            <a:solidFill>
+              <a:schemeClr val="tx1"/>
+            </a:solidFill>
+          </a:ln>
+        </p:spPr>
+        <p:style>
+          <a:lnRef idx="2">
+            <a:schemeClr val="accent1">
+              <a:shade val="50000"/>
+            </a:schemeClr>
+          </a:lnRef>
+          <a:fillRef idx="1">
+            <a:schemeClr val="accent1"/>
+          </a:fillRef>
+          <a:effectRef idx="0">
+            <a:schemeClr val="accent1"/>
+          </a:effectRef>
+          <a:fontRef idx="minor">
+            <a:schemeClr val="lt1"/>
+          </a:fontRef>
+        </p:style>
+        <p:txBody>
+          <a:bodyPr rtlCol="0" anchor="ctr"/>
+          <a:lstStyle/>
+          <a:p>
+            <a:pPr algn="ctr"/>
+            <a:endParaRPr lang="en-US" sz="1600" b="1">
+              <a:solidFill>
+                <a:schemeClr val="tx1"/>
+              </a:solidFill>
+              <a:latin typeface="Helvetica" pitchFamily="2" charset="0"/>
+            </a:endParaRPr>
+          </a:p>
+        </p:txBody>
+      </p:sp>
+      <p:cxnSp>
+        <p:nvCxnSpPr>
+          <p:cNvPr id="70" name="Straight Connector 69">
+            <a:extLst>
+              <a:ext uri="{FF2B5EF4-FFF2-40B4-BE49-F238E27FC236}">
+                <a16:creationId xmlns:a16="http://schemas.microsoft.com/office/drawing/2014/main" id="{682C688A-DEED-A6AF-C997-23AD326FBDDD}"/>
+              </a:ext>
+            </a:extLst>
+          </p:cNvPr>
+          <p:cNvCxnSpPr>
+            <a:cxnSpLocks/>
+          </p:cNvCxnSpPr>
+          <p:nvPr/>
+        </p:nvCxnSpPr>
+        <p:spPr>
+          <a:xfrm>
+            <a:off x="3568024" y="4939217"/>
+            <a:ext cx="516578" cy="0"/>
+          </a:xfrm>
+          <a:prstGeom prst="line">
+            <a:avLst/>
+          </a:prstGeom>
+          <a:ln w="38100">
+            <a:gradFill>
+              <a:gsLst>
+                <a:gs pos="9000">
+                  <a:srgbClr val="B3A4C1"/>
+                </a:gs>
+                <a:gs pos="0">
+                  <a:srgbClr val="B3B3B3"/>
+                </a:gs>
+                <a:gs pos="35000">
+                  <a:srgbClr val="B394CE"/>
+                </a:gs>
+                <a:gs pos="100000">
+                  <a:srgbClr val="7030A0"/>
+                </a:gs>
+              </a:gsLst>
+              <a:lin ang="0" scaled="0"/>
+            </a:gradFill>
+            <a:prstDash val="solid"/>
+            <a:tailEnd type="triangle"/>
+          </a:ln>
+        </p:spPr>
+        <p:style>
+          <a:lnRef idx="1">
+            <a:schemeClr val="accent1"/>
+          </a:lnRef>
+          <a:fillRef idx="0">
+            <a:schemeClr val="accent1"/>
+          </a:fillRef>
+          <a:effectRef idx="0">
+            <a:schemeClr val="accent1"/>
+          </a:effectRef>
+          <a:fontRef idx="minor">
+            <a:schemeClr val="tx1"/>
+          </a:fontRef>
+        </p:style>
+      </p:cxnSp>
+      <p:sp>
+        <p:nvSpPr>
+          <p:cNvPr id="20" name="Oval 19">
+            <a:extLst>
+              <a:ext uri="{FF2B5EF4-FFF2-40B4-BE49-F238E27FC236}">
+                <a16:creationId xmlns:a16="http://schemas.microsoft.com/office/drawing/2014/main" id="{D57B3F54-AB9D-04D9-D871-4BA87078BD55}"/>
+              </a:ext>
+            </a:extLst>
+          </p:cNvPr>
+          <p:cNvSpPr/>
+          <p:nvPr/>
+        </p:nvSpPr>
+        <p:spPr>
+          <a:xfrm>
+            <a:off x="3758309" y="4884233"/>
+            <a:ext cx="113482" cy="113482"/>
+          </a:xfrm>
+          <a:prstGeom prst="ellipse">
+            <a:avLst/>
+          </a:prstGeom>
+          <a:solidFill>
+            <a:srgbClr val="C7ACDB"/>
+          </a:solidFill>
+          <a:ln w="25400">
+            <a:solidFill>
+              <a:schemeClr val="tx1"/>
+            </a:solidFill>
+          </a:ln>
+        </p:spPr>
+        <p:style>
+          <a:lnRef idx="2">
+            <a:schemeClr val="accent1">
+              <a:shade val="50000"/>
+            </a:schemeClr>
+          </a:lnRef>
+          <a:fillRef idx="1">
+            <a:schemeClr val="accent1"/>
+          </a:fillRef>
+          <a:effectRef idx="0">
+            <a:schemeClr val="accent1"/>
+          </a:effectRef>
+          <a:fontRef idx="minor">
+            <a:schemeClr val="lt1"/>
+          </a:fontRef>
+        </p:style>
+        <p:txBody>
+          <a:bodyPr rtlCol="0" anchor="ctr"/>
+          <a:lstStyle/>
+          <a:p>
+            <a:pPr algn="ctr"/>
+            <a:endParaRPr lang="en-US" sz="1600" b="1">
+              <a:solidFill>
+                <a:schemeClr val="tx1"/>
+              </a:solidFill>
+              <a:latin typeface="Helvetica" pitchFamily="2" charset="0"/>
+            </a:endParaRPr>
+          </a:p>
+        </p:txBody>
+      </p:sp>
+      <p:cxnSp>
+        <p:nvCxnSpPr>
+          <p:cNvPr id="71" name="Straight Connector 70">
+            <a:extLst>
+              <a:ext uri="{FF2B5EF4-FFF2-40B4-BE49-F238E27FC236}">
+                <a16:creationId xmlns:a16="http://schemas.microsoft.com/office/drawing/2014/main" id="{991CCC94-C64B-4CF8-1157-A8AD401C1334}"/>
+              </a:ext>
+            </a:extLst>
+          </p:cNvPr>
+          <p:cNvCxnSpPr>
+            <a:cxnSpLocks/>
+          </p:cNvCxnSpPr>
+          <p:nvPr/>
+        </p:nvCxnSpPr>
+        <p:spPr>
+          <a:xfrm rot="16200000">
+            <a:off x="3579063" y="5665065"/>
+            <a:ext cx="516578" cy="0"/>
+          </a:xfrm>
+          <a:prstGeom prst="line">
+            <a:avLst/>
+          </a:prstGeom>
+          <a:ln w="38100">
+            <a:gradFill>
+              <a:gsLst>
+                <a:gs pos="9000">
+                  <a:srgbClr val="B3A4C1"/>
+                </a:gs>
+                <a:gs pos="0">
+                  <a:srgbClr val="B3B3B3"/>
+                </a:gs>
+                <a:gs pos="35000">
+                  <a:srgbClr val="B394CE"/>
+                </a:gs>
+                <a:gs pos="100000">
+                  <a:srgbClr val="7030A0"/>
+                </a:gs>
+              </a:gsLst>
+              <a:lin ang="0" scaled="0"/>
+            </a:gradFill>
+            <a:prstDash val="solid"/>
+            <a:tailEnd type="triangle"/>
+          </a:ln>
+        </p:spPr>
+        <p:style>
+          <a:lnRef idx="1">
+            <a:schemeClr val="accent1"/>
+          </a:lnRef>
+          <a:fillRef idx="0">
+            <a:schemeClr val="accent1"/>
+          </a:fillRef>
+          <a:effectRef idx="0">
+            <a:schemeClr val="accent1"/>
+          </a:effectRef>
+          <a:fontRef idx="minor">
+            <a:schemeClr val="tx1"/>
+          </a:fontRef>
+        </p:style>
+      </p:cxnSp>
+      <p:sp>
+        <p:nvSpPr>
+          <p:cNvPr id="18" name="Oval 17">
+            <a:extLst>
+              <a:ext uri="{FF2B5EF4-FFF2-40B4-BE49-F238E27FC236}">
+                <a16:creationId xmlns:a16="http://schemas.microsoft.com/office/drawing/2014/main" id="{FAC628B7-4042-941B-C90A-3E21176129A8}"/>
+              </a:ext>
+            </a:extLst>
+          </p:cNvPr>
+          <p:cNvSpPr/>
+          <p:nvPr/>
+        </p:nvSpPr>
+        <p:spPr>
+          <a:xfrm>
+            <a:off x="3780611" y="5635082"/>
+            <a:ext cx="113482" cy="113482"/>
+          </a:xfrm>
+          <a:prstGeom prst="ellipse">
+            <a:avLst/>
+          </a:prstGeom>
+          <a:solidFill>
+            <a:srgbClr val="C7ACDB"/>
+          </a:solidFill>
+          <a:ln w="25400">
+            <a:solidFill>
+              <a:schemeClr val="tx1"/>
+            </a:solidFill>
+          </a:ln>
+        </p:spPr>
+        <p:style>
+          <a:lnRef idx="2">
+            <a:schemeClr val="accent1">
+              <a:shade val="50000"/>
+            </a:schemeClr>
+          </a:lnRef>
+          <a:fillRef idx="1">
+            <a:schemeClr val="accent1"/>
+          </a:fillRef>
+          <a:effectRef idx="0">
+            <a:schemeClr val="accent1"/>
+          </a:effectRef>
+          <a:fontRef idx="minor">
+            <a:schemeClr val="lt1"/>
+          </a:fontRef>
+        </p:style>
+        <p:txBody>
+          <a:bodyPr rtlCol="0" anchor="ctr"/>
+          <a:lstStyle/>
+          <a:p>
+            <a:pPr algn="ctr"/>
+            <a:endParaRPr lang="en-US" sz="1600" b="1">
+              <a:solidFill>
+                <a:schemeClr val="tx1"/>
+              </a:solidFill>
+              <a:latin typeface="Helvetica" pitchFamily="2" charset="0"/>
+            </a:endParaRPr>
+          </a:p>
+        </p:txBody>
+      </p:sp>
+      <p:sp>
+        <p:nvSpPr>
+          <p:cNvPr id="72" name="Freeform 71">
+            <a:extLst>
+              <a:ext uri="{FF2B5EF4-FFF2-40B4-BE49-F238E27FC236}">
+                <a16:creationId xmlns:a16="http://schemas.microsoft.com/office/drawing/2014/main" id="{15920FB7-3B03-5CE0-FA21-19B3BEDE8B36}"/>
+              </a:ext>
+            </a:extLst>
+          </p:cNvPr>
+          <p:cNvSpPr/>
+          <p:nvPr/>
+        </p:nvSpPr>
+        <p:spPr>
+          <a:xfrm>
+            <a:off x="3998259" y="5719482"/>
+            <a:ext cx="896470" cy="466165"/>
+          </a:xfrm>
+          <a:custGeom>
+            <a:avLst/>
+            <a:gdLst>
+              <a:gd name="connsiteX0" fmla="*/ 0 w 896470"/>
+              <a:gd name="connsiteY0" fmla="*/ 466165 h 466165"/>
+              <a:gd name="connsiteX1" fmla="*/ 385482 w 896470"/>
+              <a:gd name="connsiteY1" fmla="*/ 125506 h 466165"/>
+              <a:gd name="connsiteX2" fmla="*/ 896470 w 896470"/>
+              <a:gd name="connsiteY2" fmla="*/ 0 h 466165"/>
+            </a:gdLst>
+            <a:ahLst/>
+            <a:cxnLst>
+              <a:cxn ang="0">
+                <a:pos x="connsiteX0" y="connsiteY0"/>
+              </a:cxn>
+              <a:cxn ang="0">
+                <a:pos x="connsiteX1" y="connsiteY1"/>
+              </a:cxn>
+              <a:cxn ang="0">
+                <a:pos x="connsiteX2" y="connsiteY2"/>
+              </a:cxn>
+            </a:cxnLst>
+            <a:rect l="l" t="t" r="r" b="b"/>
+            <a:pathLst>
+              <a:path w="896470" h="466165">
+                <a:moveTo>
+                  <a:pt x="0" y="466165"/>
+                </a:moveTo>
+                <a:cubicBezTo>
+                  <a:pt x="118035" y="334682"/>
+                  <a:pt x="236070" y="203200"/>
+                  <a:pt x="385482" y="125506"/>
+                </a:cubicBezTo>
+                <a:cubicBezTo>
+                  <a:pt x="534894" y="47812"/>
+                  <a:pt x="715682" y="23906"/>
+                  <a:pt x="896470" y="0"/>
+                </a:cubicBezTo>
+              </a:path>
+            </a:pathLst>
+          </a:custGeom>
+          <a:ln w="38100">
+            <a:solidFill>
+              <a:schemeClr val="tx1"/>
+            </a:solidFill>
+            <a:tailEnd type="triangle"/>
+          </a:ln>
+        </p:spPr>
+        <p:style>
+          <a:lnRef idx="1">
+            <a:schemeClr val="accent1"/>
+          </a:lnRef>
+          <a:fillRef idx="0">
+            <a:schemeClr val="accent1"/>
+          </a:fillRef>
+          <a:effectRef idx="0">
+            <a:schemeClr val="accent1"/>
+          </a:effectRef>
+          <a:fontRef idx="minor">
+            <a:schemeClr val="tx1"/>
+          </a:fontRef>
+        </p:style>
+        <p:txBody>
+          <a:bodyPr rtlCol="0" anchor="ctr"/>
+          <a:lstStyle/>
+          <a:p>
+            <a:pPr algn="ctr"/>
+            <a:endParaRPr lang="en-US">
+              <a:solidFill>
+                <a:schemeClr val="tx1"/>
+              </a:solidFill>
+            </a:endParaRPr>
+          </a:p>
+        </p:txBody>
+      </p:sp>
+      <p:sp>
+        <p:nvSpPr>
+          <p:cNvPr id="78" name="Rounded Rectangle 77">
+            <a:extLst>
+              <a:ext uri="{FF2B5EF4-FFF2-40B4-BE49-F238E27FC236}">
+                <a16:creationId xmlns:a16="http://schemas.microsoft.com/office/drawing/2014/main" id="{22F2AC5B-D3C0-9FFB-A872-BAD0A4E9F294}"/>
+              </a:ext>
+            </a:extLst>
+          </p:cNvPr>
+          <p:cNvSpPr/>
+          <p:nvPr/>
+        </p:nvSpPr>
+        <p:spPr>
+          <a:xfrm>
+            <a:off x="2852695" y="1582491"/>
+            <a:ext cx="475901" cy="323602"/>
+          </a:xfrm>
+          <a:prstGeom prst="roundRect">
+            <a:avLst/>
+          </a:prstGeom>
+          <a:solidFill>
+            <a:srgbClr val="C7ACDB"/>
+          </a:solidFill>
+          <a:ln w="25400">
+            <a:solidFill>
+              <a:schemeClr val="tx1"/>
+            </a:solidFill>
+          </a:ln>
+        </p:spPr>
+        <p:style>
+          <a:lnRef idx="2">
+            <a:schemeClr val="accent1">
+              <a:shade val="50000"/>
+            </a:schemeClr>
+          </a:lnRef>
+          <a:fillRef idx="1">
+            <a:schemeClr val="accent1"/>
+          </a:fillRef>
+          <a:effectRef idx="0">
+            <a:schemeClr val="accent1"/>
+          </a:effectRef>
+          <a:fontRef idx="minor">
+            <a:schemeClr val="lt1"/>
+          </a:fontRef>
+        </p:style>
+        <p:txBody>
+          <a:bodyPr rtlCol="0" anchor="ctr"/>
+          <a:lstStyle/>
+          <a:p>
+            <a:pPr algn="ctr"/>
+            <a:r>
+              <a:rPr lang="en-US" sz="1600" b="1" dirty="0">
+                <a:solidFill>
+                  <a:schemeClr val="tx1"/>
+                </a:solidFill>
+                <a:latin typeface="Helvetica" pitchFamily="2" charset="0"/>
+              </a:rPr>
+              <a:t>J6</a:t>
+            </a:r>
+          </a:p>
+        </p:txBody>
+      </p:sp>
+      <p:sp>
+        <p:nvSpPr>
+          <p:cNvPr id="79" name="Rounded Rectangle 78">
+            <a:extLst>
+              <a:ext uri="{FF2B5EF4-FFF2-40B4-BE49-F238E27FC236}">
+                <a16:creationId xmlns:a16="http://schemas.microsoft.com/office/drawing/2014/main" id="{F78E9CCD-B434-31F6-AAF0-E5DD6B65E713}"/>
+              </a:ext>
+            </a:extLst>
+          </p:cNvPr>
+          <p:cNvSpPr/>
+          <p:nvPr/>
+        </p:nvSpPr>
+        <p:spPr>
+          <a:xfrm>
+            <a:off x="4032816" y="2457837"/>
+            <a:ext cx="475901" cy="323602"/>
+          </a:xfrm>
+          <a:prstGeom prst="roundRect">
+            <a:avLst/>
+          </a:prstGeom>
+          <a:solidFill>
+            <a:srgbClr val="C7ACDB"/>
+          </a:solidFill>
+          <a:ln w="25400">
+            <a:solidFill>
+              <a:schemeClr val="tx1"/>
+            </a:solidFill>
+          </a:ln>
+        </p:spPr>
+        <p:style>
+          <a:lnRef idx="2">
+            <a:schemeClr val="accent1">
+              <a:shade val="50000"/>
+            </a:schemeClr>
+          </a:lnRef>
+          <a:fillRef idx="1">
+            <a:schemeClr val="accent1"/>
+          </a:fillRef>
+          <a:effectRef idx="0">
+            <a:schemeClr val="accent1"/>
+          </a:effectRef>
+          <a:fontRef idx="minor">
+            <a:schemeClr val="lt1"/>
+          </a:fontRef>
+        </p:style>
+        <p:txBody>
+          <a:bodyPr rtlCol="0" anchor="ctr"/>
+          <a:lstStyle/>
+          <a:p>
+            <a:pPr algn="ctr"/>
+            <a:r>
+              <a:rPr lang="en-US" sz="1600" b="1" dirty="0">
+                <a:solidFill>
+                  <a:schemeClr val="tx1"/>
+                </a:solidFill>
+                <a:latin typeface="Helvetica" pitchFamily="2" charset="0"/>
+              </a:rPr>
+              <a:t>J5</a:t>
+            </a:r>
+          </a:p>
+        </p:txBody>
+      </p:sp>
+      <p:sp>
+        <p:nvSpPr>
+          <p:cNvPr id="80" name="Rounded Rectangle 79">
+            <a:extLst>
+              <a:ext uri="{FF2B5EF4-FFF2-40B4-BE49-F238E27FC236}">
+                <a16:creationId xmlns:a16="http://schemas.microsoft.com/office/drawing/2014/main" id="{9D3CCFEA-1A10-EB70-7559-B551D65AC481}"/>
+              </a:ext>
+            </a:extLst>
+          </p:cNvPr>
+          <p:cNvSpPr/>
+          <p:nvPr/>
+        </p:nvSpPr>
+        <p:spPr>
+          <a:xfrm>
+            <a:off x="4084602" y="3180833"/>
+            <a:ext cx="475901" cy="323602"/>
+          </a:xfrm>
+          <a:prstGeom prst="roundRect">
+            <a:avLst/>
+          </a:prstGeom>
+          <a:solidFill>
+            <a:srgbClr val="C7ACDB"/>
+          </a:solidFill>
+          <a:ln w="25400">
+            <a:solidFill>
+              <a:schemeClr val="tx1"/>
+            </a:solidFill>
+          </a:ln>
+        </p:spPr>
+        <p:style>
+          <a:lnRef idx="2">
+            <a:schemeClr val="accent1">
+              <a:shade val="50000"/>
+            </a:schemeClr>
+          </a:lnRef>
+          <a:fillRef idx="1">
+            <a:schemeClr val="accent1"/>
+          </a:fillRef>
+          <a:effectRef idx="0">
+            <a:schemeClr val="accent1"/>
+          </a:effectRef>
+          <a:fontRef idx="minor">
+            <a:schemeClr val="lt1"/>
+          </a:fontRef>
+        </p:style>
+        <p:txBody>
+          <a:bodyPr rtlCol="0" anchor="ctr"/>
+          <a:lstStyle/>
+          <a:p>
+            <a:pPr algn="ctr"/>
+            <a:r>
+              <a:rPr lang="en-US" sz="1600" b="1" dirty="0">
+                <a:solidFill>
+                  <a:schemeClr val="tx1"/>
+                </a:solidFill>
+                <a:latin typeface="Helvetica" pitchFamily="2" charset="0"/>
+              </a:rPr>
+              <a:t>J4</a:t>
+            </a:r>
+          </a:p>
+        </p:txBody>
+      </p:sp>
+      <p:sp>
+        <p:nvSpPr>
+          <p:cNvPr id="81" name="Rounded Rectangle 80">
+            <a:extLst>
+              <a:ext uri="{FF2B5EF4-FFF2-40B4-BE49-F238E27FC236}">
+                <a16:creationId xmlns:a16="http://schemas.microsoft.com/office/drawing/2014/main" id="{19A40734-C094-131F-29C4-CD36227F9FF0}"/>
+              </a:ext>
+            </a:extLst>
+          </p:cNvPr>
+          <p:cNvSpPr/>
+          <p:nvPr/>
+        </p:nvSpPr>
+        <p:spPr>
+          <a:xfrm>
+            <a:off x="3144287" y="4066151"/>
+            <a:ext cx="475901" cy="323602"/>
+          </a:xfrm>
+          <a:prstGeom prst="roundRect">
+            <a:avLst/>
+          </a:prstGeom>
+          <a:solidFill>
+            <a:srgbClr val="C7ACDB"/>
+          </a:solidFill>
+          <a:ln w="25400">
+            <a:solidFill>
+              <a:schemeClr val="tx1"/>
+            </a:solidFill>
+          </a:ln>
+        </p:spPr>
+        <p:style>
+          <a:lnRef idx="2">
+            <a:schemeClr val="accent1">
+              <a:shade val="50000"/>
+            </a:schemeClr>
+          </a:lnRef>
+          <a:fillRef idx="1">
+            <a:schemeClr val="accent1"/>
+          </a:fillRef>
+          <a:effectRef idx="0">
+            <a:schemeClr val="accent1"/>
+          </a:effectRef>
+          <a:fontRef idx="minor">
+            <a:schemeClr val="lt1"/>
+          </a:fontRef>
+        </p:style>
+        <p:txBody>
+          <a:bodyPr rtlCol="0" anchor="ctr"/>
+          <a:lstStyle/>
+          <a:p>
+            <a:pPr algn="ctr"/>
+            <a:r>
+              <a:rPr lang="en-US" sz="1600" b="1" dirty="0">
+                <a:solidFill>
+                  <a:schemeClr val="tx1"/>
+                </a:solidFill>
+                <a:latin typeface="Helvetica" pitchFamily="2" charset="0"/>
+              </a:rPr>
+              <a:t>J3</a:t>
+            </a:r>
+          </a:p>
+        </p:txBody>
+      </p:sp>
+      <p:sp>
+        <p:nvSpPr>
+          <p:cNvPr id="82" name="Rounded Rectangle 81">
+            <a:extLst>
+              <a:ext uri="{FF2B5EF4-FFF2-40B4-BE49-F238E27FC236}">
+                <a16:creationId xmlns:a16="http://schemas.microsoft.com/office/drawing/2014/main" id="{FA14CA71-5304-4402-6A63-A08EC67CA5CE}"/>
+              </a:ext>
+            </a:extLst>
+          </p:cNvPr>
+          <p:cNvSpPr/>
+          <p:nvPr/>
+        </p:nvSpPr>
+        <p:spPr>
+          <a:xfrm>
+            <a:off x="3019993" y="4790107"/>
+            <a:ext cx="475901" cy="323602"/>
+          </a:xfrm>
+          <a:prstGeom prst="roundRect">
+            <a:avLst/>
+          </a:prstGeom>
+          <a:solidFill>
+            <a:srgbClr val="C7ACDB"/>
+          </a:solidFill>
+          <a:ln w="25400">
+            <a:solidFill>
+              <a:schemeClr val="tx1"/>
+            </a:solidFill>
+          </a:ln>
+        </p:spPr>
+        <p:style>
+          <a:lnRef idx="2">
+            <a:schemeClr val="accent1">
+              <a:shade val="50000"/>
+            </a:schemeClr>
+          </a:lnRef>
+          <a:fillRef idx="1">
+            <a:schemeClr val="accent1"/>
+          </a:fillRef>
+          <a:effectRef idx="0">
+            <a:schemeClr val="accent1"/>
+          </a:effectRef>
+          <a:fontRef idx="minor">
+            <a:schemeClr val="lt1"/>
+          </a:fontRef>
+        </p:style>
+        <p:txBody>
+          <a:bodyPr rtlCol="0" anchor="ctr"/>
+          <a:lstStyle/>
+          <a:p>
+            <a:pPr algn="ctr"/>
+            <a:r>
+              <a:rPr lang="en-US" sz="1600" b="1" dirty="0">
+                <a:solidFill>
+                  <a:schemeClr val="tx1"/>
+                </a:solidFill>
+                <a:latin typeface="Helvetica" pitchFamily="2" charset="0"/>
+              </a:rPr>
+              <a:t>J2</a:t>
+            </a:r>
+          </a:p>
+        </p:txBody>
+      </p:sp>
+      <p:sp>
+        <p:nvSpPr>
+          <p:cNvPr id="83" name="Rounded Rectangle 82">
+            <a:extLst>
+              <a:ext uri="{FF2B5EF4-FFF2-40B4-BE49-F238E27FC236}">
+                <a16:creationId xmlns:a16="http://schemas.microsoft.com/office/drawing/2014/main" id="{25E3E50F-A67B-7207-98E1-ACBD26337C68}"/>
+              </a:ext>
+            </a:extLst>
+          </p:cNvPr>
+          <p:cNvSpPr/>
+          <p:nvPr/>
+        </p:nvSpPr>
+        <p:spPr>
+          <a:xfrm>
+            <a:off x="3595752" y="719689"/>
+            <a:ext cx="475901" cy="323602"/>
+          </a:xfrm>
+          <a:prstGeom prst="roundRect">
+            <a:avLst/>
+          </a:prstGeom>
+          <a:solidFill>
+            <a:srgbClr val="C7ACDB"/>
+          </a:solidFill>
+          <a:ln w="25400">
+            <a:solidFill>
+              <a:schemeClr val="tx1"/>
+            </a:solidFill>
+          </a:ln>
+        </p:spPr>
+        <p:style>
+          <a:lnRef idx="2">
+            <a:schemeClr val="accent1">
+              <a:shade val="50000"/>
+            </a:schemeClr>
+          </a:lnRef>
+          <a:fillRef idx="1">
+            <a:schemeClr val="accent1"/>
+          </a:fillRef>
+          <a:effectRef idx="0">
+            <a:schemeClr val="accent1"/>
+          </a:effectRef>
+          <a:fontRef idx="minor">
+            <a:schemeClr val="lt1"/>
+          </a:fontRef>
+        </p:style>
+        <p:txBody>
+          <a:bodyPr rtlCol="0" anchor="ctr"/>
+          <a:lstStyle/>
+          <a:p>
+            <a:pPr algn="ctr"/>
+            <a:r>
+              <a:rPr lang="en-US" sz="1600" b="1" dirty="0">
+                <a:solidFill>
+                  <a:schemeClr val="tx1"/>
+                </a:solidFill>
+                <a:latin typeface="Helvetica" pitchFamily="2" charset="0"/>
+              </a:rPr>
+              <a:t>J7</a:t>
+            </a:r>
+          </a:p>
+        </p:txBody>
+      </p:sp>
+      <p:sp>
+        <p:nvSpPr>
+          <p:cNvPr id="84" name="Rounded Rectangle 83">
+            <a:extLst>
+              <a:ext uri="{FF2B5EF4-FFF2-40B4-BE49-F238E27FC236}">
+                <a16:creationId xmlns:a16="http://schemas.microsoft.com/office/drawing/2014/main" id="{0EDEE167-2354-7633-583D-00A310F1DB28}"/>
+              </a:ext>
+            </a:extLst>
+          </p:cNvPr>
+          <p:cNvSpPr/>
+          <p:nvPr/>
+        </p:nvSpPr>
+        <p:spPr>
+          <a:xfrm>
+            <a:off x="3190830" y="5509680"/>
+            <a:ext cx="475901" cy="323602"/>
+          </a:xfrm>
+          <a:prstGeom prst="roundRect">
+            <a:avLst/>
+          </a:prstGeom>
+          <a:solidFill>
+            <a:srgbClr val="C7ACDB"/>
+          </a:solidFill>
+          <a:ln w="25400">
+            <a:solidFill>
+              <a:schemeClr val="tx1"/>
+            </a:solidFill>
+          </a:ln>
+        </p:spPr>
+        <p:style>
+          <a:lnRef idx="2">
+            <a:schemeClr val="accent1">
+              <a:shade val="50000"/>
+            </a:schemeClr>
+          </a:lnRef>
+          <a:fillRef idx="1">
+            <a:schemeClr val="accent1"/>
+          </a:fillRef>
+          <a:effectRef idx="0">
+            <a:schemeClr val="accent1"/>
+          </a:effectRef>
+          <a:fontRef idx="minor">
+            <a:schemeClr val="lt1"/>
+          </a:fontRef>
+        </p:style>
+        <p:txBody>
+          <a:bodyPr rtlCol="0" anchor="ctr"/>
+          <a:lstStyle/>
+          <a:p>
+            <a:pPr algn="ctr"/>
+            <a:r>
+              <a:rPr lang="en-US" sz="1600" b="1" dirty="0">
+                <a:solidFill>
+                  <a:schemeClr val="tx1"/>
+                </a:solidFill>
+                <a:latin typeface="Helvetica" pitchFamily="2" charset="0"/>
+              </a:rPr>
+              <a:t>J1</a:t>
+            </a:r>
+          </a:p>
+        </p:txBody>
+      </p:sp>
+    </p:spTree>
+    <p:extLst>
+      <p:ext uri="{BB962C8B-B14F-4D97-AF65-F5344CB8AC3E}">
+        <p14:creationId xmlns:p14="http://schemas.microsoft.com/office/powerpoint/2010/main" val="1555942210"/>
+      </p:ext>
+    </p:extLst>
+  </p:cSld>
+  <p:clrMapOvr>
+    <a:masterClrMapping/>
+  </p:clrMapOvr>
+</p:sld>
+</file>
+
+<file path=ppt/slides/slide7.xml><?xml version="1.0" encoding="utf-8"?>
+<p:sld xmlns:a="http://schemas.openxmlformats.org/drawingml/2006/main" xmlns:r="http://schemas.openxmlformats.org/officeDocument/2006/relationships" xmlns:p="http://schemas.openxmlformats.org/presentationml/2006/main">
+  <p:cSld>
+    <p:spTree>
+      <p:nvGrpSpPr>
+        <p:cNvPr id="1" name=""/>
+        <p:cNvGrpSpPr/>
+        <p:nvPr/>
+      </p:nvGrpSpPr>
+      <p:grpSpPr>
+        <a:xfrm>
+          <a:off x="0" y="0"/>
+          <a:ext cx="0" cy="0"/>
+          <a:chOff x="0" y="0"/>
+          <a:chExt cx="0" cy="0"/>
+        </a:xfrm>
+      </p:grpSpPr>
+      <p:pic>
+        <p:nvPicPr>
+          <p:cNvPr id="15" name="Picture 14">
+            <a:extLst>
+              <a:ext uri="{FF2B5EF4-FFF2-40B4-BE49-F238E27FC236}">
+                <a16:creationId xmlns:a16="http://schemas.microsoft.com/office/drawing/2014/main" id="{15B80C0A-D1EB-4E5C-B12A-80AF61F3971C}"/>
+              </a:ext>
+            </a:extLst>
+          </p:cNvPr>
+          <p:cNvPicPr>
+            <a:picLocks noChangeAspect="1"/>
+          </p:cNvPicPr>
+          <p:nvPr/>
+        </p:nvPicPr>
+        <p:blipFill rotWithShape="1">
+          <a:blip r:embed="rId3"/>
+          <a:srcRect l="39881" r="35754"/>
+          <a:stretch/>
+        </p:blipFill>
+        <p:spPr>
+          <a:xfrm>
+            <a:off x="2751916" y="187583"/>
+            <a:ext cx="2229825" cy="6863923"/>
+          </a:xfrm>
+          <a:prstGeom prst="rect">
+            <a:avLst/>
+          </a:prstGeom>
+        </p:spPr>
+      </p:pic>
+      <p:pic>
+        <p:nvPicPr>
+          <p:cNvPr id="13" name="Picture 12">
+            <a:extLst>
+              <a:ext uri="{FF2B5EF4-FFF2-40B4-BE49-F238E27FC236}">
+                <a16:creationId xmlns:a16="http://schemas.microsoft.com/office/drawing/2014/main" id="{B756D728-6C47-A054-6D1E-EDCC4A9DD79C}"/>
+              </a:ext>
+            </a:extLst>
+          </p:cNvPr>
+          <p:cNvPicPr>
+            <a:picLocks noChangeAspect="1"/>
+          </p:cNvPicPr>
+          <p:nvPr/>
+        </p:nvPicPr>
+        <p:blipFill rotWithShape="1">
+          <a:blip r:embed="rId4"/>
+          <a:srcRect l="44586" r="39878"/>
+          <a:stretch/>
+        </p:blipFill>
+        <p:spPr>
+          <a:xfrm>
+            <a:off x="710157" y="187583"/>
+            <a:ext cx="1420609" cy="6858000"/>
+          </a:xfrm>
+          <a:prstGeom prst="rect">
+            <a:avLst/>
+          </a:prstGeom>
+        </p:spPr>
+      </p:pic>
+      <p:sp>
+        <p:nvSpPr>
+          <p:cNvPr id="24" name="Rounded Rectangle 23">
+            <a:extLst>
+              <a:ext uri="{FF2B5EF4-FFF2-40B4-BE49-F238E27FC236}">
+                <a16:creationId xmlns:a16="http://schemas.microsoft.com/office/drawing/2014/main" id="{13C32372-74E2-D935-7826-E3067BE56693}"/>
+              </a:ext>
+            </a:extLst>
+          </p:cNvPr>
+          <p:cNvSpPr/>
+          <p:nvPr/>
+        </p:nvSpPr>
+        <p:spPr>
+          <a:xfrm>
+            <a:off x="95533" y="95533"/>
+            <a:ext cx="6684645" cy="6192533"/>
+          </a:xfrm>
+          <a:prstGeom prst="roundRect">
+            <a:avLst>
+              <a:gd name="adj" fmla="val 2166"/>
+            </a:avLst>
+          </a:prstGeom>
+          <a:noFill/>
+          <a:ln w="38100">
+            <a:solidFill>
+              <a:schemeClr val="tx1"/>
+            </a:solidFill>
+          </a:ln>
+        </p:spPr>
+        <p:style>
+          <a:lnRef idx="2">
+            <a:schemeClr val="accent1">
+              <a:shade val="50000"/>
+            </a:schemeClr>
+          </a:lnRef>
+          <a:fillRef idx="1">
+            <a:schemeClr val="accent1"/>
+          </a:fillRef>
+          <a:effectRef idx="0">
+            <a:schemeClr val="accent1"/>
+          </a:effectRef>
+          <a:fontRef idx="minor">
+            <a:schemeClr val="lt1"/>
+          </a:fontRef>
+        </p:style>
+        <p:txBody>
+          <a:bodyPr rtlCol="0" anchor="ctr"/>
+          <a:lstStyle/>
+          <a:p>
+            <a:pPr algn="ctr"/>
+            <a:endParaRPr lang="en-US"/>
+          </a:p>
+        </p:txBody>
+      </p:sp>
+      <p:sp>
+        <p:nvSpPr>
+          <p:cNvPr id="34" name="Oval 33">
+            <a:extLst>
+              <a:ext uri="{FF2B5EF4-FFF2-40B4-BE49-F238E27FC236}">
+                <a16:creationId xmlns:a16="http://schemas.microsoft.com/office/drawing/2014/main" id="{64E8444C-2287-68A9-7902-72F206C7645D}"/>
+              </a:ext>
+            </a:extLst>
+          </p:cNvPr>
+          <p:cNvSpPr/>
+          <p:nvPr/>
+        </p:nvSpPr>
+        <p:spPr>
+          <a:xfrm>
+            <a:off x="3739627" y="6203516"/>
+            <a:ext cx="169102" cy="169100"/>
+          </a:xfrm>
+          <a:prstGeom prst="ellipse">
+            <a:avLst/>
+          </a:prstGeom>
+          <a:solidFill>
+            <a:schemeClr val="accent4">
+              <a:lumMod val="60000"/>
+              <a:lumOff val="40000"/>
+            </a:schemeClr>
+          </a:solidFill>
+          <a:ln w="38100">
+            <a:solidFill>
+              <a:schemeClr val="tx1"/>
+            </a:solidFill>
+          </a:ln>
+        </p:spPr>
+        <p:style>
+          <a:lnRef idx="2">
+            <a:schemeClr val="accent1">
+              <a:shade val="50000"/>
+            </a:schemeClr>
+          </a:lnRef>
+          <a:fillRef idx="1">
+            <a:schemeClr val="accent1"/>
+          </a:fillRef>
+          <a:effectRef idx="0">
+            <a:schemeClr val="accent1"/>
+          </a:effectRef>
+          <a:fontRef idx="minor">
+            <a:schemeClr val="lt1"/>
+          </a:fontRef>
+        </p:style>
+        <p:txBody>
+          <a:bodyPr rtlCol="0" anchor="ctr"/>
+          <a:lstStyle/>
+          <a:p>
+            <a:pPr algn="ctr"/>
+            <a:endParaRPr lang="en-US" sz="600"/>
+          </a:p>
+        </p:txBody>
+      </p:sp>
+      <p:grpSp>
+        <p:nvGrpSpPr>
+          <p:cNvPr id="52" name="Group 51">
+            <a:extLst>
+              <a:ext uri="{FF2B5EF4-FFF2-40B4-BE49-F238E27FC236}">
+                <a16:creationId xmlns:a16="http://schemas.microsoft.com/office/drawing/2014/main" id="{A94DC0B3-A5FE-CF4E-EFF1-70175E7BF7CE}"/>
+              </a:ext>
+            </a:extLst>
+          </p:cNvPr>
+          <p:cNvGrpSpPr/>
+          <p:nvPr/>
+        </p:nvGrpSpPr>
+        <p:grpSpPr>
+          <a:xfrm>
+            <a:off x="4615651" y="4315988"/>
+            <a:ext cx="1626402" cy="1771035"/>
+            <a:chOff x="4810337" y="3695910"/>
+            <a:chExt cx="1866139" cy="2032091"/>
+          </a:xfrm>
+        </p:grpSpPr>
+        <p:sp>
+          <p:nvSpPr>
+            <p:cNvPr id="36" name="Rounded Rectangle 6">
+              <a:extLst>
+                <a:ext uri="{FF2B5EF4-FFF2-40B4-BE49-F238E27FC236}">
+                  <a16:creationId xmlns:a16="http://schemas.microsoft.com/office/drawing/2014/main" id="{F552B023-60FE-2694-B03C-9E43F1D456A6}"/>
+                </a:ext>
+              </a:extLst>
+            </p:cNvPr>
+            <p:cNvSpPr/>
+            <p:nvPr/>
+          </p:nvSpPr>
+          <p:spPr>
+            <a:xfrm>
+              <a:off x="4810337" y="3838317"/>
+              <a:ext cx="1866139" cy="1889684"/>
+            </a:xfrm>
+            <a:prstGeom prst="roundRect">
+              <a:avLst>
+                <a:gd name="adj" fmla="val 5518"/>
+              </a:avLst>
+            </a:prstGeom>
+            <a:solidFill>
+              <a:schemeClr val="accent3">
+                <a:lumMod val="40000"/>
+                <a:lumOff val="60000"/>
+              </a:schemeClr>
+            </a:solidFill>
+            <a:ln w="25400">
+              <a:solidFill>
+                <a:schemeClr val="tx1"/>
+              </a:solidFill>
+            </a:ln>
+          </p:spPr>
+          <p:style>
+            <a:lnRef idx="2">
+              <a:schemeClr val="accent1">
+                <a:shade val="50000"/>
+              </a:schemeClr>
+            </a:lnRef>
+            <a:fillRef idx="1">
+              <a:schemeClr val="accent1"/>
+            </a:fillRef>
+            <a:effectRef idx="0">
+              <a:schemeClr val="accent1"/>
+            </a:effectRef>
+            <a:fontRef idx="minor">
+              <a:schemeClr val="lt1"/>
+            </a:fontRef>
+          </p:style>
+          <p:txBody>
+            <a:bodyPr rtlCol="0" anchor="ctr"/>
+            <a:lstStyle/>
+            <a:p>
+              <a:pPr algn="ctr"/>
+              <a:endParaRPr lang="en-US" sz="600"/>
+            </a:p>
+          </p:txBody>
+        </p:sp>
+        <p:cxnSp>
+          <p:nvCxnSpPr>
+            <p:cNvPr id="37" name="Straight Arrow Connector 36">
+              <a:extLst>
+                <a:ext uri="{FF2B5EF4-FFF2-40B4-BE49-F238E27FC236}">
+                  <a16:creationId xmlns:a16="http://schemas.microsoft.com/office/drawing/2014/main" id="{7A7A3BDB-3A08-7AC4-C830-7D6AD4E70B52}"/>
+                </a:ext>
+              </a:extLst>
+            </p:cNvPr>
+            <p:cNvCxnSpPr>
+              <a:cxnSpLocks/>
+              <a:stCxn id="39" idx="6"/>
+            </p:cNvCxnSpPr>
+            <p:nvPr/>
+          </p:nvCxnSpPr>
+          <p:spPr>
+            <a:xfrm>
+              <a:off x="5344664" y="5308747"/>
+              <a:ext cx="870574" cy="0"/>
+            </a:xfrm>
+            <a:prstGeom prst="straightConnector1">
+              <a:avLst/>
+            </a:prstGeom>
+            <a:ln w="50800">
+              <a:solidFill>
+                <a:schemeClr val="tx1"/>
+              </a:solidFill>
+              <a:tailEnd type="triangle"/>
+            </a:ln>
+          </p:spPr>
+          <p:style>
+            <a:lnRef idx="1">
+              <a:schemeClr val="accent1"/>
+            </a:lnRef>
+            <a:fillRef idx="0">
+              <a:schemeClr val="accent1"/>
+            </a:fillRef>
+            <a:effectRef idx="0">
+              <a:schemeClr val="accent1"/>
+            </a:effectRef>
+            <a:fontRef idx="minor">
+              <a:schemeClr val="tx1"/>
+            </a:fontRef>
+          </p:style>
+        </p:cxnSp>
+        <p:cxnSp>
+          <p:nvCxnSpPr>
+            <p:cNvPr id="38" name="Straight Arrow Connector 37">
+              <a:extLst>
+                <a:ext uri="{FF2B5EF4-FFF2-40B4-BE49-F238E27FC236}">
+                  <a16:creationId xmlns:a16="http://schemas.microsoft.com/office/drawing/2014/main" id="{6FC0011D-551A-4F3D-A696-C220D395DA6B}"/>
+                </a:ext>
+              </a:extLst>
+            </p:cNvPr>
+            <p:cNvCxnSpPr>
+              <a:cxnSpLocks/>
+            </p:cNvCxnSpPr>
+            <p:nvPr/>
+          </p:nvCxnSpPr>
+          <p:spPr>
+            <a:xfrm flipV="1">
+              <a:off x="5250681" y="4228016"/>
+              <a:ext cx="0" cy="999875"/>
+            </a:xfrm>
+            <a:prstGeom prst="straightConnector1">
+              <a:avLst/>
+            </a:prstGeom>
+            <a:ln w="50800">
+              <a:solidFill>
+                <a:schemeClr val="tx1"/>
+              </a:solidFill>
+              <a:tailEnd type="triangle"/>
+            </a:ln>
+          </p:spPr>
+          <p:style>
+            <a:lnRef idx="1">
+              <a:schemeClr val="accent1"/>
+            </a:lnRef>
+            <a:fillRef idx="0">
+              <a:schemeClr val="accent1"/>
+            </a:fillRef>
+            <a:effectRef idx="0">
+              <a:schemeClr val="accent1"/>
+            </a:effectRef>
+            <a:fontRef idx="minor">
+              <a:schemeClr val="tx1"/>
+            </a:fontRef>
+          </p:style>
+        </p:cxnSp>
+        <p:sp>
+          <p:nvSpPr>
+            <p:cNvPr id="39" name="Oval 38">
+              <a:extLst>
+                <a:ext uri="{FF2B5EF4-FFF2-40B4-BE49-F238E27FC236}">
+                  <a16:creationId xmlns:a16="http://schemas.microsoft.com/office/drawing/2014/main" id="{365C93C4-461C-5568-D1C0-6887383B6191}"/>
+                </a:ext>
+              </a:extLst>
+            </p:cNvPr>
+            <p:cNvSpPr/>
+            <p:nvPr/>
+          </p:nvSpPr>
+          <p:spPr>
+            <a:xfrm>
+              <a:off x="5175562" y="5224197"/>
+              <a:ext cx="169102" cy="169100"/>
+            </a:xfrm>
+            <a:prstGeom prst="ellipse">
+              <a:avLst/>
+            </a:prstGeom>
+            <a:solidFill>
+              <a:schemeClr val="accent4">
+                <a:lumMod val="60000"/>
+                <a:lumOff val="40000"/>
+              </a:schemeClr>
+            </a:solidFill>
+            <a:ln w="38100">
+              <a:solidFill>
+                <a:schemeClr val="tx1"/>
+              </a:solidFill>
+            </a:ln>
+          </p:spPr>
+          <p:style>
+            <a:lnRef idx="2">
+              <a:schemeClr val="accent1">
+                <a:shade val="50000"/>
+              </a:schemeClr>
+            </a:lnRef>
+            <a:fillRef idx="1">
+              <a:schemeClr val="accent1"/>
+            </a:fillRef>
+            <a:effectRef idx="0">
+              <a:schemeClr val="accent1"/>
+            </a:effectRef>
+            <a:fontRef idx="minor">
+              <a:schemeClr val="lt1"/>
+            </a:fontRef>
+          </p:style>
+          <p:txBody>
+            <a:bodyPr rtlCol="0" anchor="ctr"/>
+            <a:lstStyle/>
+            <a:p>
+              <a:pPr algn="ctr"/>
+              <a:endParaRPr lang="en-US" sz="500"/>
+            </a:p>
+          </p:txBody>
+        </p:sp>
+        <mc:AlternateContent xmlns:mc="http://schemas.openxmlformats.org/markup-compatibility/2006">
+          <mc:Choice xmlns:a14="http://schemas.microsoft.com/office/drawing/2010/main" Requires="a14">
+            <p:sp>
+              <p:nvSpPr>
+                <p:cNvPr id="40" name="TextBox 39">
+                  <a:extLst>
+                    <a:ext uri="{FF2B5EF4-FFF2-40B4-BE49-F238E27FC236}">
+                      <a16:creationId xmlns:a16="http://schemas.microsoft.com/office/drawing/2014/main" id="{3EA36240-B266-5934-A4E7-AE75F7A8F2E9}"/>
+                    </a:ext>
+                  </a:extLst>
+                </p:cNvPr>
+                <p:cNvSpPr txBox="1"/>
+                <p:nvPr/>
+              </p:nvSpPr>
+              <p:spPr>
+                <a:xfrm>
+                  <a:off x="6131750" y="5038127"/>
+                  <a:ext cx="505353" cy="461665"/>
+                </a:xfrm>
+                <a:prstGeom prst="rect">
+                  <a:avLst/>
+                </a:prstGeom>
+                <a:noFill/>
+              </p:spPr>
+              <p:txBody>
+                <a:bodyPr wrap="square">
+                  <a:spAutoFit/>
+                </a:bodyPr>
+                <a:lstStyle>
+                  <a:defPPr>
+                    <a:defRPr lang="en-US"/>
+                  </a:defPPr>
+                  <a:lvl1pPr>
+                    <a:defRPr sz="2400" b="0" i="1">
+                      <a:latin typeface="Cambria Math" panose="02040503050406030204" pitchFamily="18" charset="0"/>
+                    </a:defRPr>
+                  </a:lvl1pPr>
+                </a:lstStyle>
+                <a:p>
+                  <a:pPr/>
+                  <a14:m>
+                    <m:oMathPara xmlns:m="http://schemas.openxmlformats.org/officeDocument/2006/math">
+                      <m:oMathParaPr>
+                        <m:jc m:val="centerGroup"/>
+                      </m:oMathParaPr>
+                      <m:oMath xmlns:m="http://schemas.openxmlformats.org/officeDocument/2006/math">
+                        <m:sSub>
+                          <m:sSubPr>
+                            <m:ctrlPr>
+                              <a:rPr lang="en-US" altLang="ko-KR" sz="2000" i="1" smtClean="0"/>
+                            </m:ctrlPr>
+                          </m:sSubPr>
+                          <m:e>
+                            <m:acc>
+                              <m:accPr>
+                                <m:chr m:val="̂"/>
+                                <m:ctrlPr>
+                                  <a:rPr lang="en-US" altLang="ko-KR" sz="2000" i="1"/>
+                                </m:ctrlPr>
+                              </m:accPr>
+                              <m:e>
+                                <m:r>
+                                  <m:rPr>
+                                    <m:sty m:val="p"/>
+                                  </m:rPr>
+                                  <a:rPr lang="en-US" altLang="ko-KR" sz="2000"/>
+                                  <m:t>e</m:t>
+                                </m:r>
+                              </m:e>
+                            </m:acc>
+                          </m:e>
+                          <m:sub>
+                            <m:r>
+                              <m:rPr>
+                                <m:sty m:val="p"/>
+                              </m:rPr>
+                              <a:rPr lang="en-US" altLang="ko-KR" sz="2000" b="0" i="0" smtClean="0">
+                                <a:latin typeface="Cambria Math" panose="02040503050406030204" pitchFamily="18" charset="0"/>
+                              </a:rPr>
+                              <m:t>Y</m:t>
+                            </m:r>
+                          </m:sub>
+                        </m:sSub>
+                      </m:oMath>
+                    </m:oMathPara>
+                  </a14:m>
+                  <a:endParaRPr lang="en-US" sz="2000" dirty="0"/>
+                </a:p>
+              </p:txBody>
+            </p:sp>
+          </mc:Choice>
+          <mc:Fallback>
+            <p:sp>
+              <p:nvSpPr>
+                <p:cNvPr id="40" name="TextBox 39">
+                  <a:extLst>
+                    <a:ext uri="{FF2B5EF4-FFF2-40B4-BE49-F238E27FC236}">
+                      <a16:creationId xmlns:a16="http://schemas.microsoft.com/office/drawing/2014/main" id="{3EA36240-B266-5934-A4E7-AE75F7A8F2E9}"/>
+                    </a:ext>
+                  </a:extLst>
+                </p:cNvPr>
+                <p:cNvSpPr txBox="1">
+                  <a:spLocks noRot="1" noChangeAspect="1" noMove="1" noResize="1" noEditPoints="1" noAdjustHandles="1" noChangeArrowheads="1" noChangeShapeType="1" noTextEdit="1"/>
+                </p:cNvSpPr>
+                <p:nvPr/>
+              </p:nvSpPr>
+              <p:spPr>
+                <a:xfrm>
+                  <a:off x="6131750" y="5038127"/>
+                  <a:ext cx="505353" cy="461665"/>
+                </a:xfrm>
+                <a:prstGeom prst="rect">
+                  <a:avLst/>
+                </a:prstGeom>
+                <a:blipFill>
+                  <a:blip r:embed="rId5"/>
+                  <a:stretch>
+                    <a:fillRect t="-6250"/>
+                  </a:stretch>
+                </a:blipFill>
+              </p:spPr>
+              <p:txBody>
+                <a:bodyPr/>
+                <a:lstStyle/>
+                <a:p>
+                  <a:r>
+                    <a:rPr lang="en-US">
+                      <a:noFill/>
+                    </a:rPr>
+                    <a:t> </a:t>
+                  </a:r>
+                </a:p>
+              </p:txBody>
+            </p:sp>
+          </mc:Fallback>
+        </mc:AlternateContent>
+        <mc:AlternateContent xmlns:mc="http://schemas.openxmlformats.org/markup-compatibility/2006">
+          <mc:Choice xmlns:a14="http://schemas.microsoft.com/office/drawing/2010/main" Requires="a14">
+            <p:sp>
+              <p:nvSpPr>
+                <p:cNvPr id="41" name="TextBox 40">
+                  <a:extLst>
+                    <a:ext uri="{FF2B5EF4-FFF2-40B4-BE49-F238E27FC236}">
+                      <a16:creationId xmlns:a16="http://schemas.microsoft.com/office/drawing/2014/main" id="{7A32A7DC-F464-4F45-CCB0-EE08DD0D097B}"/>
+                    </a:ext>
+                  </a:extLst>
+                </p:cNvPr>
+                <p:cNvSpPr txBox="1"/>
+                <p:nvPr/>
+              </p:nvSpPr>
+              <p:spPr>
+                <a:xfrm>
+                  <a:off x="5260113" y="4064931"/>
+                  <a:ext cx="505353" cy="461665"/>
+                </a:xfrm>
+                <a:prstGeom prst="rect">
+                  <a:avLst/>
+                </a:prstGeom>
+                <a:noFill/>
+              </p:spPr>
+              <p:txBody>
+                <a:bodyPr wrap="square">
+                  <a:spAutoFit/>
+                </a:bodyPr>
+                <a:lstStyle>
+                  <a:defPPr>
+                    <a:defRPr lang="en-US"/>
+                  </a:defPPr>
+                  <a:lvl1pPr>
+                    <a:defRPr sz="6000" b="0" i="1">
+                      <a:latin typeface="Cambria Math" panose="02040503050406030204" pitchFamily="18" charset="0"/>
+                    </a:defRPr>
+                  </a:lvl1pPr>
+                </a:lstStyle>
+                <a:p>
+                  <a:pPr/>
+                  <a14:m>
+                    <m:oMathPara xmlns:m="http://schemas.openxmlformats.org/officeDocument/2006/math">
+                      <m:oMathParaPr>
+                        <m:jc m:val="centerGroup"/>
+                      </m:oMathParaPr>
+                      <m:oMath xmlns:m="http://schemas.openxmlformats.org/officeDocument/2006/math">
+                        <m:sSub>
+                          <m:sSubPr>
+                            <m:ctrlPr>
+                              <a:rPr lang="en-US" altLang="ko-KR" sz="2000" i="1" smtClean="0"/>
+                            </m:ctrlPr>
+                          </m:sSubPr>
+                          <m:e>
+                            <m:acc>
+                              <m:accPr>
+                                <m:chr m:val="̂"/>
+                                <m:ctrlPr>
+                                  <a:rPr lang="en-US" altLang="ko-KR" sz="2000" i="1"/>
+                                </m:ctrlPr>
+                              </m:accPr>
+                              <m:e>
+                                <m:r>
+                                  <m:rPr>
+                                    <m:sty m:val="p"/>
+                                  </m:rPr>
+                                  <a:rPr lang="en-US" altLang="ko-KR" sz="2000"/>
+                                  <m:t>e</m:t>
+                                </m:r>
+                              </m:e>
+                            </m:acc>
+                          </m:e>
+                          <m:sub>
+                            <m:r>
+                              <m:rPr>
+                                <m:sty m:val="p"/>
+                              </m:rPr>
+                              <a:rPr lang="en-US" altLang="ko-KR" sz="2000" b="0" i="0" smtClean="0">
+                                <a:latin typeface="Cambria Math" panose="02040503050406030204" pitchFamily="18" charset="0"/>
+                              </a:rPr>
+                              <m:t>Z</m:t>
+                            </m:r>
+                          </m:sub>
+                        </m:sSub>
+                      </m:oMath>
+                    </m:oMathPara>
+                  </a14:m>
+                  <a:endParaRPr lang="en-US" sz="2000" dirty="0"/>
+                </a:p>
+              </p:txBody>
+            </p:sp>
+          </mc:Choice>
+          <mc:Fallback>
+            <p:sp>
+              <p:nvSpPr>
+                <p:cNvPr id="41" name="TextBox 40">
+                  <a:extLst>
+                    <a:ext uri="{FF2B5EF4-FFF2-40B4-BE49-F238E27FC236}">
+                      <a16:creationId xmlns:a16="http://schemas.microsoft.com/office/drawing/2014/main" id="{7A32A7DC-F464-4F45-CCB0-EE08DD0D097B}"/>
+                    </a:ext>
+                  </a:extLst>
+                </p:cNvPr>
+                <p:cNvSpPr txBox="1">
+                  <a:spLocks noRot="1" noChangeAspect="1" noMove="1" noResize="1" noEditPoints="1" noAdjustHandles="1" noChangeArrowheads="1" noChangeShapeType="1" noTextEdit="1"/>
+                </p:cNvSpPr>
+                <p:nvPr/>
+              </p:nvSpPr>
+              <p:spPr>
+                <a:xfrm>
+                  <a:off x="5260113" y="4064931"/>
+                  <a:ext cx="505353" cy="461665"/>
+                </a:xfrm>
+                <a:prstGeom prst="rect">
+                  <a:avLst/>
+                </a:prstGeom>
+                <a:blipFill>
+                  <a:blip r:embed="rId6"/>
+                  <a:stretch>
+                    <a:fillRect t="-6250"/>
+                  </a:stretch>
+                </a:blipFill>
+              </p:spPr>
+              <p:txBody>
+                <a:bodyPr/>
+                <a:lstStyle/>
+                <a:p>
+                  <a:r>
+                    <a:rPr lang="en-US">
+                      <a:noFill/>
+                    </a:rPr>
+                    <a:t> </a:t>
+                  </a:r>
+                </a:p>
+              </p:txBody>
+            </p:sp>
+          </mc:Fallback>
+        </mc:AlternateContent>
+        <mc:AlternateContent xmlns:mc="http://schemas.openxmlformats.org/markup-compatibility/2006">
+          <mc:Choice xmlns:a14="http://schemas.microsoft.com/office/drawing/2010/main" Requires="a14">
+            <p:sp>
+              <p:nvSpPr>
+                <p:cNvPr id="42" name="TextBox 41">
+                  <a:extLst>
+                    <a:ext uri="{FF2B5EF4-FFF2-40B4-BE49-F238E27FC236}">
+                      <a16:creationId xmlns:a16="http://schemas.microsoft.com/office/drawing/2014/main" id="{6EF84534-EE56-4BD4-93E5-1D62310668F8}"/>
+                    </a:ext>
+                  </a:extLst>
+                </p:cNvPr>
+                <p:cNvSpPr txBox="1"/>
+                <p:nvPr/>
+              </p:nvSpPr>
+              <p:spPr>
+                <a:xfrm>
+                  <a:off x="5194538" y="4893620"/>
+                  <a:ext cx="534327" cy="461665"/>
+                </a:xfrm>
+                <a:prstGeom prst="rect">
+                  <a:avLst/>
+                </a:prstGeom>
+                <a:noFill/>
+              </p:spPr>
+              <p:txBody>
+                <a:bodyPr wrap="square">
+                  <a:spAutoFit/>
+                </a:bodyPr>
+                <a:lstStyle/>
+                <a:p>
+                  <a:pPr/>
+                  <a14:m>
+                    <m:oMathPara xmlns:m="http://schemas.openxmlformats.org/officeDocument/2006/math">
+                      <m:oMathParaPr>
+                        <m:jc m:val="centerGroup"/>
+                      </m:oMathParaPr>
+                      <m:oMath xmlns:m="http://schemas.openxmlformats.org/officeDocument/2006/math">
+                        <m:r>
+                          <a:rPr lang="en-US" sz="2000" b="0" i="1" smtClean="0">
+                            <a:latin typeface="Cambria Math" panose="02040503050406030204" pitchFamily="18" charset="0"/>
+                          </a:rPr>
+                          <m:t>𝑂</m:t>
+                        </m:r>
+                      </m:oMath>
+                    </m:oMathPara>
+                  </a14:m>
+                  <a:endParaRPr lang="en-US" sz="2000" dirty="0"/>
+                </a:p>
+              </p:txBody>
+            </p:sp>
+          </mc:Choice>
+          <mc:Fallback>
+            <p:sp>
+              <p:nvSpPr>
+                <p:cNvPr id="42" name="TextBox 41">
+                  <a:extLst>
+                    <a:ext uri="{FF2B5EF4-FFF2-40B4-BE49-F238E27FC236}">
+                      <a16:creationId xmlns:a16="http://schemas.microsoft.com/office/drawing/2014/main" id="{6EF84534-EE56-4BD4-93E5-1D62310668F8}"/>
+                    </a:ext>
+                  </a:extLst>
+                </p:cNvPr>
+                <p:cNvSpPr txBox="1">
+                  <a:spLocks noRot="1" noChangeAspect="1" noMove="1" noResize="1" noEditPoints="1" noAdjustHandles="1" noChangeArrowheads="1" noChangeShapeType="1" noTextEdit="1"/>
+                </p:cNvSpPr>
+                <p:nvPr/>
+              </p:nvSpPr>
+              <p:spPr>
+                <a:xfrm>
+                  <a:off x="5194538" y="4893620"/>
+                  <a:ext cx="534327" cy="461665"/>
+                </a:xfrm>
+                <a:prstGeom prst="rect">
+                  <a:avLst/>
+                </a:prstGeom>
+                <a:blipFill>
+                  <a:blip r:embed="rId7"/>
+                  <a:stretch>
+                    <a:fillRect/>
+                  </a:stretch>
+                </a:blipFill>
+              </p:spPr>
+              <p:txBody>
+                <a:bodyPr/>
+                <a:lstStyle/>
+                <a:p>
+                  <a:r>
+                    <a:rPr lang="en-US">
+                      <a:noFill/>
+                    </a:rPr>
+                    <a:t> </a:t>
+                  </a:r>
+                </a:p>
+              </p:txBody>
+            </p:sp>
+          </mc:Fallback>
+        </mc:AlternateContent>
+        <mc:AlternateContent xmlns:mc="http://schemas.openxmlformats.org/markup-compatibility/2006">
+          <mc:Choice xmlns:a14="http://schemas.microsoft.com/office/drawing/2010/main" Requires="a14">
+            <p:sp>
+              <p:nvSpPr>
+                <p:cNvPr id="43" name="Rounded Rectangle 7">
+                  <a:extLst>
+                    <a:ext uri="{FF2B5EF4-FFF2-40B4-BE49-F238E27FC236}">
+                      <a16:creationId xmlns:a16="http://schemas.microsoft.com/office/drawing/2014/main" id="{D3983BA3-A390-4E9D-FF7D-A6AE4CE04953}"/>
+                    </a:ext>
+                  </a:extLst>
+                </p:cNvPr>
+                <p:cNvSpPr/>
+                <p:nvPr/>
+              </p:nvSpPr>
+              <p:spPr>
+                <a:xfrm>
+                  <a:off x="5082880" y="3695910"/>
+                  <a:ext cx="1365738" cy="348125"/>
+                </a:xfrm>
+                <a:prstGeom prst="roundRect">
+                  <a:avLst>
+                    <a:gd name="adj" fmla="val 8677"/>
+                  </a:avLst>
+                </a:prstGeom>
+                <a:solidFill>
+                  <a:schemeClr val="accent3">
+                    <a:lumMod val="40000"/>
+                    <a:lumOff val="60000"/>
+                  </a:schemeClr>
+                </a:solidFill>
+                <a:ln w="25400">
+                  <a:solidFill>
+                    <a:schemeClr val="tx1"/>
+                  </a:solidFill>
+                </a:ln>
+              </p:spPr>
+              <p:style>
+                <a:lnRef idx="2">
+                  <a:schemeClr val="accent1">
+                    <a:shade val="50000"/>
+                  </a:schemeClr>
+                </a:lnRef>
+                <a:fillRef idx="1">
+                  <a:schemeClr val="accent1"/>
+                </a:fillRef>
+                <a:effectRef idx="0">
+                  <a:schemeClr val="accent1"/>
+                </a:effectRef>
+                <a:fontRef idx="minor">
+                  <a:schemeClr val="lt1"/>
+                </a:fontRef>
+              </p:style>
+              <p:txBody>
+                <a:bodyPr rtlCol="0" anchor="ctr"/>
+                <a:lstStyle/>
+                <a:p>
+                  <a:pPr algn="ctr"/>
+                  <a:r>
+                    <a:rPr lang="en-US" sz="1400" b="1" dirty="0">
+                      <a:solidFill>
+                        <a:schemeClr val="tx1"/>
+                      </a:solidFill>
+                      <a:latin typeface="Helvetica" pitchFamily="2" charset="0"/>
+                    </a:rPr>
+                    <a:t>Frame</a:t>
+                  </a:r>
+                  <a:r>
+                    <a:rPr lang="en-US" sz="1600" b="1" dirty="0">
+                      <a:solidFill>
+                        <a:schemeClr val="tx1"/>
+                      </a:solidFill>
+                      <a:latin typeface="Helvetica" pitchFamily="2" charset="0"/>
+                    </a:rPr>
+                    <a:t> </a:t>
+                  </a:r>
+                  <a14:m>
+                    <m:oMath xmlns:m="http://schemas.openxmlformats.org/officeDocument/2006/math">
+                      <m:r>
+                        <a:rPr lang="en-US" sz="1600" b="0" i="1">
+                          <a:solidFill>
+                            <a:schemeClr val="tx1"/>
+                          </a:solidFill>
+                          <a:latin typeface="Cambria Math" panose="02040503050406030204" pitchFamily="18" charset="0"/>
+                        </a:rPr>
+                        <m:t>{</m:t>
+                      </m:r>
+                      <m:r>
+                        <a:rPr lang="en-US" sz="1600" b="0" i="1">
+                          <a:solidFill>
+                            <a:schemeClr val="tx1"/>
+                          </a:solidFill>
+                          <a:latin typeface="Cambria Math" panose="02040503050406030204" pitchFamily="18" charset="0"/>
+                        </a:rPr>
+                        <m:t>𝑆</m:t>
+                      </m:r>
+                      <m:r>
+                        <a:rPr lang="en-US" sz="1600" b="0" i="1">
+                          <a:solidFill>
+                            <a:schemeClr val="tx1"/>
+                          </a:solidFill>
+                          <a:latin typeface="Cambria Math" panose="02040503050406030204" pitchFamily="18" charset="0"/>
+                        </a:rPr>
+                        <m:t>}</m:t>
+                      </m:r>
+                    </m:oMath>
+                  </a14:m>
+                  <a:r>
+                    <a:rPr lang="en-US" sz="1600" i="1" dirty="0">
+                      <a:solidFill>
+                        <a:schemeClr val="tx1"/>
+                      </a:solidFill>
+                    </a:rPr>
+                    <a:t> </a:t>
+                  </a:r>
+                </a:p>
+              </p:txBody>
+            </p:sp>
+          </mc:Choice>
+          <mc:Fallback>
+            <p:sp>
+              <p:nvSpPr>
+                <p:cNvPr id="43" name="Rounded Rectangle 7">
+                  <a:extLst>
+                    <a:ext uri="{FF2B5EF4-FFF2-40B4-BE49-F238E27FC236}">
+                      <a16:creationId xmlns:a16="http://schemas.microsoft.com/office/drawing/2014/main" id="{D3983BA3-A390-4E9D-FF7D-A6AE4CE04953}"/>
+                    </a:ext>
+                  </a:extLst>
+                </p:cNvPr>
+                <p:cNvSpPr>
+                  <a:spLocks noRot="1" noChangeAspect="1" noMove="1" noResize="1" noEditPoints="1" noAdjustHandles="1" noChangeArrowheads="1" noChangeShapeType="1" noTextEdit="1"/>
+                </p:cNvSpPr>
+                <p:nvPr/>
+              </p:nvSpPr>
+              <p:spPr>
+                <a:xfrm>
+                  <a:off x="5082880" y="3695910"/>
+                  <a:ext cx="1365738" cy="348125"/>
+                </a:xfrm>
+                <a:prstGeom prst="roundRect">
+                  <a:avLst>
+                    <a:gd name="adj" fmla="val 8677"/>
+                  </a:avLst>
+                </a:prstGeom>
+                <a:blipFill>
+                  <a:blip r:embed="rId8"/>
+                  <a:stretch>
+                    <a:fillRect b="-22222"/>
+                  </a:stretch>
+                </a:blipFill>
+                <a:ln w="25400">
+                  <a:solidFill>
+                    <a:schemeClr val="tx1"/>
+                  </a:solidFill>
+                </a:ln>
+              </p:spPr>
+              <p:txBody>
+                <a:bodyPr/>
+                <a:lstStyle/>
+                <a:p>
+                  <a:r>
+                    <a:rPr lang="en-US">
+                      <a:noFill/>
+                    </a:rPr>
+                    <a:t> </a:t>
+                  </a:r>
+                </a:p>
+              </p:txBody>
+            </p:sp>
+          </mc:Fallback>
+        </mc:AlternateContent>
+        <mc:AlternateContent xmlns:mc="http://schemas.openxmlformats.org/markup-compatibility/2006">
+          <mc:Choice xmlns:a14="http://schemas.microsoft.com/office/drawing/2010/main" Requires="a14">
+            <p:sp>
+              <p:nvSpPr>
+                <p:cNvPr id="50" name="TextBox 49">
+                  <a:extLst>
+                    <a:ext uri="{FF2B5EF4-FFF2-40B4-BE49-F238E27FC236}">
+                      <a16:creationId xmlns:a16="http://schemas.microsoft.com/office/drawing/2014/main" id="{5776005A-E22B-4247-1F98-7FF3D3AFB4C1}"/>
+                    </a:ext>
+                  </a:extLst>
+                </p:cNvPr>
+                <p:cNvSpPr txBox="1"/>
+                <p:nvPr/>
+              </p:nvSpPr>
+              <p:spPr>
+                <a:xfrm>
+                  <a:off x="5219643" y="5262481"/>
+                  <a:ext cx="505353" cy="461665"/>
+                </a:xfrm>
+                <a:prstGeom prst="rect">
+                  <a:avLst/>
+                </a:prstGeom>
+                <a:noFill/>
+              </p:spPr>
+              <p:txBody>
+                <a:bodyPr wrap="square">
+                  <a:spAutoFit/>
+                </a:bodyPr>
+                <a:lstStyle>
+                  <a:defPPr>
+                    <a:defRPr lang="en-US"/>
+                  </a:defPPr>
+                  <a:lvl1pPr>
+                    <a:defRPr sz="2400" b="0" i="1">
+                      <a:latin typeface="Cambria Math" panose="02040503050406030204" pitchFamily="18" charset="0"/>
+                    </a:defRPr>
+                  </a:lvl1pPr>
+                </a:lstStyle>
+                <a:p>
+                  <a:pPr/>
+                  <a14:m>
+                    <m:oMathPara xmlns:m="http://schemas.openxmlformats.org/officeDocument/2006/math">
+                      <m:oMathParaPr>
+                        <m:jc m:val="centerGroup"/>
+                      </m:oMathParaPr>
+                      <m:oMath xmlns:m="http://schemas.openxmlformats.org/officeDocument/2006/math">
+                        <m:sSub>
+                          <m:sSubPr>
+                            <m:ctrlPr>
+                              <a:rPr lang="en-US" altLang="ko-KR" sz="2000" i="1" smtClean="0"/>
+                            </m:ctrlPr>
+                          </m:sSubPr>
+                          <m:e>
+                            <m:acc>
+                              <m:accPr>
+                                <m:chr m:val="̂"/>
+                                <m:ctrlPr>
+                                  <a:rPr lang="en-US" altLang="ko-KR" sz="2000" i="1"/>
+                                </m:ctrlPr>
+                              </m:accPr>
+                              <m:e>
+                                <m:r>
+                                  <m:rPr>
+                                    <m:sty m:val="p"/>
+                                  </m:rPr>
+                                  <a:rPr lang="en-US" altLang="ko-KR" sz="2000"/>
+                                  <m:t>e</m:t>
+                                </m:r>
+                              </m:e>
+                            </m:acc>
+                          </m:e>
+                          <m:sub>
+                            <m:r>
+                              <m:rPr>
+                                <m:sty m:val="p"/>
+                              </m:rPr>
+                              <a:rPr lang="en-US" altLang="ko-KR" sz="2000" b="0" i="0" smtClean="0">
+                                <a:latin typeface="Cambria Math" panose="02040503050406030204" pitchFamily="18" charset="0"/>
+                              </a:rPr>
+                              <m:t>X</m:t>
+                            </m:r>
+                          </m:sub>
+                        </m:sSub>
+                      </m:oMath>
+                    </m:oMathPara>
+                  </a14:m>
+                  <a:endParaRPr lang="en-US" sz="2000" dirty="0"/>
+                </a:p>
+              </p:txBody>
+            </p:sp>
+          </mc:Choice>
+          <mc:Fallback>
+            <p:sp>
+              <p:nvSpPr>
+                <p:cNvPr id="50" name="TextBox 49">
+                  <a:extLst>
+                    <a:ext uri="{FF2B5EF4-FFF2-40B4-BE49-F238E27FC236}">
+                      <a16:creationId xmlns:a16="http://schemas.microsoft.com/office/drawing/2014/main" id="{5776005A-E22B-4247-1F98-7FF3D3AFB4C1}"/>
+                    </a:ext>
+                  </a:extLst>
+                </p:cNvPr>
+                <p:cNvSpPr txBox="1">
+                  <a:spLocks noRot="1" noChangeAspect="1" noMove="1" noResize="1" noEditPoints="1" noAdjustHandles="1" noChangeArrowheads="1" noChangeShapeType="1" noTextEdit="1"/>
+                </p:cNvSpPr>
+                <p:nvPr/>
+              </p:nvSpPr>
+              <p:spPr>
+                <a:xfrm>
+                  <a:off x="5219643" y="5262481"/>
+                  <a:ext cx="505353" cy="461665"/>
+                </a:xfrm>
+                <a:prstGeom prst="rect">
+                  <a:avLst/>
+                </a:prstGeom>
+                <a:blipFill>
+                  <a:blip r:embed="rId9"/>
+                  <a:stretch>
+                    <a:fillRect t="-6061"/>
+                  </a:stretch>
+                </a:blipFill>
+              </p:spPr>
+              <p:txBody>
+                <a:bodyPr/>
+                <a:lstStyle/>
+                <a:p>
+                  <a:r>
+                    <a:rPr lang="en-US">
+                      <a:noFill/>
+                    </a:rPr>
+                    <a:t> </a:t>
+                  </a:r>
+                </a:p>
+              </p:txBody>
+            </p:sp>
+          </mc:Fallback>
+        </mc:AlternateContent>
+      </p:grpSp>
+      <p:sp>
+        <p:nvSpPr>
+          <p:cNvPr id="72" name="Freeform 71">
+            <a:extLst>
+              <a:ext uri="{FF2B5EF4-FFF2-40B4-BE49-F238E27FC236}">
+                <a16:creationId xmlns:a16="http://schemas.microsoft.com/office/drawing/2014/main" id="{15920FB7-3B03-5CE0-FA21-19B3BEDE8B36}"/>
+              </a:ext>
+            </a:extLst>
+          </p:cNvPr>
+          <p:cNvSpPr/>
+          <p:nvPr/>
+        </p:nvSpPr>
+        <p:spPr>
+          <a:xfrm>
+            <a:off x="3969684" y="5719482"/>
+            <a:ext cx="896470" cy="466165"/>
+          </a:xfrm>
+          <a:custGeom>
+            <a:avLst/>
+            <a:gdLst>
+              <a:gd name="connsiteX0" fmla="*/ 0 w 896470"/>
+              <a:gd name="connsiteY0" fmla="*/ 466165 h 466165"/>
+              <a:gd name="connsiteX1" fmla="*/ 385482 w 896470"/>
+              <a:gd name="connsiteY1" fmla="*/ 125506 h 466165"/>
+              <a:gd name="connsiteX2" fmla="*/ 896470 w 896470"/>
+              <a:gd name="connsiteY2" fmla="*/ 0 h 466165"/>
+            </a:gdLst>
+            <a:ahLst/>
+            <a:cxnLst>
+              <a:cxn ang="0">
+                <a:pos x="connsiteX0" y="connsiteY0"/>
+              </a:cxn>
+              <a:cxn ang="0">
+                <a:pos x="connsiteX1" y="connsiteY1"/>
+              </a:cxn>
+              <a:cxn ang="0">
+                <a:pos x="connsiteX2" y="connsiteY2"/>
+              </a:cxn>
+            </a:cxnLst>
+            <a:rect l="l" t="t" r="r" b="b"/>
+            <a:pathLst>
+              <a:path w="896470" h="466165">
+                <a:moveTo>
+                  <a:pt x="0" y="466165"/>
+                </a:moveTo>
+                <a:cubicBezTo>
+                  <a:pt x="118035" y="334682"/>
+                  <a:pt x="236070" y="203200"/>
+                  <a:pt x="385482" y="125506"/>
+                </a:cubicBezTo>
+                <a:cubicBezTo>
+                  <a:pt x="534894" y="47812"/>
+                  <a:pt x="715682" y="23906"/>
+                  <a:pt x="896470" y="0"/>
+                </a:cubicBezTo>
+              </a:path>
+            </a:pathLst>
+          </a:custGeom>
+          <a:ln w="38100">
+            <a:solidFill>
+              <a:schemeClr val="tx1"/>
+            </a:solidFill>
+            <a:tailEnd type="triangle"/>
+          </a:ln>
+        </p:spPr>
+        <p:style>
+          <a:lnRef idx="1">
+            <a:schemeClr val="accent1"/>
+          </a:lnRef>
+          <a:fillRef idx="0">
+            <a:schemeClr val="accent1"/>
+          </a:fillRef>
+          <a:effectRef idx="0">
+            <a:schemeClr val="accent1"/>
+          </a:effectRef>
+          <a:fontRef idx="minor">
+            <a:schemeClr val="tx1"/>
+          </a:fontRef>
+        </p:style>
+        <p:txBody>
+          <a:bodyPr rtlCol="0" anchor="ctr"/>
+          <a:lstStyle/>
+          <a:p>
+            <a:pPr algn="ctr"/>
+            <a:endParaRPr lang="en-US">
+              <a:solidFill>
+                <a:schemeClr val="tx1"/>
+              </a:solidFill>
+            </a:endParaRPr>
+          </a:p>
+        </p:txBody>
+      </p:sp>
+      <p:grpSp>
+        <p:nvGrpSpPr>
+          <p:cNvPr id="2" name="Group 1">
+            <a:extLst>
+              <a:ext uri="{FF2B5EF4-FFF2-40B4-BE49-F238E27FC236}">
+                <a16:creationId xmlns:a16="http://schemas.microsoft.com/office/drawing/2014/main" id="{26BBB746-C3D3-7CEC-2954-28289D678D1C}"/>
+              </a:ext>
+            </a:extLst>
+          </p:cNvPr>
+          <p:cNvGrpSpPr/>
+          <p:nvPr/>
+        </p:nvGrpSpPr>
+        <p:grpSpPr>
+          <a:xfrm>
+            <a:off x="3754894" y="1302804"/>
+            <a:ext cx="162673" cy="162673"/>
+            <a:chOff x="7410493" y="2484643"/>
+            <a:chExt cx="1094014" cy="1094014"/>
+          </a:xfrm>
+        </p:grpSpPr>
+        <p:sp>
+          <p:nvSpPr>
+            <p:cNvPr id="3" name="Oval 2">
+              <a:extLst>
+                <a:ext uri="{FF2B5EF4-FFF2-40B4-BE49-F238E27FC236}">
+                  <a16:creationId xmlns:a16="http://schemas.microsoft.com/office/drawing/2014/main" id="{A44CCA5E-7F82-3D17-7A5C-BC845E08246A}"/>
+                </a:ext>
+              </a:extLst>
+            </p:cNvPr>
+            <p:cNvSpPr/>
+            <p:nvPr/>
+          </p:nvSpPr>
+          <p:spPr>
+            <a:xfrm>
+              <a:off x="7522713" y="2588277"/>
+              <a:ext cx="869574" cy="869574"/>
+            </a:xfrm>
+            <a:prstGeom prst="ellipse">
+              <a:avLst/>
+            </a:prstGeom>
+            <a:solidFill>
+              <a:schemeClr val="bg1"/>
+            </a:solidFill>
+            <a:ln>
+              <a:noFill/>
+            </a:ln>
+          </p:spPr>
+          <p:style>
+            <a:lnRef idx="2">
+              <a:schemeClr val="accent1">
+                <a:shade val="50000"/>
+              </a:schemeClr>
+            </a:lnRef>
+            <a:fillRef idx="1">
+              <a:schemeClr val="accent1"/>
+            </a:fillRef>
+            <a:effectRef idx="0">
+              <a:schemeClr val="accent1"/>
+            </a:effectRef>
+            <a:fontRef idx="minor">
+              <a:schemeClr val="lt1"/>
+            </a:fontRef>
+          </p:style>
+          <p:txBody>
+            <a:bodyPr rtlCol="0" anchor="ctr"/>
+            <a:lstStyle/>
+            <a:p>
+              <a:pPr algn="ctr"/>
+              <a:endParaRPr lang="en-US"/>
+            </a:p>
+          </p:txBody>
+        </p:sp>
+        <p:pic>
+          <p:nvPicPr>
+            <p:cNvPr id="4" name="Picture 2" descr="Center, gravity, weight icon - Download on Iconfinder">
+              <a:extLst>
+                <a:ext uri="{FF2B5EF4-FFF2-40B4-BE49-F238E27FC236}">
+                  <a16:creationId xmlns:a16="http://schemas.microsoft.com/office/drawing/2014/main" id="{4D263F9E-80B3-531E-FF20-98412CB02418}"/>
+                </a:ext>
+              </a:extLst>
+            </p:cNvPr>
+            <p:cNvPicPr>
+              <a:picLocks noChangeAspect="1" noChangeArrowheads="1"/>
+            </p:cNvPicPr>
+            <p:nvPr/>
+          </p:nvPicPr>
+          <p:blipFill>
+            <a:blip r:embed="rId10">
+              <a:duotone>
+                <a:schemeClr val="accent2">
+                  <a:shade val="45000"/>
+                  <a:satMod val="135000"/>
+                </a:schemeClr>
+                <a:prstClr val="white"/>
+              </a:duotone>
+              <a:extLst>
+                <a:ext uri="{28A0092B-C50C-407E-A947-70E740481C1C}">
+                  <a14:useLocalDpi xmlns:a14="http://schemas.microsoft.com/office/drawing/2010/main" val="0"/>
+                </a:ext>
+              </a:extLst>
+            </a:blip>
+            <a:srcRect/>
+            <a:stretch>
+              <a:fillRect/>
+            </a:stretch>
+          </p:blipFill>
+          <p:spPr bwMode="auto">
+            <a:xfrm>
+              <a:off x="7410493" y="2484643"/>
+              <a:ext cx="1094014" cy="1094014"/>
+            </a:xfrm>
+            <a:prstGeom prst="rect">
+              <a:avLst/>
+            </a:prstGeom>
+            <a:noFill/>
+            <a:extLst>
+              <a:ext uri="{909E8E84-426E-40DD-AFC4-6F175D3DCCD1}">
+                <a14:hiddenFill xmlns:a14="http://schemas.microsoft.com/office/drawing/2010/main">
+                  <a:solidFill>
+                    <a:srgbClr val="FFFFFF"/>
+                  </a:solidFill>
+                </a14:hiddenFill>
+              </a:ext>
+            </a:extLst>
+          </p:spPr>
+        </p:pic>
+      </p:grpSp>
+      <p:sp>
+        <p:nvSpPr>
+          <p:cNvPr id="8" name="Rectangle: Rounded Corners 1032">
+            <a:extLst>
+              <a:ext uri="{FF2B5EF4-FFF2-40B4-BE49-F238E27FC236}">
+                <a16:creationId xmlns:a16="http://schemas.microsoft.com/office/drawing/2014/main" id="{CBB108DE-04B7-77B0-720B-A0119E8580DA}"/>
+              </a:ext>
+            </a:extLst>
+          </p:cNvPr>
+          <p:cNvSpPr/>
+          <p:nvPr/>
+        </p:nvSpPr>
+        <p:spPr>
+          <a:xfrm>
+            <a:off x="2079719" y="426551"/>
+            <a:ext cx="1952728" cy="121303"/>
+          </a:xfrm>
+          <a:prstGeom prst="roundRect">
+            <a:avLst/>
+          </a:prstGeom>
+          <a:solidFill>
+            <a:schemeClr val="accent2">
+              <a:lumMod val="40000"/>
+              <a:lumOff val="60000"/>
+            </a:schemeClr>
+          </a:solidFill>
+          <a:ln w="25400">
+            <a:solidFill>
+              <a:schemeClr val="tx1"/>
+            </a:solidFill>
+          </a:ln>
+        </p:spPr>
+        <p:style>
+          <a:lnRef idx="2">
+            <a:schemeClr val="accent1">
+              <a:shade val="50000"/>
+            </a:schemeClr>
+          </a:lnRef>
+          <a:fillRef idx="1">
+            <a:schemeClr val="accent1"/>
+          </a:fillRef>
+          <a:effectRef idx="0">
+            <a:schemeClr val="accent1"/>
+          </a:effectRef>
+          <a:fontRef idx="minor">
+            <a:schemeClr val="lt1"/>
+          </a:fontRef>
+        </p:style>
+        <p:txBody>
+          <a:bodyPr rtlCol="0" anchor="ctr"/>
+          <a:lstStyle/>
+          <a:p>
+            <a:pPr algn="ctr"/>
+            <a:endParaRPr lang="en-US" sz="2000" b="1" dirty="0">
+              <a:solidFill>
+                <a:schemeClr val="tx1"/>
+              </a:solidFill>
+              <a:latin typeface="Helvetica" panose="020B0604020202020204" pitchFamily="34" charset="0"/>
+            </a:endParaRPr>
+          </a:p>
+        </p:txBody>
+      </p:sp>
+      <p:grpSp>
+        <p:nvGrpSpPr>
+          <p:cNvPr id="9" name="Group 8">
+            <a:extLst>
+              <a:ext uri="{FF2B5EF4-FFF2-40B4-BE49-F238E27FC236}">
+                <a16:creationId xmlns:a16="http://schemas.microsoft.com/office/drawing/2014/main" id="{7F46C16D-988E-9C5C-9BE7-51551B2C4E18}"/>
+              </a:ext>
+            </a:extLst>
+          </p:cNvPr>
+          <p:cNvGrpSpPr/>
+          <p:nvPr/>
+        </p:nvGrpSpPr>
+        <p:grpSpPr>
+          <a:xfrm>
+            <a:off x="1802058" y="250033"/>
+            <a:ext cx="474338" cy="474338"/>
+            <a:chOff x="7410493" y="2484643"/>
+            <a:chExt cx="1094014" cy="1094014"/>
+          </a:xfrm>
+        </p:grpSpPr>
+        <p:sp>
+          <p:nvSpPr>
+            <p:cNvPr id="10" name="Oval 9">
+              <a:extLst>
+                <a:ext uri="{FF2B5EF4-FFF2-40B4-BE49-F238E27FC236}">
+                  <a16:creationId xmlns:a16="http://schemas.microsoft.com/office/drawing/2014/main" id="{88BC65FA-61AB-5C5F-3B37-7D90C54AD858}"/>
+                </a:ext>
+              </a:extLst>
+            </p:cNvPr>
+            <p:cNvSpPr/>
+            <p:nvPr/>
+          </p:nvSpPr>
+          <p:spPr>
+            <a:xfrm>
+              <a:off x="7522713" y="2588277"/>
+              <a:ext cx="869574" cy="869574"/>
+            </a:xfrm>
+            <a:prstGeom prst="ellipse">
+              <a:avLst/>
+            </a:prstGeom>
+            <a:solidFill>
+              <a:schemeClr val="bg1"/>
+            </a:solidFill>
+            <a:ln>
+              <a:noFill/>
+            </a:ln>
+          </p:spPr>
+          <p:style>
+            <a:lnRef idx="2">
+              <a:schemeClr val="accent1">
+                <a:shade val="50000"/>
+              </a:schemeClr>
+            </a:lnRef>
+            <a:fillRef idx="1">
+              <a:schemeClr val="accent1"/>
+            </a:fillRef>
+            <a:effectRef idx="0">
+              <a:schemeClr val="accent1"/>
+            </a:effectRef>
+            <a:fontRef idx="minor">
+              <a:schemeClr val="lt1"/>
+            </a:fontRef>
+          </p:style>
+          <p:txBody>
+            <a:bodyPr rtlCol="0" anchor="ctr"/>
+            <a:lstStyle/>
+            <a:p>
+              <a:pPr algn="ctr"/>
+              <a:endParaRPr lang="en-US"/>
+            </a:p>
+          </p:txBody>
+        </p:sp>
+        <p:pic>
+          <p:nvPicPr>
+            <p:cNvPr id="11" name="Picture 2" descr="Center, gravity, weight icon - Download on Iconfinder">
+              <a:extLst>
+                <a:ext uri="{FF2B5EF4-FFF2-40B4-BE49-F238E27FC236}">
+                  <a16:creationId xmlns:a16="http://schemas.microsoft.com/office/drawing/2014/main" id="{C1F44696-CB16-DA70-11A6-8F00C2DF1ACB}"/>
+                </a:ext>
+              </a:extLst>
+            </p:cNvPr>
+            <p:cNvPicPr>
+              <a:picLocks noChangeAspect="1" noChangeArrowheads="1"/>
+            </p:cNvPicPr>
+            <p:nvPr/>
+          </p:nvPicPr>
+          <p:blipFill>
+            <a:blip r:embed="rId10">
+              <a:duotone>
+                <a:schemeClr val="accent2">
+                  <a:shade val="45000"/>
+                  <a:satMod val="135000"/>
+                </a:schemeClr>
+                <a:prstClr val="white"/>
+              </a:duotone>
+              <a:extLst>
+                <a:ext uri="{28A0092B-C50C-407E-A947-70E740481C1C}">
+                  <a14:useLocalDpi xmlns:a14="http://schemas.microsoft.com/office/drawing/2010/main" val="0"/>
+                </a:ext>
+              </a:extLst>
+            </a:blip>
+            <a:srcRect/>
+            <a:stretch>
+              <a:fillRect/>
+            </a:stretch>
+          </p:blipFill>
+          <p:spPr bwMode="auto">
+            <a:xfrm>
+              <a:off x="7410493" y="2484643"/>
+              <a:ext cx="1094014" cy="1094014"/>
+            </a:xfrm>
+            <a:prstGeom prst="rect">
+              <a:avLst/>
+            </a:prstGeom>
+            <a:noFill/>
+            <a:extLst>
+              <a:ext uri="{909E8E84-426E-40DD-AFC4-6F175D3DCCD1}">
+                <a14:hiddenFill xmlns:a14="http://schemas.microsoft.com/office/drawing/2010/main">
+                  <a:solidFill>
+                    <a:srgbClr val="FFFFFF"/>
+                  </a:solidFill>
+                </a14:hiddenFill>
+              </a:ext>
+            </a:extLst>
+          </p:spPr>
+        </p:pic>
+      </p:grpSp>
+      <p:sp>
+        <p:nvSpPr>
+          <p:cNvPr id="12" name="Rectangle: Rounded Corners 1026">
+            <a:extLst>
+              <a:ext uri="{FF2B5EF4-FFF2-40B4-BE49-F238E27FC236}">
+                <a16:creationId xmlns:a16="http://schemas.microsoft.com/office/drawing/2014/main" id="{5C877B30-A276-2139-0A00-2F0789AB7283}"/>
+              </a:ext>
+            </a:extLst>
+          </p:cNvPr>
+          <p:cNvSpPr/>
+          <p:nvPr/>
+        </p:nvSpPr>
+        <p:spPr>
+          <a:xfrm>
+            <a:off x="2584428" y="258206"/>
+            <a:ext cx="2901749" cy="457994"/>
+          </a:xfrm>
+          <a:prstGeom prst="roundRect">
+            <a:avLst/>
+          </a:prstGeom>
+          <a:solidFill>
+            <a:schemeClr val="accent2">
+              <a:lumMod val="40000"/>
+              <a:lumOff val="60000"/>
+            </a:schemeClr>
+          </a:solidFill>
+          <a:ln w="25400">
+            <a:solidFill>
+              <a:schemeClr val="tx1"/>
+            </a:solidFill>
+          </a:ln>
+        </p:spPr>
+        <p:style>
+          <a:lnRef idx="2">
+            <a:schemeClr val="accent1">
+              <a:shade val="50000"/>
+            </a:schemeClr>
+          </a:lnRef>
+          <a:fillRef idx="1">
+            <a:schemeClr val="accent1"/>
+          </a:fillRef>
+          <a:effectRef idx="0">
+            <a:schemeClr val="accent1"/>
+          </a:effectRef>
+          <a:fontRef idx="minor">
+            <a:schemeClr val="lt1"/>
+          </a:fontRef>
+        </p:style>
+        <p:txBody>
+          <a:bodyPr rtlCol="0" anchor="ctr"/>
+          <a:lstStyle/>
+          <a:p>
+            <a:pPr algn="ctr"/>
+            <a:r>
+              <a:rPr lang="en-US" sz="2000" b="1" dirty="0">
+                <a:solidFill>
+                  <a:schemeClr val="tx1"/>
+                </a:solidFill>
+                <a:latin typeface="Helvetica" panose="020B0604020202020204" pitchFamily="34" charset="0"/>
+                <a:cs typeface="Helvetica" panose="020B0604020202020204" pitchFamily="34" charset="0"/>
+              </a:rPr>
+              <a:t>Center of Mass (COM)</a:t>
+            </a:r>
+          </a:p>
+        </p:txBody>
+      </p:sp>
+      <p:grpSp>
+        <p:nvGrpSpPr>
+          <p:cNvPr id="26" name="Group 25">
+            <a:extLst>
+              <a:ext uri="{FF2B5EF4-FFF2-40B4-BE49-F238E27FC236}">
+                <a16:creationId xmlns:a16="http://schemas.microsoft.com/office/drawing/2014/main" id="{765772F1-E555-7B07-6A39-DA61CA4F5A90}"/>
+              </a:ext>
+            </a:extLst>
+          </p:cNvPr>
+          <p:cNvGrpSpPr/>
+          <p:nvPr/>
+        </p:nvGrpSpPr>
+        <p:grpSpPr>
+          <a:xfrm>
+            <a:off x="3726094" y="1583604"/>
+            <a:ext cx="162673" cy="162673"/>
+            <a:chOff x="7410493" y="2484643"/>
+            <a:chExt cx="1094014" cy="1094014"/>
+          </a:xfrm>
+        </p:grpSpPr>
+        <p:sp>
+          <p:nvSpPr>
+            <p:cNvPr id="29" name="Oval 28">
+              <a:extLst>
+                <a:ext uri="{FF2B5EF4-FFF2-40B4-BE49-F238E27FC236}">
+                  <a16:creationId xmlns:a16="http://schemas.microsoft.com/office/drawing/2014/main" id="{59844542-C532-2EE1-3A3A-C57E870EBB62}"/>
+                </a:ext>
+              </a:extLst>
+            </p:cNvPr>
+            <p:cNvSpPr/>
+            <p:nvPr/>
+          </p:nvSpPr>
+          <p:spPr>
+            <a:xfrm>
+              <a:off x="7522713" y="2588277"/>
+              <a:ext cx="869574" cy="869574"/>
+            </a:xfrm>
+            <a:prstGeom prst="ellipse">
+              <a:avLst/>
+            </a:prstGeom>
+            <a:solidFill>
+              <a:schemeClr val="bg1"/>
+            </a:solidFill>
+            <a:ln>
+              <a:noFill/>
+            </a:ln>
+          </p:spPr>
+          <p:style>
+            <a:lnRef idx="2">
+              <a:schemeClr val="accent1">
+                <a:shade val="50000"/>
+              </a:schemeClr>
+            </a:lnRef>
+            <a:fillRef idx="1">
+              <a:schemeClr val="accent1"/>
+            </a:fillRef>
+            <a:effectRef idx="0">
+              <a:schemeClr val="accent1"/>
+            </a:effectRef>
+            <a:fontRef idx="minor">
+              <a:schemeClr val="lt1"/>
+            </a:fontRef>
+          </p:style>
+          <p:txBody>
+            <a:bodyPr rtlCol="0" anchor="ctr"/>
+            <a:lstStyle/>
+            <a:p>
+              <a:pPr algn="ctr"/>
+              <a:endParaRPr lang="en-US"/>
+            </a:p>
+          </p:txBody>
+        </p:sp>
+        <p:pic>
+          <p:nvPicPr>
+            <p:cNvPr id="30" name="Picture 2" descr="Center, gravity, weight icon - Download on Iconfinder">
+              <a:extLst>
+                <a:ext uri="{FF2B5EF4-FFF2-40B4-BE49-F238E27FC236}">
+                  <a16:creationId xmlns:a16="http://schemas.microsoft.com/office/drawing/2014/main" id="{014BE234-6F35-3E95-95E6-D3307BBF4559}"/>
+                </a:ext>
+              </a:extLst>
+            </p:cNvPr>
+            <p:cNvPicPr>
+              <a:picLocks noChangeAspect="1" noChangeArrowheads="1"/>
+            </p:cNvPicPr>
+            <p:nvPr/>
+          </p:nvPicPr>
+          <p:blipFill>
+            <a:blip r:embed="rId10">
+              <a:duotone>
+                <a:schemeClr val="accent2">
+                  <a:shade val="45000"/>
+                  <a:satMod val="135000"/>
+                </a:schemeClr>
+                <a:prstClr val="white"/>
+              </a:duotone>
+              <a:extLst>
+                <a:ext uri="{28A0092B-C50C-407E-A947-70E740481C1C}">
+                  <a14:useLocalDpi xmlns:a14="http://schemas.microsoft.com/office/drawing/2010/main" val="0"/>
+                </a:ext>
+              </a:extLst>
+            </a:blip>
+            <a:srcRect/>
+            <a:stretch>
+              <a:fillRect/>
+            </a:stretch>
+          </p:blipFill>
+          <p:spPr bwMode="auto">
+            <a:xfrm>
+              <a:off x="7410493" y="2484643"/>
+              <a:ext cx="1094014" cy="1094014"/>
+            </a:xfrm>
+            <a:prstGeom prst="rect">
+              <a:avLst/>
+            </a:prstGeom>
+            <a:noFill/>
+            <a:extLst>
+              <a:ext uri="{909E8E84-426E-40DD-AFC4-6F175D3DCCD1}">
+                <a14:hiddenFill xmlns:a14="http://schemas.microsoft.com/office/drawing/2010/main">
+                  <a:solidFill>
+                    <a:srgbClr val="FFFFFF"/>
+                  </a:solidFill>
+                </a14:hiddenFill>
+              </a:ext>
+            </a:extLst>
+          </p:spPr>
+        </p:pic>
+      </p:grpSp>
+      <p:grpSp>
+        <p:nvGrpSpPr>
+          <p:cNvPr id="31" name="Group 30">
+            <a:extLst>
+              <a:ext uri="{FF2B5EF4-FFF2-40B4-BE49-F238E27FC236}">
+                <a16:creationId xmlns:a16="http://schemas.microsoft.com/office/drawing/2014/main" id="{FC5C38A3-1D0D-1C88-85D1-6FA97B0E0D39}"/>
+              </a:ext>
+            </a:extLst>
+          </p:cNvPr>
+          <p:cNvGrpSpPr/>
+          <p:nvPr/>
+        </p:nvGrpSpPr>
+        <p:grpSpPr>
+          <a:xfrm>
+            <a:off x="3711694" y="2145204"/>
+            <a:ext cx="162673" cy="162673"/>
+            <a:chOff x="7410493" y="2484643"/>
+            <a:chExt cx="1094014" cy="1094014"/>
+          </a:xfrm>
+        </p:grpSpPr>
+        <p:sp>
+          <p:nvSpPr>
+            <p:cNvPr id="32" name="Oval 31">
+              <a:extLst>
+                <a:ext uri="{FF2B5EF4-FFF2-40B4-BE49-F238E27FC236}">
+                  <a16:creationId xmlns:a16="http://schemas.microsoft.com/office/drawing/2014/main" id="{51B57230-6C3B-0F71-7D47-F153A6646C50}"/>
+                </a:ext>
+              </a:extLst>
+            </p:cNvPr>
+            <p:cNvSpPr/>
+            <p:nvPr/>
+          </p:nvSpPr>
+          <p:spPr>
+            <a:xfrm>
+              <a:off x="7522713" y="2588277"/>
+              <a:ext cx="869574" cy="869574"/>
+            </a:xfrm>
+            <a:prstGeom prst="ellipse">
+              <a:avLst/>
+            </a:prstGeom>
+            <a:solidFill>
+              <a:schemeClr val="bg1"/>
+            </a:solidFill>
+            <a:ln>
+              <a:noFill/>
+            </a:ln>
+          </p:spPr>
+          <p:style>
+            <a:lnRef idx="2">
+              <a:schemeClr val="accent1">
+                <a:shade val="50000"/>
+              </a:schemeClr>
+            </a:lnRef>
+            <a:fillRef idx="1">
+              <a:schemeClr val="accent1"/>
+            </a:fillRef>
+            <a:effectRef idx="0">
+              <a:schemeClr val="accent1"/>
+            </a:effectRef>
+            <a:fontRef idx="minor">
+              <a:schemeClr val="lt1"/>
+            </a:fontRef>
+          </p:style>
+          <p:txBody>
+            <a:bodyPr rtlCol="0" anchor="ctr"/>
+            <a:lstStyle/>
+            <a:p>
+              <a:pPr algn="ctr"/>
+              <a:endParaRPr lang="en-US"/>
+            </a:p>
+          </p:txBody>
+        </p:sp>
+        <p:pic>
+          <p:nvPicPr>
+            <p:cNvPr id="35" name="Picture 2" descr="Center, gravity, weight icon - Download on Iconfinder">
+              <a:extLst>
+                <a:ext uri="{FF2B5EF4-FFF2-40B4-BE49-F238E27FC236}">
+                  <a16:creationId xmlns:a16="http://schemas.microsoft.com/office/drawing/2014/main" id="{6CB4F375-422C-556A-C309-F79CC88EACFB}"/>
+                </a:ext>
+              </a:extLst>
+            </p:cNvPr>
+            <p:cNvPicPr>
+              <a:picLocks noChangeAspect="1" noChangeArrowheads="1"/>
+            </p:cNvPicPr>
+            <p:nvPr/>
+          </p:nvPicPr>
+          <p:blipFill>
+            <a:blip r:embed="rId10">
+              <a:duotone>
+                <a:schemeClr val="accent2">
+                  <a:shade val="45000"/>
+                  <a:satMod val="135000"/>
+                </a:schemeClr>
+                <a:prstClr val="white"/>
+              </a:duotone>
+              <a:extLst>
+                <a:ext uri="{28A0092B-C50C-407E-A947-70E740481C1C}">
+                  <a14:useLocalDpi xmlns:a14="http://schemas.microsoft.com/office/drawing/2010/main" val="0"/>
+                </a:ext>
+              </a:extLst>
+            </a:blip>
+            <a:srcRect/>
+            <a:stretch>
+              <a:fillRect/>
+            </a:stretch>
+          </p:blipFill>
+          <p:spPr bwMode="auto">
+            <a:xfrm>
+              <a:off x="7410493" y="2484643"/>
+              <a:ext cx="1094014" cy="1094014"/>
+            </a:xfrm>
+            <a:prstGeom prst="rect">
+              <a:avLst/>
+            </a:prstGeom>
+            <a:noFill/>
+            <a:extLst>
+              <a:ext uri="{909E8E84-426E-40DD-AFC4-6F175D3DCCD1}">
+                <a14:hiddenFill xmlns:a14="http://schemas.microsoft.com/office/drawing/2010/main">
+                  <a:solidFill>
+                    <a:srgbClr val="FFFFFF"/>
+                  </a:solidFill>
+                </a14:hiddenFill>
+              </a:ext>
+            </a:extLst>
+          </p:spPr>
+        </p:pic>
+      </p:grpSp>
+      <p:grpSp>
+        <p:nvGrpSpPr>
+          <p:cNvPr id="44" name="Group 43">
+            <a:extLst>
+              <a:ext uri="{FF2B5EF4-FFF2-40B4-BE49-F238E27FC236}">
+                <a16:creationId xmlns:a16="http://schemas.microsoft.com/office/drawing/2014/main" id="{8A6FCF63-0664-97BF-8B13-863FA3A30F68}"/>
+              </a:ext>
+            </a:extLst>
+          </p:cNvPr>
+          <p:cNvGrpSpPr/>
+          <p:nvPr/>
+        </p:nvGrpSpPr>
+        <p:grpSpPr>
+          <a:xfrm>
+            <a:off x="3726094" y="2908404"/>
+            <a:ext cx="162673" cy="162673"/>
+            <a:chOff x="7410493" y="2484643"/>
+            <a:chExt cx="1094014" cy="1094014"/>
+          </a:xfrm>
+        </p:grpSpPr>
+        <p:sp>
+          <p:nvSpPr>
+            <p:cNvPr id="45" name="Oval 44">
+              <a:extLst>
+                <a:ext uri="{FF2B5EF4-FFF2-40B4-BE49-F238E27FC236}">
+                  <a16:creationId xmlns:a16="http://schemas.microsoft.com/office/drawing/2014/main" id="{80DB932B-2805-7126-6E8D-AEB8EC7A1817}"/>
+                </a:ext>
+              </a:extLst>
+            </p:cNvPr>
+            <p:cNvSpPr/>
+            <p:nvPr/>
+          </p:nvSpPr>
+          <p:spPr>
+            <a:xfrm>
+              <a:off x="7522713" y="2588277"/>
+              <a:ext cx="869574" cy="869574"/>
+            </a:xfrm>
+            <a:prstGeom prst="ellipse">
+              <a:avLst/>
+            </a:prstGeom>
+            <a:solidFill>
+              <a:schemeClr val="bg1"/>
+            </a:solidFill>
+            <a:ln>
+              <a:noFill/>
+            </a:ln>
+          </p:spPr>
+          <p:style>
+            <a:lnRef idx="2">
+              <a:schemeClr val="accent1">
+                <a:shade val="50000"/>
+              </a:schemeClr>
+            </a:lnRef>
+            <a:fillRef idx="1">
+              <a:schemeClr val="accent1"/>
+            </a:fillRef>
+            <a:effectRef idx="0">
+              <a:schemeClr val="accent1"/>
+            </a:effectRef>
+            <a:fontRef idx="minor">
+              <a:schemeClr val="lt1"/>
+            </a:fontRef>
+          </p:style>
+          <p:txBody>
+            <a:bodyPr rtlCol="0" anchor="ctr"/>
+            <a:lstStyle/>
+            <a:p>
+              <a:pPr algn="ctr"/>
+              <a:endParaRPr lang="en-US"/>
+            </a:p>
+          </p:txBody>
+        </p:sp>
+        <p:pic>
+          <p:nvPicPr>
+            <p:cNvPr id="46" name="Picture 2" descr="Center, gravity, weight icon - Download on Iconfinder">
+              <a:extLst>
+                <a:ext uri="{FF2B5EF4-FFF2-40B4-BE49-F238E27FC236}">
+                  <a16:creationId xmlns:a16="http://schemas.microsoft.com/office/drawing/2014/main" id="{B8BFC779-55C4-73D5-4B37-7C45BA97DE5D}"/>
+                </a:ext>
+              </a:extLst>
+            </p:cNvPr>
+            <p:cNvPicPr>
+              <a:picLocks noChangeAspect="1" noChangeArrowheads="1"/>
+            </p:cNvPicPr>
+            <p:nvPr/>
+          </p:nvPicPr>
+          <p:blipFill>
+            <a:blip r:embed="rId10">
+              <a:duotone>
+                <a:schemeClr val="accent2">
+                  <a:shade val="45000"/>
+                  <a:satMod val="135000"/>
+                </a:schemeClr>
+                <a:prstClr val="white"/>
+              </a:duotone>
+              <a:extLst>
+                <a:ext uri="{28A0092B-C50C-407E-A947-70E740481C1C}">
+                  <a14:useLocalDpi xmlns:a14="http://schemas.microsoft.com/office/drawing/2010/main" val="0"/>
+                </a:ext>
+              </a:extLst>
+            </a:blip>
+            <a:srcRect/>
+            <a:stretch>
+              <a:fillRect/>
+            </a:stretch>
+          </p:blipFill>
+          <p:spPr bwMode="auto">
+            <a:xfrm>
+              <a:off x="7410493" y="2484643"/>
+              <a:ext cx="1094014" cy="1094014"/>
+            </a:xfrm>
+            <a:prstGeom prst="rect">
+              <a:avLst/>
+            </a:prstGeom>
+            <a:noFill/>
+            <a:extLst>
+              <a:ext uri="{909E8E84-426E-40DD-AFC4-6F175D3DCCD1}">
+                <a14:hiddenFill xmlns:a14="http://schemas.microsoft.com/office/drawing/2010/main">
+                  <a:solidFill>
+                    <a:srgbClr val="FFFFFF"/>
+                  </a:solidFill>
+                </a14:hiddenFill>
+              </a:ext>
+            </a:extLst>
+          </p:spPr>
+        </p:pic>
+      </p:grpSp>
+      <p:grpSp>
+        <p:nvGrpSpPr>
+          <p:cNvPr id="47" name="Group 46">
+            <a:extLst>
+              <a:ext uri="{FF2B5EF4-FFF2-40B4-BE49-F238E27FC236}">
+                <a16:creationId xmlns:a16="http://schemas.microsoft.com/office/drawing/2014/main" id="{10971C7F-7A2F-ECC7-2FDB-CB5801E4C0E3}"/>
+              </a:ext>
+            </a:extLst>
+          </p:cNvPr>
+          <p:cNvGrpSpPr/>
+          <p:nvPr/>
+        </p:nvGrpSpPr>
+        <p:grpSpPr>
+          <a:xfrm>
+            <a:off x="3841294" y="3621204"/>
+            <a:ext cx="162673" cy="162673"/>
+            <a:chOff x="7410493" y="2484643"/>
+            <a:chExt cx="1094014" cy="1094014"/>
+          </a:xfrm>
+        </p:grpSpPr>
+        <p:sp>
+          <p:nvSpPr>
+            <p:cNvPr id="48" name="Oval 47">
+              <a:extLst>
+                <a:ext uri="{FF2B5EF4-FFF2-40B4-BE49-F238E27FC236}">
+                  <a16:creationId xmlns:a16="http://schemas.microsoft.com/office/drawing/2014/main" id="{A15E4C89-229C-C310-C1CE-9E95A9B3D69F}"/>
+                </a:ext>
+              </a:extLst>
+            </p:cNvPr>
+            <p:cNvSpPr/>
+            <p:nvPr/>
+          </p:nvSpPr>
+          <p:spPr>
+            <a:xfrm>
+              <a:off x="7522713" y="2588277"/>
+              <a:ext cx="869574" cy="869574"/>
+            </a:xfrm>
+            <a:prstGeom prst="ellipse">
+              <a:avLst/>
+            </a:prstGeom>
+            <a:solidFill>
+              <a:schemeClr val="bg1"/>
+            </a:solidFill>
+            <a:ln>
+              <a:noFill/>
+            </a:ln>
+          </p:spPr>
+          <p:style>
+            <a:lnRef idx="2">
+              <a:schemeClr val="accent1">
+                <a:shade val="50000"/>
+              </a:schemeClr>
+            </a:lnRef>
+            <a:fillRef idx="1">
+              <a:schemeClr val="accent1"/>
+            </a:fillRef>
+            <a:effectRef idx="0">
+              <a:schemeClr val="accent1"/>
+            </a:effectRef>
+            <a:fontRef idx="minor">
+              <a:schemeClr val="lt1"/>
+            </a:fontRef>
+          </p:style>
+          <p:txBody>
+            <a:bodyPr rtlCol="0" anchor="ctr"/>
+            <a:lstStyle/>
+            <a:p>
+              <a:pPr algn="ctr"/>
+              <a:endParaRPr lang="en-US"/>
+            </a:p>
+          </p:txBody>
+        </p:sp>
+        <p:pic>
+          <p:nvPicPr>
+            <p:cNvPr id="49" name="Picture 2" descr="Center, gravity, weight icon - Download on Iconfinder">
+              <a:extLst>
+                <a:ext uri="{FF2B5EF4-FFF2-40B4-BE49-F238E27FC236}">
+                  <a16:creationId xmlns:a16="http://schemas.microsoft.com/office/drawing/2014/main" id="{ABA19288-C557-D4A3-AA91-E1695DD0BAD5}"/>
+                </a:ext>
+              </a:extLst>
+            </p:cNvPr>
+            <p:cNvPicPr>
+              <a:picLocks noChangeAspect="1" noChangeArrowheads="1"/>
+            </p:cNvPicPr>
+            <p:nvPr/>
+          </p:nvPicPr>
+          <p:blipFill>
+            <a:blip r:embed="rId10">
+              <a:duotone>
+                <a:schemeClr val="accent2">
+                  <a:shade val="45000"/>
+                  <a:satMod val="135000"/>
+                </a:schemeClr>
+                <a:prstClr val="white"/>
+              </a:duotone>
+              <a:extLst>
+                <a:ext uri="{28A0092B-C50C-407E-A947-70E740481C1C}">
+                  <a14:useLocalDpi xmlns:a14="http://schemas.microsoft.com/office/drawing/2010/main" val="0"/>
+                </a:ext>
+              </a:extLst>
+            </a:blip>
+            <a:srcRect/>
+            <a:stretch>
+              <a:fillRect/>
+            </a:stretch>
+          </p:blipFill>
+          <p:spPr bwMode="auto">
+            <a:xfrm>
+              <a:off x="7410493" y="2484643"/>
+              <a:ext cx="1094014" cy="1094014"/>
+            </a:xfrm>
+            <a:prstGeom prst="rect">
+              <a:avLst/>
+            </a:prstGeom>
+            <a:noFill/>
+            <a:extLst>
+              <a:ext uri="{909E8E84-426E-40DD-AFC4-6F175D3DCCD1}">
+                <a14:hiddenFill xmlns:a14="http://schemas.microsoft.com/office/drawing/2010/main">
+                  <a:solidFill>
+                    <a:srgbClr val="FFFFFF"/>
+                  </a:solidFill>
+                </a14:hiddenFill>
+              </a:ext>
+            </a:extLst>
+          </p:spPr>
+        </p:pic>
+      </p:grpSp>
+      <p:grpSp>
+        <p:nvGrpSpPr>
+          <p:cNvPr id="51" name="Group 50">
+            <a:extLst>
+              <a:ext uri="{FF2B5EF4-FFF2-40B4-BE49-F238E27FC236}">
+                <a16:creationId xmlns:a16="http://schemas.microsoft.com/office/drawing/2014/main" id="{899C7883-7E57-B9B3-B2EB-E6C5462474FC}"/>
+              </a:ext>
+            </a:extLst>
+          </p:cNvPr>
+          <p:cNvGrpSpPr/>
+          <p:nvPr/>
+        </p:nvGrpSpPr>
+        <p:grpSpPr>
+          <a:xfrm>
+            <a:off x="3819694" y="4528404"/>
+            <a:ext cx="162673" cy="162673"/>
+            <a:chOff x="7410493" y="2484643"/>
+            <a:chExt cx="1094014" cy="1094014"/>
+          </a:xfrm>
+        </p:grpSpPr>
+        <p:sp>
+          <p:nvSpPr>
+            <p:cNvPr id="53" name="Oval 52">
+              <a:extLst>
+                <a:ext uri="{FF2B5EF4-FFF2-40B4-BE49-F238E27FC236}">
+                  <a16:creationId xmlns:a16="http://schemas.microsoft.com/office/drawing/2014/main" id="{CE9B1853-338A-62F3-E7C9-6ED75117D2A2}"/>
+                </a:ext>
+              </a:extLst>
+            </p:cNvPr>
+            <p:cNvSpPr/>
+            <p:nvPr/>
+          </p:nvSpPr>
+          <p:spPr>
+            <a:xfrm>
+              <a:off x="7522713" y="2588277"/>
+              <a:ext cx="869574" cy="869574"/>
+            </a:xfrm>
+            <a:prstGeom prst="ellipse">
+              <a:avLst/>
+            </a:prstGeom>
+            <a:solidFill>
+              <a:schemeClr val="bg1"/>
+            </a:solidFill>
+            <a:ln>
+              <a:noFill/>
+            </a:ln>
+          </p:spPr>
+          <p:style>
+            <a:lnRef idx="2">
+              <a:schemeClr val="accent1">
+                <a:shade val="50000"/>
+              </a:schemeClr>
+            </a:lnRef>
+            <a:fillRef idx="1">
+              <a:schemeClr val="accent1"/>
+            </a:fillRef>
+            <a:effectRef idx="0">
+              <a:schemeClr val="accent1"/>
+            </a:effectRef>
+            <a:fontRef idx="minor">
+              <a:schemeClr val="lt1"/>
+            </a:fontRef>
+          </p:style>
+          <p:txBody>
+            <a:bodyPr rtlCol="0" anchor="ctr"/>
+            <a:lstStyle/>
+            <a:p>
+              <a:pPr algn="ctr"/>
+              <a:endParaRPr lang="en-US"/>
+            </a:p>
+          </p:txBody>
+        </p:sp>
+        <p:pic>
+          <p:nvPicPr>
+            <p:cNvPr id="55" name="Picture 2" descr="Center, gravity, weight icon - Download on Iconfinder">
+              <a:extLst>
+                <a:ext uri="{FF2B5EF4-FFF2-40B4-BE49-F238E27FC236}">
+                  <a16:creationId xmlns:a16="http://schemas.microsoft.com/office/drawing/2014/main" id="{3E4B4FD5-C1F0-718D-1C6D-5DC7521C1837}"/>
+                </a:ext>
+              </a:extLst>
+            </p:cNvPr>
+            <p:cNvPicPr>
+              <a:picLocks noChangeAspect="1" noChangeArrowheads="1"/>
+            </p:cNvPicPr>
+            <p:nvPr/>
+          </p:nvPicPr>
+          <p:blipFill>
+            <a:blip r:embed="rId10">
+              <a:duotone>
+                <a:schemeClr val="accent2">
+                  <a:shade val="45000"/>
+                  <a:satMod val="135000"/>
+                </a:schemeClr>
+                <a:prstClr val="white"/>
+              </a:duotone>
+              <a:extLst>
+                <a:ext uri="{28A0092B-C50C-407E-A947-70E740481C1C}">
+                  <a14:useLocalDpi xmlns:a14="http://schemas.microsoft.com/office/drawing/2010/main" val="0"/>
+                </a:ext>
+              </a:extLst>
+            </a:blip>
+            <a:srcRect/>
+            <a:stretch>
+              <a:fillRect/>
+            </a:stretch>
+          </p:blipFill>
+          <p:spPr bwMode="auto">
+            <a:xfrm>
+              <a:off x="7410493" y="2484643"/>
+              <a:ext cx="1094014" cy="1094014"/>
+            </a:xfrm>
+            <a:prstGeom prst="rect">
+              <a:avLst/>
+            </a:prstGeom>
+            <a:noFill/>
+            <a:extLst>
+              <a:ext uri="{909E8E84-426E-40DD-AFC4-6F175D3DCCD1}">
+                <a14:hiddenFill xmlns:a14="http://schemas.microsoft.com/office/drawing/2010/main">
+                  <a:solidFill>
+                    <a:srgbClr val="FFFFFF"/>
+                  </a:solidFill>
+                </a14:hiddenFill>
+              </a:ext>
+            </a:extLst>
+          </p:spPr>
+        </p:pic>
+      </p:grpSp>
+      <p:grpSp>
+        <p:nvGrpSpPr>
+          <p:cNvPr id="56" name="Group 55">
+            <a:extLst>
+              <a:ext uri="{FF2B5EF4-FFF2-40B4-BE49-F238E27FC236}">
+                <a16:creationId xmlns:a16="http://schemas.microsoft.com/office/drawing/2014/main" id="{270B366E-4A77-EEEB-B86E-4B10D7108CF8}"/>
+              </a:ext>
+            </a:extLst>
+          </p:cNvPr>
+          <p:cNvGrpSpPr/>
+          <p:nvPr/>
+        </p:nvGrpSpPr>
+        <p:grpSpPr>
+          <a:xfrm>
+            <a:off x="3682894" y="5198004"/>
+            <a:ext cx="162673" cy="162673"/>
+            <a:chOff x="7410493" y="2484643"/>
+            <a:chExt cx="1094014" cy="1094014"/>
+          </a:xfrm>
+        </p:grpSpPr>
+        <p:sp>
+          <p:nvSpPr>
+            <p:cNvPr id="57" name="Oval 56">
+              <a:extLst>
+                <a:ext uri="{FF2B5EF4-FFF2-40B4-BE49-F238E27FC236}">
+                  <a16:creationId xmlns:a16="http://schemas.microsoft.com/office/drawing/2014/main" id="{C587EC55-3AC9-FD51-BB2F-F5A4B8B806E8}"/>
+                </a:ext>
+              </a:extLst>
+            </p:cNvPr>
+            <p:cNvSpPr/>
+            <p:nvPr/>
+          </p:nvSpPr>
+          <p:spPr>
+            <a:xfrm>
+              <a:off x="7522713" y="2588277"/>
+              <a:ext cx="869574" cy="869574"/>
+            </a:xfrm>
+            <a:prstGeom prst="ellipse">
+              <a:avLst/>
+            </a:prstGeom>
+            <a:solidFill>
+              <a:schemeClr val="bg1"/>
+            </a:solidFill>
+            <a:ln>
+              <a:noFill/>
+            </a:ln>
+          </p:spPr>
+          <p:style>
+            <a:lnRef idx="2">
+              <a:schemeClr val="accent1">
+                <a:shade val="50000"/>
+              </a:schemeClr>
+            </a:lnRef>
+            <a:fillRef idx="1">
+              <a:schemeClr val="accent1"/>
+            </a:fillRef>
+            <a:effectRef idx="0">
+              <a:schemeClr val="accent1"/>
+            </a:effectRef>
+            <a:fontRef idx="minor">
+              <a:schemeClr val="lt1"/>
+            </a:fontRef>
+          </p:style>
+          <p:txBody>
+            <a:bodyPr rtlCol="0" anchor="ctr"/>
+            <a:lstStyle/>
+            <a:p>
+              <a:pPr algn="ctr"/>
+              <a:endParaRPr lang="en-US"/>
+            </a:p>
+          </p:txBody>
+        </p:sp>
+        <p:pic>
+          <p:nvPicPr>
+            <p:cNvPr id="58" name="Picture 2" descr="Center, gravity, weight icon - Download on Iconfinder">
+              <a:extLst>
+                <a:ext uri="{FF2B5EF4-FFF2-40B4-BE49-F238E27FC236}">
+                  <a16:creationId xmlns:a16="http://schemas.microsoft.com/office/drawing/2014/main" id="{A843D27E-3AB7-FF56-F2D3-470AD3FD1E1A}"/>
+                </a:ext>
+              </a:extLst>
+            </p:cNvPr>
+            <p:cNvPicPr>
+              <a:picLocks noChangeAspect="1" noChangeArrowheads="1"/>
+            </p:cNvPicPr>
+            <p:nvPr/>
+          </p:nvPicPr>
+          <p:blipFill>
+            <a:blip r:embed="rId10">
+              <a:duotone>
+                <a:schemeClr val="accent2">
+                  <a:shade val="45000"/>
+                  <a:satMod val="135000"/>
+                </a:schemeClr>
+                <a:prstClr val="white"/>
+              </a:duotone>
+              <a:extLst>
+                <a:ext uri="{28A0092B-C50C-407E-A947-70E740481C1C}">
+                  <a14:useLocalDpi xmlns:a14="http://schemas.microsoft.com/office/drawing/2010/main" val="0"/>
+                </a:ext>
+              </a:extLst>
+            </a:blip>
+            <a:srcRect/>
+            <a:stretch>
+              <a:fillRect/>
+            </a:stretch>
+          </p:blipFill>
+          <p:spPr bwMode="auto">
+            <a:xfrm>
+              <a:off x="7410493" y="2484643"/>
+              <a:ext cx="1094014" cy="1094014"/>
+            </a:xfrm>
+            <a:prstGeom prst="rect">
+              <a:avLst/>
+            </a:prstGeom>
+            <a:noFill/>
+            <a:extLst>
+              <a:ext uri="{909E8E84-426E-40DD-AFC4-6F175D3DCCD1}">
+                <a14:hiddenFill xmlns:a14="http://schemas.microsoft.com/office/drawing/2010/main">
+                  <a:solidFill>
+                    <a:srgbClr val="FFFFFF"/>
+                  </a:solidFill>
+                </a14:hiddenFill>
+              </a:ext>
+            </a:extLst>
+          </p:spPr>
+        </p:pic>
+      </p:grpSp>
+      <p:cxnSp>
+        <p:nvCxnSpPr>
+          <p:cNvPr id="63" name="Straight Connector 62">
+            <a:extLst>
+              <a:ext uri="{FF2B5EF4-FFF2-40B4-BE49-F238E27FC236}">
+                <a16:creationId xmlns:a16="http://schemas.microsoft.com/office/drawing/2014/main" id="{93790181-77B8-AB0E-6811-F36CE9552C0A}"/>
+              </a:ext>
+            </a:extLst>
+          </p:cNvPr>
+          <p:cNvCxnSpPr>
+            <a:cxnSpLocks/>
+          </p:cNvCxnSpPr>
+          <p:nvPr/>
+        </p:nvCxnSpPr>
+        <p:spPr>
+          <a:xfrm flipV="1">
+            <a:off x="3441819" y="5280144"/>
+            <a:ext cx="264695" cy="37814"/>
+          </a:xfrm>
+          <a:prstGeom prst="line">
+            <a:avLst/>
+          </a:prstGeom>
+          <a:ln w="25400">
+            <a:solidFill>
+              <a:srgbClr val="BE5006"/>
+            </a:solidFill>
+          </a:ln>
+        </p:spPr>
+        <p:style>
+          <a:lnRef idx="1">
+            <a:schemeClr val="accent1"/>
+          </a:lnRef>
+          <a:fillRef idx="0">
+            <a:schemeClr val="accent1"/>
+          </a:fillRef>
+          <a:effectRef idx="0">
+            <a:schemeClr val="accent1"/>
+          </a:effectRef>
+          <a:fontRef idx="minor">
+            <a:schemeClr val="tx1"/>
+          </a:fontRef>
+        </p:style>
+      </p:cxnSp>
+      <p:sp>
+        <p:nvSpPr>
+          <p:cNvPr id="59" name="Rounded Rectangle 58">
+            <a:extLst>
+              <a:ext uri="{FF2B5EF4-FFF2-40B4-BE49-F238E27FC236}">
+                <a16:creationId xmlns:a16="http://schemas.microsoft.com/office/drawing/2014/main" id="{A6D63924-472D-7026-50C8-51981D15DD2A}"/>
+              </a:ext>
+            </a:extLst>
+          </p:cNvPr>
+          <p:cNvSpPr/>
+          <p:nvPr/>
+        </p:nvSpPr>
+        <p:spPr>
+          <a:xfrm>
+            <a:off x="2884235" y="5144264"/>
+            <a:ext cx="688625" cy="323602"/>
+          </a:xfrm>
+          <a:prstGeom prst="roundRect">
+            <a:avLst/>
+          </a:prstGeom>
+          <a:solidFill>
+            <a:schemeClr val="accent2">
+              <a:lumMod val="40000"/>
+              <a:lumOff val="60000"/>
+            </a:schemeClr>
+          </a:solidFill>
+          <a:ln w="25400">
+            <a:solidFill>
+              <a:schemeClr val="tx1"/>
+            </a:solidFill>
+          </a:ln>
+        </p:spPr>
+        <p:style>
+          <a:lnRef idx="2">
+            <a:schemeClr val="accent1">
+              <a:shade val="50000"/>
+            </a:schemeClr>
+          </a:lnRef>
+          <a:fillRef idx="1">
+            <a:schemeClr val="accent1"/>
+          </a:fillRef>
+          <a:effectRef idx="0">
+            <a:schemeClr val="accent1"/>
+          </a:effectRef>
+          <a:fontRef idx="minor">
+            <a:schemeClr val="lt1"/>
+          </a:fontRef>
+        </p:style>
+        <p:txBody>
+          <a:bodyPr rtlCol="0" anchor="ctr"/>
+          <a:lstStyle/>
+          <a:p>
+            <a:pPr algn="ctr"/>
+            <a:r>
+              <a:rPr lang="en-US" sz="1200" b="1" dirty="0">
+                <a:solidFill>
+                  <a:schemeClr val="tx1"/>
+                </a:solidFill>
+                <a:latin typeface="Helvetica" pitchFamily="2" charset="0"/>
+              </a:rPr>
+              <a:t>COM1</a:t>
+            </a:r>
+          </a:p>
+        </p:txBody>
+      </p:sp>
+      <p:cxnSp>
+        <p:nvCxnSpPr>
+          <p:cNvPr id="74" name="Straight Connector 73">
+            <a:extLst>
+              <a:ext uri="{FF2B5EF4-FFF2-40B4-BE49-F238E27FC236}">
+                <a16:creationId xmlns:a16="http://schemas.microsoft.com/office/drawing/2014/main" id="{3D3F510A-0E8F-9CA2-CC4F-60CFF1C941CC}"/>
+              </a:ext>
+            </a:extLst>
+          </p:cNvPr>
+          <p:cNvCxnSpPr>
+            <a:cxnSpLocks/>
+          </p:cNvCxnSpPr>
+          <p:nvPr/>
+        </p:nvCxnSpPr>
+        <p:spPr>
+          <a:xfrm>
+            <a:off x="3513916" y="4612879"/>
+            <a:ext cx="319696" cy="0"/>
+          </a:xfrm>
+          <a:prstGeom prst="line">
+            <a:avLst/>
+          </a:prstGeom>
+          <a:ln w="25400">
+            <a:solidFill>
+              <a:srgbClr val="BE5006"/>
+            </a:solidFill>
+          </a:ln>
+        </p:spPr>
+        <p:style>
+          <a:lnRef idx="1">
+            <a:schemeClr val="accent1"/>
+          </a:lnRef>
+          <a:fillRef idx="0">
+            <a:schemeClr val="accent1"/>
+          </a:fillRef>
+          <a:effectRef idx="0">
+            <a:schemeClr val="accent1"/>
+          </a:effectRef>
+          <a:fontRef idx="minor">
+            <a:schemeClr val="tx1"/>
+          </a:fontRef>
+        </p:style>
+      </p:cxnSp>
+      <p:sp>
+        <p:nvSpPr>
+          <p:cNvPr id="60" name="Rounded Rectangle 59">
+            <a:extLst>
+              <a:ext uri="{FF2B5EF4-FFF2-40B4-BE49-F238E27FC236}">
+                <a16:creationId xmlns:a16="http://schemas.microsoft.com/office/drawing/2014/main" id="{8A432A3E-BF33-34BE-26F4-384EC7D0C3AA}"/>
+              </a:ext>
+            </a:extLst>
+          </p:cNvPr>
+          <p:cNvSpPr/>
+          <p:nvPr/>
+        </p:nvSpPr>
+        <p:spPr>
+          <a:xfrm>
+            <a:off x="3013708" y="4456441"/>
+            <a:ext cx="688625" cy="323602"/>
+          </a:xfrm>
+          <a:prstGeom prst="roundRect">
+            <a:avLst/>
+          </a:prstGeom>
+          <a:solidFill>
+            <a:schemeClr val="accent2">
+              <a:lumMod val="40000"/>
+              <a:lumOff val="60000"/>
+            </a:schemeClr>
+          </a:solidFill>
+          <a:ln w="25400">
+            <a:solidFill>
+              <a:schemeClr val="tx1"/>
+            </a:solidFill>
+          </a:ln>
+        </p:spPr>
+        <p:style>
+          <a:lnRef idx="2">
+            <a:schemeClr val="accent1">
+              <a:shade val="50000"/>
+            </a:schemeClr>
+          </a:lnRef>
+          <a:fillRef idx="1">
+            <a:schemeClr val="accent1"/>
+          </a:fillRef>
+          <a:effectRef idx="0">
+            <a:schemeClr val="accent1"/>
+          </a:effectRef>
+          <a:fontRef idx="minor">
+            <a:schemeClr val="lt1"/>
+          </a:fontRef>
+        </p:style>
+        <p:txBody>
+          <a:bodyPr rtlCol="0" anchor="ctr"/>
+          <a:lstStyle/>
+          <a:p>
+            <a:pPr algn="ctr"/>
+            <a:r>
+              <a:rPr lang="en-US" sz="1200" b="1" dirty="0">
+                <a:solidFill>
+                  <a:schemeClr val="tx1"/>
+                </a:solidFill>
+                <a:latin typeface="Helvetica" pitchFamily="2" charset="0"/>
+              </a:rPr>
+              <a:t>COM2</a:t>
+            </a:r>
+          </a:p>
+        </p:txBody>
+      </p:sp>
+      <p:cxnSp>
+        <p:nvCxnSpPr>
+          <p:cNvPr id="76" name="Straight Connector 75">
+            <a:extLst>
+              <a:ext uri="{FF2B5EF4-FFF2-40B4-BE49-F238E27FC236}">
+                <a16:creationId xmlns:a16="http://schemas.microsoft.com/office/drawing/2014/main" id="{2EE7457C-EA2B-D9EA-6BF9-CB708B8BDC6F}"/>
+              </a:ext>
+            </a:extLst>
+          </p:cNvPr>
+          <p:cNvCxnSpPr>
+            <a:cxnSpLocks/>
+          </p:cNvCxnSpPr>
+          <p:nvPr/>
+        </p:nvCxnSpPr>
+        <p:spPr>
+          <a:xfrm>
+            <a:off x="3982367" y="3702010"/>
+            <a:ext cx="233013" cy="0"/>
+          </a:xfrm>
+          <a:prstGeom prst="line">
+            <a:avLst/>
+          </a:prstGeom>
+          <a:ln w="25400">
+            <a:solidFill>
+              <a:srgbClr val="BE5006"/>
+            </a:solidFill>
+          </a:ln>
+        </p:spPr>
+        <p:style>
+          <a:lnRef idx="1">
+            <a:schemeClr val="accent1"/>
+          </a:lnRef>
+          <a:fillRef idx="0">
+            <a:schemeClr val="accent1"/>
+          </a:fillRef>
+          <a:effectRef idx="0">
+            <a:schemeClr val="accent1"/>
+          </a:effectRef>
+          <a:fontRef idx="minor">
+            <a:schemeClr val="tx1"/>
+          </a:fontRef>
+        </p:style>
+      </p:cxnSp>
+      <p:sp>
+        <p:nvSpPr>
+          <p:cNvPr id="85" name="Rounded Rectangle 84">
+            <a:extLst>
+              <a:ext uri="{FF2B5EF4-FFF2-40B4-BE49-F238E27FC236}">
+                <a16:creationId xmlns:a16="http://schemas.microsoft.com/office/drawing/2014/main" id="{338471A2-3313-8C94-4E02-23D53E8E445B}"/>
+              </a:ext>
+            </a:extLst>
+          </p:cNvPr>
+          <p:cNvSpPr/>
+          <p:nvPr/>
+        </p:nvSpPr>
+        <p:spPr>
+          <a:xfrm>
+            <a:off x="4185835" y="3541135"/>
+            <a:ext cx="688625" cy="323602"/>
+          </a:xfrm>
+          <a:prstGeom prst="roundRect">
+            <a:avLst/>
+          </a:prstGeom>
+          <a:solidFill>
+            <a:schemeClr val="accent2">
+              <a:lumMod val="40000"/>
+              <a:lumOff val="60000"/>
+            </a:schemeClr>
+          </a:solidFill>
+          <a:ln w="25400">
+            <a:solidFill>
+              <a:schemeClr val="tx1"/>
+            </a:solidFill>
+          </a:ln>
+        </p:spPr>
+        <p:style>
+          <a:lnRef idx="2">
+            <a:schemeClr val="accent1">
+              <a:shade val="50000"/>
+            </a:schemeClr>
+          </a:lnRef>
+          <a:fillRef idx="1">
+            <a:schemeClr val="accent1"/>
+          </a:fillRef>
+          <a:effectRef idx="0">
+            <a:schemeClr val="accent1"/>
+          </a:effectRef>
+          <a:fontRef idx="minor">
+            <a:schemeClr val="lt1"/>
+          </a:fontRef>
+        </p:style>
+        <p:txBody>
+          <a:bodyPr rtlCol="0" anchor="ctr"/>
+          <a:lstStyle/>
+          <a:p>
+            <a:pPr algn="ctr"/>
+            <a:r>
+              <a:rPr lang="en-US" sz="1200" b="1" dirty="0">
+                <a:solidFill>
+                  <a:schemeClr val="tx1"/>
+                </a:solidFill>
+                <a:latin typeface="Helvetica" pitchFamily="2" charset="0"/>
+              </a:rPr>
+              <a:t>COM3</a:t>
+            </a:r>
+          </a:p>
+        </p:txBody>
+      </p:sp>
+      <p:cxnSp>
+        <p:nvCxnSpPr>
+          <p:cNvPr id="86" name="Straight Connector 85">
+            <a:extLst>
+              <a:ext uri="{FF2B5EF4-FFF2-40B4-BE49-F238E27FC236}">
+                <a16:creationId xmlns:a16="http://schemas.microsoft.com/office/drawing/2014/main" id="{F33B2B10-2C21-B54C-00B2-FB189A279BB7}"/>
+              </a:ext>
+            </a:extLst>
+          </p:cNvPr>
+          <p:cNvCxnSpPr>
+            <a:cxnSpLocks/>
+          </p:cNvCxnSpPr>
+          <p:nvPr/>
+        </p:nvCxnSpPr>
+        <p:spPr>
+          <a:xfrm>
+            <a:off x="3516341" y="2981787"/>
+            <a:ext cx="233013" cy="0"/>
+          </a:xfrm>
+          <a:prstGeom prst="line">
+            <a:avLst/>
+          </a:prstGeom>
+          <a:ln w="25400">
+            <a:solidFill>
+              <a:srgbClr val="BE5006"/>
+            </a:solidFill>
+          </a:ln>
+        </p:spPr>
+        <p:style>
+          <a:lnRef idx="1">
+            <a:schemeClr val="accent1"/>
+          </a:lnRef>
+          <a:fillRef idx="0">
+            <a:schemeClr val="accent1"/>
+          </a:fillRef>
+          <a:effectRef idx="0">
+            <a:schemeClr val="accent1"/>
+          </a:effectRef>
+          <a:fontRef idx="minor">
+            <a:schemeClr val="tx1"/>
+          </a:fontRef>
+        </p:style>
+      </p:cxnSp>
+      <p:sp>
+        <p:nvSpPr>
+          <p:cNvPr id="87" name="Rounded Rectangle 86">
+            <a:extLst>
+              <a:ext uri="{FF2B5EF4-FFF2-40B4-BE49-F238E27FC236}">
+                <a16:creationId xmlns:a16="http://schemas.microsoft.com/office/drawing/2014/main" id="{7E3F0BDD-A737-9AE9-3709-B2B9ECAEFA6E}"/>
+              </a:ext>
+            </a:extLst>
+          </p:cNvPr>
+          <p:cNvSpPr/>
+          <p:nvPr/>
+        </p:nvSpPr>
+        <p:spPr>
+          <a:xfrm>
+            <a:off x="2833653" y="2824443"/>
+            <a:ext cx="688625" cy="323602"/>
+          </a:xfrm>
+          <a:prstGeom prst="roundRect">
+            <a:avLst/>
+          </a:prstGeom>
+          <a:solidFill>
+            <a:schemeClr val="accent2">
+              <a:lumMod val="40000"/>
+              <a:lumOff val="60000"/>
+            </a:schemeClr>
+          </a:solidFill>
+          <a:ln w="25400">
+            <a:solidFill>
+              <a:schemeClr val="tx1"/>
+            </a:solidFill>
+          </a:ln>
+        </p:spPr>
+        <p:style>
+          <a:lnRef idx="2">
+            <a:schemeClr val="accent1">
+              <a:shade val="50000"/>
+            </a:schemeClr>
+          </a:lnRef>
+          <a:fillRef idx="1">
+            <a:schemeClr val="accent1"/>
+          </a:fillRef>
+          <a:effectRef idx="0">
+            <a:schemeClr val="accent1"/>
+          </a:effectRef>
+          <a:fontRef idx="minor">
+            <a:schemeClr val="lt1"/>
+          </a:fontRef>
+        </p:style>
+        <p:txBody>
+          <a:bodyPr rtlCol="0" anchor="ctr"/>
+          <a:lstStyle/>
+          <a:p>
+            <a:pPr algn="ctr"/>
+            <a:r>
+              <a:rPr lang="en-US" sz="1200" b="1" dirty="0">
+                <a:solidFill>
+                  <a:schemeClr val="tx1"/>
+                </a:solidFill>
+                <a:latin typeface="Helvetica" pitchFamily="2" charset="0"/>
+              </a:rPr>
+              <a:t>COM4</a:t>
+            </a:r>
+          </a:p>
+        </p:txBody>
+      </p:sp>
+      <p:cxnSp>
+        <p:nvCxnSpPr>
+          <p:cNvPr id="88" name="Straight Connector 87">
+            <a:extLst>
+              <a:ext uri="{FF2B5EF4-FFF2-40B4-BE49-F238E27FC236}">
+                <a16:creationId xmlns:a16="http://schemas.microsoft.com/office/drawing/2014/main" id="{E5A27124-E3FE-BBB4-63C6-4039B4878704}"/>
+              </a:ext>
+            </a:extLst>
+          </p:cNvPr>
+          <p:cNvCxnSpPr>
+            <a:cxnSpLocks/>
+          </p:cNvCxnSpPr>
+          <p:nvPr/>
+        </p:nvCxnSpPr>
+        <p:spPr>
+          <a:xfrm>
+            <a:off x="3844678" y="2222729"/>
+            <a:ext cx="233013" cy="0"/>
+          </a:xfrm>
+          <a:prstGeom prst="line">
+            <a:avLst/>
+          </a:prstGeom>
+          <a:ln w="25400">
+            <a:solidFill>
+              <a:srgbClr val="BE5006"/>
+            </a:solidFill>
+          </a:ln>
+        </p:spPr>
+        <p:style>
+          <a:lnRef idx="1">
+            <a:schemeClr val="accent1"/>
+          </a:lnRef>
+          <a:fillRef idx="0">
+            <a:schemeClr val="accent1"/>
+          </a:fillRef>
+          <a:effectRef idx="0">
+            <a:schemeClr val="accent1"/>
+          </a:effectRef>
+          <a:fontRef idx="minor">
+            <a:schemeClr val="tx1"/>
+          </a:fontRef>
+        </p:style>
+      </p:cxnSp>
+      <p:sp>
+        <p:nvSpPr>
+          <p:cNvPr id="89" name="Rounded Rectangle 88">
+            <a:extLst>
+              <a:ext uri="{FF2B5EF4-FFF2-40B4-BE49-F238E27FC236}">
+                <a16:creationId xmlns:a16="http://schemas.microsoft.com/office/drawing/2014/main" id="{264F0012-8194-2DF1-A0FB-4EC5D0E8ED49}"/>
+              </a:ext>
+            </a:extLst>
+          </p:cNvPr>
+          <p:cNvSpPr/>
+          <p:nvPr/>
+        </p:nvSpPr>
+        <p:spPr>
+          <a:xfrm>
+            <a:off x="4072859" y="2065385"/>
+            <a:ext cx="688625" cy="323602"/>
+          </a:xfrm>
+          <a:prstGeom prst="roundRect">
+            <a:avLst/>
+          </a:prstGeom>
+          <a:solidFill>
+            <a:schemeClr val="accent2">
+              <a:lumMod val="40000"/>
+              <a:lumOff val="60000"/>
+            </a:schemeClr>
+          </a:solidFill>
+          <a:ln w="25400">
+            <a:solidFill>
+              <a:schemeClr val="tx1"/>
+            </a:solidFill>
+          </a:ln>
+        </p:spPr>
+        <p:style>
+          <a:lnRef idx="2">
+            <a:schemeClr val="accent1">
+              <a:shade val="50000"/>
+            </a:schemeClr>
+          </a:lnRef>
+          <a:fillRef idx="1">
+            <a:schemeClr val="accent1"/>
+          </a:fillRef>
+          <a:effectRef idx="0">
+            <a:schemeClr val="accent1"/>
+          </a:effectRef>
+          <a:fontRef idx="minor">
+            <a:schemeClr val="lt1"/>
+          </a:fontRef>
+        </p:style>
+        <p:txBody>
+          <a:bodyPr rtlCol="0" anchor="ctr"/>
+          <a:lstStyle/>
+          <a:p>
+            <a:pPr algn="ctr"/>
+            <a:r>
+              <a:rPr lang="en-US" sz="1200" b="1" dirty="0">
+                <a:solidFill>
+                  <a:schemeClr val="tx1"/>
+                </a:solidFill>
+                <a:latin typeface="Helvetica" pitchFamily="2" charset="0"/>
+              </a:rPr>
+              <a:t>COM5</a:t>
+            </a:r>
+          </a:p>
+        </p:txBody>
+      </p:sp>
+      <p:cxnSp>
+        <p:nvCxnSpPr>
+          <p:cNvPr id="90" name="Straight Connector 89">
+            <a:extLst>
+              <a:ext uri="{FF2B5EF4-FFF2-40B4-BE49-F238E27FC236}">
+                <a16:creationId xmlns:a16="http://schemas.microsoft.com/office/drawing/2014/main" id="{403065FC-5FC6-82EC-3EE3-2CDAE18278B3}"/>
+              </a:ext>
+            </a:extLst>
+          </p:cNvPr>
+          <p:cNvCxnSpPr>
+            <a:cxnSpLocks/>
+          </p:cNvCxnSpPr>
+          <p:nvPr/>
+        </p:nvCxnSpPr>
+        <p:spPr>
+          <a:xfrm>
+            <a:off x="3512810" y="1668440"/>
+            <a:ext cx="233013" cy="0"/>
+          </a:xfrm>
+          <a:prstGeom prst="line">
+            <a:avLst/>
+          </a:prstGeom>
+          <a:ln w="25400">
+            <a:solidFill>
+              <a:srgbClr val="BE5006"/>
+            </a:solidFill>
+          </a:ln>
+        </p:spPr>
+        <p:style>
+          <a:lnRef idx="1">
+            <a:schemeClr val="accent1"/>
+          </a:lnRef>
+          <a:fillRef idx="0">
+            <a:schemeClr val="accent1"/>
+          </a:fillRef>
+          <a:effectRef idx="0">
+            <a:schemeClr val="accent1"/>
+          </a:effectRef>
+          <a:fontRef idx="minor">
+            <a:schemeClr val="tx1"/>
+          </a:fontRef>
+        </p:style>
+      </p:cxnSp>
+      <p:sp>
+        <p:nvSpPr>
+          <p:cNvPr id="91" name="Rounded Rectangle 90">
+            <a:extLst>
+              <a:ext uri="{FF2B5EF4-FFF2-40B4-BE49-F238E27FC236}">
+                <a16:creationId xmlns:a16="http://schemas.microsoft.com/office/drawing/2014/main" id="{BC03C73E-01CE-CFA8-04CB-46426F398CF6}"/>
+              </a:ext>
+            </a:extLst>
+          </p:cNvPr>
+          <p:cNvSpPr/>
+          <p:nvPr/>
+        </p:nvSpPr>
+        <p:spPr>
+          <a:xfrm>
+            <a:off x="2854836" y="1500505"/>
+            <a:ext cx="688625" cy="323602"/>
+          </a:xfrm>
+          <a:prstGeom prst="roundRect">
+            <a:avLst/>
+          </a:prstGeom>
+          <a:solidFill>
+            <a:schemeClr val="accent2">
+              <a:lumMod val="40000"/>
+              <a:lumOff val="60000"/>
+            </a:schemeClr>
+          </a:solidFill>
+          <a:ln w="25400">
+            <a:solidFill>
+              <a:schemeClr val="tx1"/>
+            </a:solidFill>
+          </a:ln>
+        </p:spPr>
+        <p:style>
+          <a:lnRef idx="2">
+            <a:schemeClr val="accent1">
+              <a:shade val="50000"/>
+            </a:schemeClr>
+          </a:lnRef>
+          <a:fillRef idx="1">
+            <a:schemeClr val="accent1"/>
+          </a:fillRef>
+          <a:effectRef idx="0">
+            <a:schemeClr val="accent1"/>
+          </a:effectRef>
+          <a:fontRef idx="minor">
+            <a:schemeClr val="lt1"/>
+          </a:fontRef>
+        </p:style>
+        <p:txBody>
+          <a:bodyPr rtlCol="0" anchor="ctr"/>
+          <a:lstStyle/>
+          <a:p>
+            <a:pPr algn="ctr"/>
+            <a:r>
+              <a:rPr lang="en-US" sz="1200" b="1" dirty="0">
+                <a:solidFill>
+                  <a:schemeClr val="tx1"/>
+                </a:solidFill>
+                <a:latin typeface="Helvetica" pitchFamily="2" charset="0"/>
+              </a:rPr>
+              <a:t>COM6</a:t>
+            </a:r>
+          </a:p>
+        </p:txBody>
+      </p:sp>
+      <p:cxnSp>
+        <p:nvCxnSpPr>
+          <p:cNvPr id="92" name="Straight Connector 91">
+            <a:extLst>
+              <a:ext uri="{FF2B5EF4-FFF2-40B4-BE49-F238E27FC236}">
+                <a16:creationId xmlns:a16="http://schemas.microsoft.com/office/drawing/2014/main" id="{3D8B9ADE-F22C-F7A0-9124-08074539CBF2}"/>
+              </a:ext>
+            </a:extLst>
+          </p:cNvPr>
+          <p:cNvCxnSpPr>
+            <a:cxnSpLocks/>
+          </p:cNvCxnSpPr>
+          <p:nvPr/>
+        </p:nvCxnSpPr>
+        <p:spPr>
+          <a:xfrm>
+            <a:off x="3894104" y="1382470"/>
+            <a:ext cx="233013" cy="0"/>
+          </a:xfrm>
+          <a:prstGeom prst="line">
+            <a:avLst/>
+          </a:prstGeom>
+          <a:ln w="25400">
+            <a:solidFill>
+              <a:srgbClr val="BE5006"/>
+            </a:solidFill>
+          </a:ln>
+        </p:spPr>
+        <p:style>
+          <a:lnRef idx="1">
+            <a:schemeClr val="accent1"/>
+          </a:lnRef>
+          <a:fillRef idx="0">
+            <a:schemeClr val="accent1"/>
+          </a:fillRef>
+          <a:effectRef idx="0">
+            <a:schemeClr val="accent1"/>
+          </a:effectRef>
+          <a:fontRef idx="minor">
+            <a:schemeClr val="tx1"/>
+          </a:fontRef>
+        </p:style>
+      </p:cxnSp>
+      <p:sp>
+        <p:nvSpPr>
+          <p:cNvPr id="93" name="Rounded Rectangle 92">
+            <a:extLst>
+              <a:ext uri="{FF2B5EF4-FFF2-40B4-BE49-F238E27FC236}">
+                <a16:creationId xmlns:a16="http://schemas.microsoft.com/office/drawing/2014/main" id="{999AE46D-D56C-DF70-ABCB-834F5661F820}"/>
+              </a:ext>
+            </a:extLst>
+          </p:cNvPr>
+          <p:cNvSpPr/>
+          <p:nvPr/>
+        </p:nvSpPr>
+        <p:spPr>
+          <a:xfrm>
+            <a:off x="4129348" y="1221595"/>
+            <a:ext cx="688625" cy="323602"/>
+          </a:xfrm>
+          <a:prstGeom prst="roundRect">
+            <a:avLst/>
+          </a:prstGeom>
+          <a:solidFill>
+            <a:schemeClr val="accent2">
+              <a:lumMod val="40000"/>
+              <a:lumOff val="60000"/>
+            </a:schemeClr>
+          </a:solidFill>
+          <a:ln w="25400">
+            <a:solidFill>
+              <a:schemeClr val="tx1"/>
+            </a:solidFill>
+          </a:ln>
+        </p:spPr>
+        <p:style>
+          <a:lnRef idx="2">
+            <a:schemeClr val="accent1">
+              <a:shade val="50000"/>
+            </a:schemeClr>
+          </a:lnRef>
+          <a:fillRef idx="1">
+            <a:schemeClr val="accent1"/>
+          </a:fillRef>
+          <a:effectRef idx="0">
+            <a:schemeClr val="accent1"/>
+          </a:effectRef>
+          <a:fontRef idx="minor">
+            <a:schemeClr val="lt1"/>
+          </a:fontRef>
+        </p:style>
+        <p:txBody>
+          <a:bodyPr rtlCol="0" anchor="ctr"/>
+          <a:lstStyle/>
+          <a:p>
+            <a:pPr algn="ctr"/>
+            <a:r>
+              <a:rPr lang="en-US" sz="1200" b="1" dirty="0">
+                <a:solidFill>
+                  <a:schemeClr val="tx1"/>
+                </a:solidFill>
+                <a:latin typeface="Helvetica" pitchFamily="2" charset="0"/>
+              </a:rPr>
+              <a:t>COM7</a:t>
+            </a:r>
+          </a:p>
+        </p:txBody>
+      </p:sp>
+    </p:spTree>
+    <p:extLst>
+      <p:ext uri="{BB962C8B-B14F-4D97-AF65-F5344CB8AC3E}">
+        <p14:creationId xmlns:p14="http://schemas.microsoft.com/office/powerpoint/2010/main" val="2436223472"/>
+      </p:ext>
+    </p:extLst>
+  </p:cSld>
+  <p:clrMapOvr>
+    <a:masterClrMapping/>
+  </p:clrMapOvr>
+</p:sld>
+</file>
+
 <file path=ppt/theme/theme1.xml><?xml version="1.0" encoding="utf-8"?>
 <a:theme xmlns:a="http://schemas.openxmlformats.org/drawingml/2006/main" name="Office Theme">
   <a:themeElements>
@@ -8661,4 +14973,299 @@
     </a:ext>
   </a:extLst>
 </a:theme>
+</file>
+
+<file path=ppt/theme/theme2.xml><?xml version="1.0" encoding="utf-8"?>
+<a:theme xmlns:a="http://schemas.openxmlformats.org/drawingml/2006/main" name="Office Theme">
+  <a:themeElements>
+    <a:clrScheme name="Office">
+      <a:dk1>
+        <a:sysClr val="windowText" lastClr="000000"/>
+      </a:dk1>
+      <a:lt1>
+        <a:sysClr val="window" lastClr="FFFFFF"/>
+      </a:lt1>
+      <a:dk2>
+        <a:srgbClr val="44546A"/>
+      </a:dk2>
+      <a:lt2>
+        <a:srgbClr val="E7E6E6"/>
+      </a:lt2>
+      <a:accent1>
+        <a:srgbClr val="4472C4"/>
+      </a:accent1>
+      <a:accent2>
+        <a:srgbClr val="ED7D31"/>
+      </a:accent2>
+      <a:accent3>
+        <a:srgbClr val="A5A5A5"/>
+      </a:accent3>
+      <a:accent4>
+        <a:srgbClr val="FFC000"/>
+      </a:accent4>
+      <a:accent5>
+        <a:srgbClr val="5B9BD5"/>
+      </a:accent5>
+      <a:accent6>
+        <a:srgbClr val="70AD47"/>
+      </a:accent6>
+      <a:hlink>
+        <a:srgbClr val="0563C1"/>
+      </a:hlink>
+      <a:folHlink>
+        <a:srgbClr val="954F72"/>
+      </a:folHlink>
+    </a:clrScheme>
+    <a:fontScheme name="Office">
+      <a:majorFont>
+        <a:latin typeface="Calibri Light" panose="020F0302020204030204"/>
+        <a:ea typeface=""/>
+        <a:cs typeface=""/>
+        <a:font script="Jpan" typeface="游ゴシック Light"/>
+        <a:font script="Hang" typeface="맑은 고딕"/>
+        <a:font script="Hans" typeface="等线 Light"/>
+        <a:font script="Hant" typeface="新細明體"/>
+        <a:font script="Arab" typeface="Times New Roman"/>
+        <a:font script="Hebr" typeface="Times New Roman"/>
+        <a:font script="Thai" typeface="Angsana New"/>
+        <a:font script="Ethi" typeface="Nyala"/>
+        <a:font script="Beng" typeface="Vrinda"/>
+        <a:font script="Gujr" typeface="Shruti"/>
+        <a:font script="Khmr" typeface="MoolBoran"/>
+        <a:font script="Knda" typeface="Tunga"/>
+        <a:font script="Guru" typeface="Raavi"/>
+        <a:font script="Cans" typeface="Euphemia"/>
+        <a:font script="Cher" typeface="Plantagenet Cherokee"/>
+        <a:font script="Yiii" typeface="Microsoft Yi Baiti"/>
+        <a:font script="Tibt" typeface="Microsoft Himalaya"/>
+        <a:font script="Thaa" typeface="MV Boli"/>
+        <a:font script="Deva" typeface="Mangal"/>
+        <a:font script="Telu" typeface="Gautami"/>
+        <a:font script="Taml" typeface="Latha"/>
+        <a:font script="Syrc" typeface="Estrangelo Edessa"/>
+        <a:font script="Orya" typeface="Kalinga"/>
+        <a:font script="Mlym" typeface="Kartika"/>
+        <a:font script="Laoo" typeface="DokChampa"/>
+        <a:font script="Sinh" typeface="Iskoola Pota"/>
+        <a:font script="Mong" typeface="Mongolian Baiti"/>
+        <a:font script="Viet" typeface="Times New Roman"/>
+        <a:font script="Uigh" typeface="Microsoft Uighur"/>
+        <a:font script="Geor" typeface="Sylfaen"/>
+        <a:font script="Armn" typeface="Arial"/>
+        <a:font script="Bugi" typeface="Leelawadee UI"/>
+        <a:font script="Bopo" typeface="Microsoft JhengHei"/>
+        <a:font script="Java" typeface="Javanese Text"/>
+        <a:font script="Lisu" typeface="Segoe UI"/>
+        <a:font script="Mymr" typeface="Myanmar Text"/>
+        <a:font script="Nkoo" typeface="Ebrima"/>
+        <a:font script="Olck" typeface="Nirmala UI"/>
+        <a:font script="Osma" typeface="Ebrima"/>
+        <a:font script="Phag" typeface="Phagspa"/>
+        <a:font script="Syrn" typeface="Estrangelo Edessa"/>
+        <a:font script="Syrj" typeface="Estrangelo Edessa"/>
+        <a:font script="Syre" typeface="Estrangelo Edessa"/>
+        <a:font script="Sora" typeface="Nirmala UI"/>
+        <a:font script="Tale" typeface="Microsoft Tai Le"/>
+        <a:font script="Talu" typeface="Microsoft New Tai Lue"/>
+        <a:font script="Tfng" typeface="Ebrima"/>
+      </a:majorFont>
+      <a:minorFont>
+        <a:latin typeface="Calibri" panose="020F0502020204030204"/>
+        <a:ea typeface=""/>
+        <a:cs typeface=""/>
+        <a:font script="Jpan" typeface="游ゴシック"/>
+        <a:font script="Hang" typeface="맑은 고딕"/>
+        <a:font script="Hans" typeface="等线"/>
+        <a:font script="Hant" typeface="新細明體"/>
+        <a:font script="Arab" typeface="Arial"/>
+        <a:font script="Hebr" typeface="Arial"/>
+        <a:font script="Thai" typeface="Cordia New"/>
+        <a:font script="Ethi" typeface="Nyala"/>
+        <a:font script="Beng" typeface="Vrinda"/>
+        <a:font script="Gujr" typeface="Shruti"/>
+        <a:font script="Khmr" typeface="DaunPenh"/>
+        <a:font script="Knda" typeface="Tunga"/>
+        <a:font script="Guru" typeface="Raavi"/>
+        <a:font script="Cans" typeface="Euphemia"/>
+        <a:font script="Cher" typeface="Plantagenet Cherokee"/>
+        <a:font script="Yiii" typeface="Microsoft Yi Baiti"/>
+        <a:font script="Tibt" typeface="Microsoft Himalaya"/>
+        <a:font script="Thaa" typeface="MV Boli"/>
+        <a:font script="Deva" typeface="Mangal"/>
+        <a:font script="Telu" typeface="Gautami"/>
+        <a:font script="Taml" typeface="Latha"/>
+        <a:font script="Syrc" typeface="Estrangelo Edessa"/>
+        <a:font script="Orya" typeface="Kalinga"/>
+        <a:font script="Mlym" typeface="Kartika"/>
+        <a:font script="Laoo" typeface="DokChampa"/>
+        <a:font script="Sinh" typeface="Iskoola Pota"/>
+        <a:font script="Mong" typeface="Mongolian Baiti"/>
+        <a:font script="Viet" typeface="Arial"/>
+        <a:font script="Uigh" typeface="Microsoft Uighur"/>
+        <a:font script="Geor" typeface="Sylfaen"/>
+        <a:font script="Armn" typeface="Arial"/>
+        <a:font script="Bugi" typeface="Leelawadee UI"/>
+        <a:font script="Bopo" typeface="Microsoft JhengHei"/>
+        <a:font script="Java" typeface="Javanese Text"/>
+        <a:font script="Lisu" typeface="Segoe UI"/>
+        <a:font script="Mymr" typeface="Myanmar Text"/>
+        <a:font script="Nkoo" typeface="Ebrima"/>
+        <a:font script="Olck" typeface="Nirmala UI"/>
+        <a:font script="Osma" typeface="Ebrima"/>
+        <a:font script="Phag" typeface="Phagspa"/>
+        <a:font script="Syrn" typeface="Estrangelo Edessa"/>
+        <a:font script="Syrj" typeface="Estrangelo Edessa"/>
+        <a:font script="Syre" typeface="Estrangelo Edessa"/>
+        <a:font script="Sora" typeface="Nirmala UI"/>
+        <a:font script="Tale" typeface="Microsoft Tai Le"/>
+        <a:font script="Talu" typeface="Microsoft New Tai Lue"/>
+        <a:font script="Tfng" typeface="Ebrima"/>
+      </a:minorFont>
+    </a:fontScheme>
+    <a:fmtScheme name="Office">
+      <a:fillStyleLst>
+        <a:solidFill>
+          <a:schemeClr val="phClr"/>
+        </a:solidFill>
+        <a:gradFill rotWithShape="1">
+          <a:gsLst>
+            <a:gs pos="0">
+              <a:schemeClr val="phClr">
+                <a:lumMod val="110000"/>
+                <a:satMod val="105000"/>
+                <a:tint val="67000"/>
+              </a:schemeClr>
+            </a:gs>
+            <a:gs pos="50000">
+              <a:schemeClr val="phClr">
+                <a:lumMod val="105000"/>
+                <a:satMod val="103000"/>
+                <a:tint val="73000"/>
+              </a:schemeClr>
+            </a:gs>
+            <a:gs pos="100000">
+              <a:schemeClr val="phClr">
+                <a:lumMod val="105000"/>
+                <a:satMod val="109000"/>
+                <a:tint val="81000"/>
+              </a:schemeClr>
+            </a:gs>
+          </a:gsLst>
+          <a:lin ang="5400000" scaled="0"/>
+        </a:gradFill>
+        <a:gradFill rotWithShape="1">
+          <a:gsLst>
+            <a:gs pos="0">
+              <a:schemeClr val="phClr">
+                <a:satMod val="103000"/>
+                <a:lumMod val="102000"/>
+                <a:tint val="94000"/>
+              </a:schemeClr>
+            </a:gs>
+            <a:gs pos="50000">
+              <a:schemeClr val="phClr">
+                <a:satMod val="110000"/>
+                <a:lumMod val="100000"/>
+                <a:shade val="100000"/>
+              </a:schemeClr>
+            </a:gs>
+            <a:gs pos="100000">
+              <a:schemeClr val="phClr">
+                <a:lumMod val="99000"/>
+                <a:satMod val="120000"/>
+                <a:shade val="78000"/>
+              </a:schemeClr>
+            </a:gs>
+          </a:gsLst>
+          <a:lin ang="5400000" scaled="0"/>
+        </a:gradFill>
+      </a:fillStyleLst>
+      <a:lnStyleLst>
+        <a:ln w="6350" cap="flat" cmpd="sng" algn="ctr">
+          <a:solidFill>
+            <a:schemeClr val="phClr"/>
+          </a:solidFill>
+          <a:prstDash val="solid"/>
+          <a:miter lim="800000"/>
+        </a:ln>
+        <a:ln w="12700" cap="flat" cmpd="sng" algn="ctr">
+          <a:solidFill>
+            <a:schemeClr val="phClr"/>
+          </a:solidFill>
+          <a:prstDash val="solid"/>
+          <a:miter lim="800000"/>
+        </a:ln>
+        <a:ln w="19050" cap="flat" cmpd="sng" algn="ctr">
+          <a:solidFill>
+            <a:schemeClr val="phClr"/>
+          </a:solidFill>
+          <a:prstDash val="solid"/>
+          <a:miter lim="800000"/>
+        </a:ln>
+      </a:lnStyleLst>
+      <a:effectStyleLst>
+        <a:effectStyle>
+          <a:effectLst/>
+        </a:effectStyle>
+        <a:effectStyle>
+          <a:effectLst/>
+        </a:effectStyle>
+        <a:effectStyle>
+          <a:effectLst>
+            <a:outerShdw blurRad="57150" dist="19050" dir="5400000" algn="ctr" rotWithShape="0">
+              <a:srgbClr val="000000">
+                <a:alpha val="63000"/>
+              </a:srgbClr>
+            </a:outerShdw>
+          </a:effectLst>
+        </a:effectStyle>
+      </a:effectStyleLst>
+      <a:bgFillStyleLst>
+        <a:solidFill>
+          <a:schemeClr val="phClr"/>
+        </a:solidFill>
+        <a:solidFill>
+          <a:schemeClr val="phClr">
+            <a:tint val="95000"/>
+            <a:satMod val="170000"/>
+          </a:schemeClr>
+        </a:solidFill>
+        <a:gradFill rotWithShape="1">
+          <a:gsLst>
+            <a:gs pos="0">
+              <a:schemeClr val="phClr">
+                <a:tint val="93000"/>
+                <a:satMod val="150000"/>
+                <a:shade val="98000"/>
+                <a:lumMod val="102000"/>
+              </a:schemeClr>
+            </a:gs>
+            <a:gs pos="50000">
+              <a:schemeClr val="phClr">
+                <a:tint val="98000"/>
+                <a:satMod val="130000"/>
+                <a:shade val="90000"/>
+                <a:lumMod val="103000"/>
+              </a:schemeClr>
+            </a:gs>
+            <a:gs pos="100000">
+              <a:schemeClr val="phClr">
+                <a:shade val="63000"/>
+                <a:satMod val="120000"/>
+              </a:schemeClr>
+            </a:gs>
+          </a:gsLst>
+          <a:lin ang="5400000" scaled="0"/>
+        </a:gradFill>
+      </a:bgFillStyleLst>
+    </a:fmtScheme>
+  </a:themeElements>
+  <a:objectDefaults/>
+  <a:extraClrSchemeLst/>
+  <a:extLst>
+    <a:ext uri="{05A4C25C-085E-4340-85A3-A5531E510DB2}">
+      <thm15:themeFamily xmlns:thm15="http://schemas.microsoft.com/office/thememl/2012/main" name="Office Theme" id="{62F939B6-93AF-4DB8-9C6B-D6C7DFDC589F}" vid="{4A3C46E8-61CC-4603-A589-7422A47A8E4A}"/>
+    </a:ext>
+  </a:extLst>
+</a:theme>
 </file>
--- a/source/images/images.pptx
+++ b/source/images/images.pptx
@@ -9078,6 +9078,35 @@
       </p:grpSpPr>
       <p:pic>
         <p:nvPicPr>
+          <p:cNvPr id="3" name="Picture 2">
+            <a:extLst>
+              <a:ext uri="{FF2B5EF4-FFF2-40B4-BE49-F238E27FC236}">
+                <a16:creationId xmlns:a16="http://schemas.microsoft.com/office/drawing/2014/main" id="{890D326E-D9E4-2C7C-CAF9-2BD12BB8856C}"/>
+              </a:ext>
+            </a:extLst>
+          </p:cNvPr>
+          <p:cNvPicPr>
+            <a:picLocks noChangeAspect="1"/>
+          </p:cNvPicPr>
+          <p:nvPr/>
+        </p:nvPicPr>
+        <p:blipFill rotWithShape="1">
+          <a:blip r:embed="rId3"/>
+          <a:srcRect l="42483" r="38317"/>
+          <a:stretch/>
+        </p:blipFill>
+        <p:spPr>
+          <a:xfrm>
+            <a:off x="3639899" y="190500"/>
+            <a:ext cx="1758146" cy="6867782"/>
+          </a:xfrm>
+          <a:prstGeom prst="rect">
+            <a:avLst/>
+          </a:prstGeom>
+        </p:spPr>
+      </p:pic>
+      <p:pic>
+        <p:nvPicPr>
           <p:cNvPr id="13" name="Picture 12">
             <a:extLst>
               <a:ext uri="{FF2B5EF4-FFF2-40B4-BE49-F238E27FC236}">
@@ -9091,7 +9120,7 @@
           <p:nvPr/>
         </p:nvPicPr>
         <p:blipFill rotWithShape="1">
-          <a:blip r:embed="rId3"/>
+          <a:blip r:embed="rId4"/>
           <a:srcRect l="44586" r="39878"/>
           <a:stretch/>
         </p:blipFill>
@@ -9156,6 +9185,1309 @@
           <a:p>
             <a:pPr algn="ctr"/>
             <a:endParaRPr lang="en-US"/>
+          </a:p>
+        </p:txBody>
+      </p:sp>
+      <p:cxnSp>
+        <p:nvCxnSpPr>
+          <p:cNvPr id="10" name="Straight Connector 9">
+            <a:extLst>
+              <a:ext uri="{FF2B5EF4-FFF2-40B4-BE49-F238E27FC236}">
+                <a16:creationId xmlns:a16="http://schemas.microsoft.com/office/drawing/2014/main" id="{FFDDD135-DC88-7AE1-9E55-1F173C596E75}"/>
+              </a:ext>
+            </a:extLst>
+          </p:cNvPr>
+          <p:cNvCxnSpPr>
+            <a:endCxn id="6" idx="3"/>
+          </p:cNvCxnSpPr>
+          <p:nvPr/>
+        </p:nvCxnSpPr>
+        <p:spPr>
+          <a:xfrm flipH="1">
+            <a:off x="4936385" y="5685780"/>
+            <a:ext cx="838773" cy="247507"/>
+          </a:xfrm>
+          <a:prstGeom prst="line">
+            <a:avLst/>
+          </a:prstGeom>
+          <a:ln w="38100">
+            <a:solidFill>
+              <a:schemeClr val="tx1"/>
+            </a:solidFill>
+          </a:ln>
+        </p:spPr>
+        <p:style>
+          <a:lnRef idx="1">
+            <a:schemeClr val="accent1"/>
+          </a:lnRef>
+          <a:fillRef idx="0">
+            <a:schemeClr val="accent1"/>
+          </a:fillRef>
+          <a:effectRef idx="0">
+            <a:schemeClr val="accent1"/>
+          </a:effectRef>
+          <a:fontRef idx="minor">
+            <a:schemeClr val="tx1"/>
+          </a:fontRef>
+        </p:style>
+      </p:cxnSp>
+      <p:sp>
+        <p:nvSpPr>
+          <p:cNvPr id="8" name="Rounded Rectangle 7">
+            <a:extLst>
+              <a:ext uri="{FF2B5EF4-FFF2-40B4-BE49-F238E27FC236}">
+                <a16:creationId xmlns:a16="http://schemas.microsoft.com/office/drawing/2014/main" id="{785BEF6E-2853-27B3-100C-666DD41E28F5}"/>
+              </a:ext>
+            </a:extLst>
+          </p:cNvPr>
+          <p:cNvSpPr/>
+          <p:nvPr/>
+        </p:nvSpPr>
+        <p:spPr>
+          <a:xfrm>
+            <a:off x="5273056" y="5488931"/>
+            <a:ext cx="1063083" cy="431180"/>
+          </a:xfrm>
+          <a:prstGeom prst="roundRect">
+            <a:avLst/>
+          </a:prstGeom>
+          <a:solidFill>
+            <a:srgbClr val="292929"/>
+          </a:solidFill>
+          <a:ln>
+            <a:solidFill>
+              <a:schemeClr val="tx1"/>
+            </a:solidFill>
+          </a:ln>
+        </p:spPr>
+        <p:style>
+          <a:lnRef idx="2">
+            <a:schemeClr val="accent1">
+              <a:shade val="50000"/>
+            </a:schemeClr>
+          </a:lnRef>
+          <a:fillRef idx="1">
+            <a:schemeClr val="accent1"/>
+          </a:fillRef>
+          <a:effectRef idx="0">
+            <a:schemeClr val="accent1"/>
+          </a:effectRef>
+          <a:fontRef idx="minor">
+            <a:schemeClr val="lt1"/>
+          </a:fontRef>
+        </p:style>
+        <p:txBody>
+          <a:bodyPr rtlCol="0" anchor="ctr"/>
+          <a:lstStyle/>
+          <a:p>
+            <a:pPr algn="ctr"/>
+            <a:r>
+              <a:rPr lang="en-US" dirty="0">
+                <a:latin typeface="Helvetica" pitchFamily="2" charset="0"/>
+              </a:rPr>
+              <a:t>Link 0</a:t>
+            </a:r>
+          </a:p>
+        </p:txBody>
+      </p:sp>
+      <p:sp>
+        <p:nvSpPr>
+          <p:cNvPr id="6" name="Oval 5">
+            <a:extLst>
+              <a:ext uri="{FF2B5EF4-FFF2-40B4-BE49-F238E27FC236}">
+                <a16:creationId xmlns:a16="http://schemas.microsoft.com/office/drawing/2014/main" id="{66F854B6-0E56-6C69-E65F-CE6B352919C0}"/>
+              </a:ext>
+            </a:extLst>
+          </p:cNvPr>
+          <p:cNvSpPr/>
+          <p:nvPr/>
+        </p:nvSpPr>
+        <p:spPr>
+          <a:xfrm>
+            <a:off x="4885182" y="5855260"/>
+            <a:ext cx="133029" cy="133029"/>
+          </a:xfrm>
+          <a:prstGeom prst="ellipse">
+            <a:avLst/>
+          </a:prstGeom>
+          <a:solidFill>
+            <a:srgbClr val="292929"/>
+          </a:solidFill>
+          <a:ln>
+            <a:solidFill>
+              <a:schemeClr val="tx1"/>
+            </a:solidFill>
+          </a:ln>
+        </p:spPr>
+        <p:style>
+          <a:lnRef idx="2">
+            <a:schemeClr val="accent1">
+              <a:shade val="50000"/>
+            </a:schemeClr>
+          </a:lnRef>
+          <a:fillRef idx="1">
+            <a:schemeClr val="accent1"/>
+          </a:fillRef>
+          <a:effectRef idx="0">
+            <a:schemeClr val="accent1"/>
+          </a:effectRef>
+          <a:fontRef idx="minor">
+            <a:schemeClr val="lt1"/>
+          </a:fontRef>
+        </p:style>
+        <p:txBody>
+          <a:bodyPr rtlCol="0" anchor="ctr"/>
+          <a:lstStyle/>
+          <a:p>
+            <a:pPr algn="ctr"/>
+            <a:endParaRPr lang="en-US"/>
+          </a:p>
+        </p:txBody>
+      </p:sp>
+      <p:cxnSp>
+        <p:nvCxnSpPr>
+          <p:cNvPr id="12" name="Straight Connector 11">
+            <a:extLst>
+              <a:ext uri="{FF2B5EF4-FFF2-40B4-BE49-F238E27FC236}">
+                <a16:creationId xmlns:a16="http://schemas.microsoft.com/office/drawing/2014/main" id="{353D6E22-3768-42EA-A0F6-A7161ED6091B}"/>
+              </a:ext>
+            </a:extLst>
+          </p:cNvPr>
+          <p:cNvCxnSpPr>
+            <a:cxnSpLocks/>
+          </p:cNvCxnSpPr>
+          <p:nvPr/>
+        </p:nvCxnSpPr>
+        <p:spPr>
+          <a:xfrm flipH="1">
+            <a:off x="3175819" y="5046387"/>
+            <a:ext cx="722413" cy="149961"/>
+          </a:xfrm>
+          <a:prstGeom prst="line">
+            <a:avLst/>
+          </a:prstGeom>
+          <a:ln w="38100">
+            <a:solidFill>
+              <a:srgbClr val="2778AE"/>
+            </a:solidFill>
+          </a:ln>
+        </p:spPr>
+        <p:style>
+          <a:lnRef idx="1">
+            <a:schemeClr val="accent1"/>
+          </a:lnRef>
+          <a:fillRef idx="0">
+            <a:schemeClr val="accent1"/>
+          </a:fillRef>
+          <a:effectRef idx="0">
+            <a:schemeClr val="accent1"/>
+          </a:effectRef>
+          <a:fontRef idx="minor">
+            <a:schemeClr val="tx1"/>
+          </a:fontRef>
+        </p:style>
+      </p:cxnSp>
+      <p:sp>
+        <p:nvSpPr>
+          <p:cNvPr id="11" name="Rounded Rectangle 10">
+            <a:extLst>
+              <a:ext uri="{FF2B5EF4-FFF2-40B4-BE49-F238E27FC236}">
+                <a16:creationId xmlns:a16="http://schemas.microsoft.com/office/drawing/2014/main" id="{D2E54B7A-11B6-183D-9DDA-7FB5B710CCE3}"/>
+              </a:ext>
+            </a:extLst>
+          </p:cNvPr>
+          <p:cNvSpPr/>
+          <p:nvPr/>
+        </p:nvSpPr>
+        <p:spPr>
+          <a:xfrm>
+            <a:off x="2576816" y="4975587"/>
+            <a:ext cx="1063083" cy="431180"/>
+          </a:xfrm>
+          <a:prstGeom prst="roundRect">
+            <a:avLst/>
+          </a:prstGeom>
+          <a:solidFill>
+            <a:srgbClr val="2778AE"/>
+          </a:solidFill>
+          <a:ln>
+            <a:solidFill>
+              <a:schemeClr val="tx1"/>
+            </a:solidFill>
+          </a:ln>
+        </p:spPr>
+        <p:style>
+          <a:lnRef idx="2">
+            <a:schemeClr val="accent1">
+              <a:shade val="50000"/>
+            </a:schemeClr>
+          </a:lnRef>
+          <a:fillRef idx="1">
+            <a:schemeClr val="accent1"/>
+          </a:fillRef>
+          <a:effectRef idx="0">
+            <a:schemeClr val="accent1"/>
+          </a:effectRef>
+          <a:fontRef idx="minor">
+            <a:schemeClr val="lt1"/>
+          </a:fontRef>
+        </p:style>
+        <p:txBody>
+          <a:bodyPr rtlCol="0" anchor="ctr"/>
+          <a:lstStyle/>
+          <a:p>
+            <a:pPr algn="ctr"/>
+            <a:r>
+              <a:rPr lang="en-US" dirty="0">
+                <a:latin typeface="Helvetica" pitchFamily="2" charset="0"/>
+              </a:rPr>
+              <a:t>Link 1</a:t>
+            </a:r>
+          </a:p>
+        </p:txBody>
+      </p:sp>
+      <p:sp>
+        <p:nvSpPr>
+          <p:cNvPr id="7" name="Oval 6">
+            <a:extLst>
+              <a:ext uri="{FF2B5EF4-FFF2-40B4-BE49-F238E27FC236}">
+                <a16:creationId xmlns:a16="http://schemas.microsoft.com/office/drawing/2014/main" id="{65949090-CC75-BCE3-98FA-568EB6BF215C}"/>
+              </a:ext>
+            </a:extLst>
+          </p:cNvPr>
+          <p:cNvSpPr/>
+          <p:nvPr/>
+        </p:nvSpPr>
+        <p:spPr>
+          <a:xfrm>
+            <a:off x="3826211" y="4975587"/>
+            <a:ext cx="129703" cy="129703"/>
+          </a:xfrm>
+          <a:prstGeom prst="ellipse">
+            <a:avLst/>
+          </a:prstGeom>
+          <a:solidFill>
+            <a:srgbClr val="2778AE"/>
+          </a:solidFill>
+          <a:ln>
+            <a:solidFill>
+              <a:schemeClr val="tx1"/>
+            </a:solidFill>
+          </a:ln>
+        </p:spPr>
+        <p:style>
+          <a:lnRef idx="2">
+            <a:schemeClr val="accent1">
+              <a:shade val="50000"/>
+            </a:schemeClr>
+          </a:lnRef>
+          <a:fillRef idx="1">
+            <a:schemeClr val="accent1"/>
+          </a:fillRef>
+          <a:effectRef idx="0">
+            <a:schemeClr val="accent1"/>
+          </a:effectRef>
+          <a:fontRef idx="minor">
+            <a:schemeClr val="lt1"/>
+          </a:fontRef>
+        </p:style>
+        <p:txBody>
+          <a:bodyPr rtlCol="0" anchor="ctr"/>
+          <a:lstStyle/>
+          <a:p>
+            <a:pPr algn="ctr"/>
+            <a:endParaRPr lang="en-US">
+              <a:latin typeface="Helvetica" pitchFamily="2" charset="0"/>
+            </a:endParaRPr>
+          </a:p>
+        </p:txBody>
+      </p:sp>
+      <p:sp>
+        <p:nvSpPr>
+          <p:cNvPr id="17" name="TextBox 16">
+            <a:extLst>
+              <a:ext uri="{FF2B5EF4-FFF2-40B4-BE49-F238E27FC236}">
+                <a16:creationId xmlns:a16="http://schemas.microsoft.com/office/drawing/2014/main" id="{75967EE1-CA4F-CD58-606B-F8DA1039DC0D}"/>
+              </a:ext>
+            </a:extLst>
+          </p:cNvPr>
+          <p:cNvSpPr txBox="1"/>
+          <p:nvPr/>
+        </p:nvSpPr>
+        <p:spPr>
+          <a:xfrm>
+            <a:off x="5700798" y="5181154"/>
+            <a:ext cx="845291" cy="307777"/>
+          </a:xfrm>
+          <a:prstGeom prst="rect">
+            <a:avLst/>
+          </a:prstGeom>
+          <a:noFill/>
+        </p:spPr>
+        <p:txBody>
+          <a:bodyPr wrap="square">
+            <a:spAutoFit/>
+          </a:bodyPr>
+          <a:lstStyle/>
+          <a:p>
+            <a:pPr algn="ctr"/>
+            <a:r>
+              <a:rPr lang="en-US" sz="1400" dirty="0">
+                <a:latin typeface="Helvetica" pitchFamily="2" charset="0"/>
+              </a:rPr>
+              <a:t>Base</a:t>
+            </a:r>
+          </a:p>
+        </p:txBody>
+      </p:sp>
+      <p:cxnSp>
+        <p:nvCxnSpPr>
+          <p:cNvPr id="20" name="Straight Connector 19">
+            <a:extLst>
+              <a:ext uri="{FF2B5EF4-FFF2-40B4-BE49-F238E27FC236}">
+                <a16:creationId xmlns:a16="http://schemas.microsoft.com/office/drawing/2014/main" id="{E0B7304B-4D94-9918-C35F-1FD8402B52D0}"/>
+              </a:ext>
+            </a:extLst>
+          </p:cNvPr>
+          <p:cNvCxnSpPr>
+            <a:cxnSpLocks/>
+          </p:cNvCxnSpPr>
+          <p:nvPr/>
+        </p:nvCxnSpPr>
+        <p:spPr>
+          <a:xfrm flipH="1">
+            <a:off x="5048865" y="4705004"/>
+            <a:ext cx="794982" cy="78390"/>
+          </a:xfrm>
+          <a:prstGeom prst="line">
+            <a:avLst/>
+          </a:prstGeom>
+          <a:ln w="38100">
+            <a:solidFill>
+              <a:srgbClr val="AB4518"/>
+            </a:solidFill>
+          </a:ln>
+        </p:spPr>
+        <p:style>
+          <a:lnRef idx="1">
+            <a:schemeClr val="accent1"/>
+          </a:lnRef>
+          <a:fillRef idx="0">
+            <a:schemeClr val="accent1"/>
+          </a:fillRef>
+          <a:effectRef idx="0">
+            <a:schemeClr val="accent1"/>
+          </a:effectRef>
+          <a:fontRef idx="minor">
+            <a:schemeClr val="tx1"/>
+          </a:fontRef>
+        </p:style>
+      </p:cxnSp>
+      <p:sp>
+        <p:nvSpPr>
+          <p:cNvPr id="19" name="Oval 18">
+            <a:extLst>
+              <a:ext uri="{FF2B5EF4-FFF2-40B4-BE49-F238E27FC236}">
+                <a16:creationId xmlns:a16="http://schemas.microsoft.com/office/drawing/2014/main" id="{7CF3821F-A00B-9311-0625-7CA891CEB93D}"/>
+              </a:ext>
+            </a:extLst>
+          </p:cNvPr>
+          <p:cNvSpPr/>
+          <p:nvPr/>
+        </p:nvSpPr>
+        <p:spPr>
+          <a:xfrm>
+            <a:off x="4981680" y="4717893"/>
+            <a:ext cx="129703" cy="129703"/>
+          </a:xfrm>
+          <a:prstGeom prst="ellipse">
+            <a:avLst/>
+          </a:prstGeom>
+          <a:solidFill>
+            <a:srgbClr val="AB4518"/>
+          </a:solidFill>
+          <a:ln>
+            <a:solidFill>
+              <a:schemeClr val="tx1"/>
+            </a:solidFill>
+          </a:ln>
+        </p:spPr>
+        <p:style>
+          <a:lnRef idx="2">
+            <a:schemeClr val="accent1">
+              <a:shade val="50000"/>
+            </a:schemeClr>
+          </a:lnRef>
+          <a:fillRef idx="1">
+            <a:schemeClr val="accent1"/>
+          </a:fillRef>
+          <a:effectRef idx="0">
+            <a:schemeClr val="accent1"/>
+          </a:effectRef>
+          <a:fontRef idx="minor">
+            <a:schemeClr val="lt1"/>
+          </a:fontRef>
+        </p:style>
+        <p:txBody>
+          <a:bodyPr rtlCol="0" anchor="ctr"/>
+          <a:lstStyle/>
+          <a:p>
+            <a:pPr algn="ctr"/>
+            <a:endParaRPr lang="en-US">
+              <a:latin typeface="Helvetica" pitchFamily="2" charset="0"/>
+            </a:endParaRPr>
+          </a:p>
+        </p:txBody>
+      </p:sp>
+      <p:sp>
+        <p:nvSpPr>
+          <p:cNvPr id="21" name="Rounded Rectangle 20">
+            <a:extLst>
+              <a:ext uri="{FF2B5EF4-FFF2-40B4-BE49-F238E27FC236}">
+                <a16:creationId xmlns:a16="http://schemas.microsoft.com/office/drawing/2014/main" id="{E9AC5BC7-4473-3275-34E1-6431474646A3}"/>
+              </a:ext>
+            </a:extLst>
+          </p:cNvPr>
+          <p:cNvSpPr/>
+          <p:nvPr/>
+        </p:nvSpPr>
+        <p:spPr>
+          <a:xfrm>
+            <a:off x="5290493" y="4494689"/>
+            <a:ext cx="1063083" cy="431180"/>
+          </a:xfrm>
+          <a:prstGeom prst="roundRect">
+            <a:avLst/>
+          </a:prstGeom>
+          <a:solidFill>
+            <a:srgbClr val="AB4518"/>
+          </a:solidFill>
+          <a:ln>
+            <a:solidFill>
+              <a:schemeClr val="tx1"/>
+            </a:solidFill>
+          </a:ln>
+        </p:spPr>
+        <p:style>
+          <a:lnRef idx="2">
+            <a:schemeClr val="accent1">
+              <a:shade val="50000"/>
+            </a:schemeClr>
+          </a:lnRef>
+          <a:fillRef idx="1">
+            <a:schemeClr val="accent1"/>
+          </a:fillRef>
+          <a:effectRef idx="0">
+            <a:schemeClr val="accent1"/>
+          </a:effectRef>
+          <a:fontRef idx="minor">
+            <a:schemeClr val="lt1"/>
+          </a:fontRef>
+        </p:style>
+        <p:txBody>
+          <a:bodyPr rtlCol="0" anchor="ctr"/>
+          <a:lstStyle/>
+          <a:p>
+            <a:pPr algn="ctr"/>
+            <a:r>
+              <a:rPr lang="en-US">
+                <a:latin typeface="Helvetica" pitchFamily="2" charset="0"/>
+              </a:rPr>
+              <a:t>Link 2</a:t>
+            </a:r>
+            <a:endParaRPr lang="en-US" dirty="0">
+              <a:latin typeface="Helvetica" pitchFamily="2" charset="0"/>
+            </a:endParaRPr>
+          </a:p>
+        </p:txBody>
+      </p:sp>
+      <p:cxnSp>
+        <p:nvCxnSpPr>
+          <p:cNvPr id="26" name="Straight Connector 25">
+            <a:extLst>
+              <a:ext uri="{FF2B5EF4-FFF2-40B4-BE49-F238E27FC236}">
+                <a16:creationId xmlns:a16="http://schemas.microsoft.com/office/drawing/2014/main" id="{ABBBA1DC-D473-9CD2-C9FF-D27403CEBF27}"/>
+              </a:ext>
+            </a:extLst>
+          </p:cNvPr>
+          <p:cNvCxnSpPr>
+            <a:cxnSpLocks/>
+          </p:cNvCxnSpPr>
+          <p:nvPr/>
+        </p:nvCxnSpPr>
+        <p:spPr>
+          <a:xfrm flipH="1">
+            <a:off x="5048865" y="3487784"/>
+            <a:ext cx="794982" cy="78390"/>
+          </a:xfrm>
+          <a:prstGeom prst="line">
+            <a:avLst/>
+          </a:prstGeom>
+          <a:ln w="38100">
+            <a:solidFill>
+              <a:srgbClr val="A97F19"/>
+            </a:solidFill>
+          </a:ln>
+        </p:spPr>
+        <p:style>
+          <a:lnRef idx="1">
+            <a:schemeClr val="accent1"/>
+          </a:lnRef>
+          <a:fillRef idx="0">
+            <a:schemeClr val="accent1"/>
+          </a:fillRef>
+          <a:effectRef idx="0">
+            <a:schemeClr val="accent1"/>
+          </a:effectRef>
+          <a:fontRef idx="minor">
+            <a:schemeClr val="tx1"/>
+          </a:fontRef>
+        </p:style>
+      </p:cxnSp>
+      <p:sp>
+        <p:nvSpPr>
+          <p:cNvPr id="27" name="Oval 26">
+            <a:extLst>
+              <a:ext uri="{FF2B5EF4-FFF2-40B4-BE49-F238E27FC236}">
+                <a16:creationId xmlns:a16="http://schemas.microsoft.com/office/drawing/2014/main" id="{F30BFDF6-9079-1CC6-C7F7-1A5B75EDFA59}"/>
+              </a:ext>
+            </a:extLst>
+          </p:cNvPr>
+          <p:cNvSpPr/>
+          <p:nvPr/>
+        </p:nvSpPr>
+        <p:spPr>
+          <a:xfrm>
+            <a:off x="4981680" y="3500673"/>
+            <a:ext cx="129703" cy="129703"/>
+          </a:xfrm>
+          <a:prstGeom prst="ellipse">
+            <a:avLst/>
+          </a:prstGeom>
+          <a:solidFill>
+            <a:srgbClr val="A97F19"/>
+          </a:solidFill>
+          <a:ln>
+            <a:solidFill>
+              <a:schemeClr val="tx1"/>
+            </a:solidFill>
+          </a:ln>
+        </p:spPr>
+        <p:style>
+          <a:lnRef idx="2">
+            <a:schemeClr val="accent1">
+              <a:shade val="50000"/>
+            </a:schemeClr>
+          </a:lnRef>
+          <a:fillRef idx="1">
+            <a:schemeClr val="accent1"/>
+          </a:fillRef>
+          <a:effectRef idx="0">
+            <a:schemeClr val="accent1"/>
+          </a:effectRef>
+          <a:fontRef idx="minor">
+            <a:schemeClr val="lt1"/>
+          </a:fontRef>
+        </p:style>
+        <p:txBody>
+          <a:bodyPr rtlCol="0" anchor="ctr"/>
+          <a:lstStyle/>
+          <a:p>
+            <a:pPr algn="ctr"/>
+            <a:endParaRPr lang="en-US">
+              <a:latin typeface="Helvetica" pitchFamily="2" charset="0"/>
+            </a:endParaRPr>
+          </a:p>
+        </p:txBody>
+      </p:sp>
+      <p:sp>
+        <p:nvSpPr>
+          <p:cNvPr id="28" name="Rounded Rectangle 27">
+            <a:extLst>
+              <a:ext uri="{FF2B5EF4-FFF2-40B4-BE49-F238E27FC236}">
+                <a16:creationId xmlns:a16="http://schemas.microsoft.com/office/drawing/2014/main" id="{4BEEB72D-53B3-8954-4E27-BCBF0267132F}"/>
+              </a:ext>
+            </a:extLst>
+          </p:cNvPr>
+          <p:cNvSpPr/>
+          <p:nvPr/>
+        </p:nvSpPr>
+        <p:spPr>
+          <a:xfrm>
+            <a:off x="5290493" y="3277469"/>
+            <a:ext cx="1063083" cy="431180"/>
+          </a:xfrm>
+          <a:prstGeom prst="roundRect">
+            <a:avLst/>
+          </a:prstGeom>
+          <a:solidFill>
+            <a:srgbClr val="A97F19"/>
+          </a:solidFill>
+          <a:ln>
+            <a:solidFill>
+              <a:schemeClr val="tx1"/>
+            </a:solidFill>
+          </a:ln>
+        </p:spPr>
+        <p:style>
+          <a:lnRef idx="2">
+            <a:schemeClr val="accent1">
+              <a:shade val="50000"/>
+            </a:schemeClr>
+          </a:lnRef>
+          <a:fillRef idx="1">
+            <a:schemeClr val="accent1"/>
+          </a:fillRef>
+          <a:effectRef idx="0">
+            <a:schemeClr val="accent1"/>
+          </a:effectRef>
+          <a:fontRef idx="minor">
+            <a:schemeClr val="lt1"/>
+          </a:fontRef>
+        </p:style>
+        <p:txBody>
+          <a:bodyPr rtlCol="0" anchor="ctr"/>
+          <a:lstStyle/>
+          <a:p>
+            <a:pPr algn="ctr"/>
+            <a:r>
+              <a:rPr lang="en-US" dirty="0">
+                <a:latin typeface="Helvetica" pitchFamily="2" charset="0"/>
+              </a:rPr>
+              <a:t>Link 3</a:t>
+            </a:r>
+          </a:p>
+        </p:txBody>
+      </p:sp>
+      <p:cxnSp>
+        <p:nvCxnSpPr>
+          <p:cNvPr id="31" name="Straight Connector 30">
+            <a:extLst>
+              <a:ext uri="{FF2B5EF4-FFF2-40B4-BE49-F238E27FC236}">
+                <a16:creationId xmlns:a16="http://schemas.microsoft.com/office/drawing/2014/main" id="{B8699A34-93BB-573E-6F58-6B2537A2DF09}"/>
+              </a:ext>
+            </a:extLst>
+          </p:cNvPr>
+          <p:cNvCxnSpPr>
+            <a:cxnSpLocks/>
+          </p:cNvCxnSpPr>
+          <p:nvPr/>
+        </p:nvCxnSpPr>
+        <p:spPr>
+          <a:xfrm flipH="1" flipV="1">
+            <a:off x="3146961" y="3212275"/>
+            <a:ext cx="790896" cy="26127"/>
+          </a:xfrm>
+          <a:prstGeom prst="line">
+            <a:avLst/>
+          </a:prstGeom>
+          <a:ln w="38100">
+            <a:solidFill>
+              <a:srgbClr val="7030A0"/>
+            </a:solidFill>
+          </a:ln>
+        </p:spPr>
+        <p:style>
+          <a:lnRef idx="1">
+            <a:schemeClr val="accent1"/>
+          </a:lnRef>
+          <a:fillRef idx="0">
+            <a:schemeClr val="accent1"/>
+          </a:fillRef>
+          <a:effectRef idx="0">
+            <a:schemeClr val="accent1"/>
+          </a:effectRef>
+          <a:fontRef idx="minor">
+            <a:schemeClr val="tx1"/>
+          </a:fontRef>
+        </p:style>
+      </p:cxnSp>
+      <p:sp>
+        <p:nvSpPr>
+          <p:cNvPr id="29" name="Oval 28">
+            <a:extLst>
+              <a:ext uri="{FF2B5EF4-FFF2-40B4-BE49-F238E27FC236}">
+                <a16:creationId xmlns:a16="http://schemas.microsoft.com/office/drawing/2014/main" id="{5DD4CAB2-30C9-30AB-5AEF-FC63B7FBDC76}"/>
+              </a:ext>
+            </a:extLst>
+          </p:cNvPr>
+          <p:cNvSpPr/>
+          <p:nvPr/>
+        </p:nvSpPr>
+        <p:spPr>
+          <a:xfrm>
+            <a:off x="3847587" y="3168164"/>
+            <a:ext cx="129703" cy="129703"/>
+          </a:xfrm>
+          <a:prstGeom prst="ellipse">
+            <a:avLst/>
+          </a:prstGeom>
+          <a:solidFill>
+            <a:srgbClr val="7030A0"/>
+          </a:solidFill>
+          <a:ln>
+            <a:solidFill>
+              <a:schemeClr val="tx1"/>
+            </a:solidFill>
+          </a:ln>
+        </p:spPr>
+        <p:style>
+          <a:lnRef idx="2">
+            <a:schemeClr val="accent1">
+              <a:shade val="50000"/>
+            </a:schemeClr>
+          </a:lnRef>
+          <a:fillRef idx="1">
+            <a:schemeClr val="accent1"/>
+          </a:fillRef>
+          <a:effectRef idx="0">
+            <a:schemeClr val="accent1"/>
+          </a:effectRef>
+          <a:fontRef idx="minor">
+            <a:schemeClr val="lt1"/>
+          </a:fontRef>
+        </p:style>
+        <p:txBody>
+          <a:bodyPr rtlCol="0" anchor="ctr"/>
+          <a:lstStyle/>
+          <a:p>
+            <a:pPr algn="ctr"/>
+            <a:endParaRPr lang="en-US">
+              <a:latin typeface="Helvetica" pitchFamily="2" charset="0"/>
+            </a:endParaRPr>
+          </a:p>
+        </p:txBody>
+      </p:sp>
+      <p:sp>
+        <p:nvSpPr>
+          <p:cNvPr id="30" name="Rounded Rectangle 29">
+            <a:extLst>
+              <a:ext uri="{FF2B5EF4-FFF2-40B4-BE49-F238E27FC236}">
+                <a16:creationId xmlns:a16="http://schemas.microsoft.com/office/drawing/2014/main" id="{76827AB3-2705-774F-C739-9DA57ACDF590}"/>
+              </a:ext>
+            </a:extLst>
+          </p:cNvPr>
+          <p:cNvSpPr/>
+          <p:nvPr/>
+        </p:nvSpPr>
+        <p:spPr>
+          <a:xfrm>
+            <a:off x="2624482" y="2944960"/>
+            <a:ext cx="1063083" cy="431180"/>
+          </a:xfrm>
+          <a:prstGeom prst="roundRect">
+            <a:avLst/>
+          </a:prstGeom>
+          <a:solidFill>
+            <a:srgbClr val="7030A0"/>
+          </a:solidFill>
+          <a:ln>
+            <a:solidFill>
+              <a:schemeClr val="tx1"/>
+            </a:solidFill>
+          </a:ln>
+        </p:spPr>
+        <p:style>
+          <a:lnRef idx="2">
+            <a:schemeClr val="accent1">
+              <a:shade val="50000"/>
+            </a:schemeClr>
+          </a:lnRef>
+          <a:fillRef idx="1">
+            <a:schemeClr val="accent1"/>
+          </a:fillRef>
+          <a:effectRef idx="0">
+            <a:schemeClr val="accent1"/>
+          </a:effectRef>
+          <a:fontRef idx="minor">
+            <a:schemeClr val="lt1"/>
+          </a:fontRef>
+        </p:style>
+        <p:txBody>
+          <a:bodyPr rtlCol="0" anchor="ctr"/>
+          <a:lstStyle/>
+          <a:p>
+            <a:pPr algn="ctr"/>
+            <a:r>
+              <a:rPr lang="en-US" dirty="0">
+                <a:latin typeface="Helvetica" pitchFamily="2" charset="0"/>
+              </a:rPr>
+              <a:t>Link 4</a:t>
+            </a:r>
+          </a:p>
+        </p:txBody>
+      </p:sp>
+      <p:cxnSp>
+        <p:nvCxnSpPr>
+          <p:cNvPr id="33" name="Straight Connector 32">
+            <a:extLst>
+              <a:ext uri="{FF2B5EF4-FFF2-40B4-BE49-F238E27FC236}">
+                <a16:creationId xmlns:a16="http://schemas.microsoft.com/office/drawing/2014/main" id="{83DA6F5F-95C8-1369-6073-CC2D213B62C1}"/>
+              </a:ext>
+            </a:extLst>
+          </p:cNvPr>
+          <p:cNvCxnSpPr>
+            <a:cxnSpLocks/>
+          </p:cNvCxnSpPr>
+          <p:nvPr/>
+        </p:nvCxnSpPr>
+        <p:spPr>
+          <a:xfrm flipH="1" flipV="1">
+            <a:off x="3276664" y="2268860"/>
+            <a:ext cx="790896" cy="26127"/>
+          </a:xfrm>
+          <a:prstGeom prst="line">
+            <a:avLst/>
+          </a:prstGeom>
+          <a:ln w="38100">
+            <a:solidFill>
+              <a:schemeClr val="accent6"/>
+            </a:solidFill>
+          </a:ln>
+        </p:spPr>
+        <p:style>
+          <a:lnRef idx="1">
+            <a:schemeClr val="accent1"/>
+          </a:lnRef>
+          <a:fillRef idx="0">
+            <a:schemeClr val="accent1"/>
+          </a:fillRef>
+          <a:effectRef idx="0">
+            <a:schemeClr val="accent1"/>
+          </a:effectRef>
+          <a:fontRef idx="minor">
+            <a:schemeClr val="tx1"/>
+          </a:fontRef>
+        </p:style>
+      </p:cxnSp>
+      <p:sp>
+        <p:nvSpPr>
+          <p:cNvPr id="34" name="Oval 33">
+            <a:extLst>
+              <a:ext uri="{FF2B5EF4-FFF2-40B4-BE49-F238E27FC236}">
+                <a16:creationId xmlns:a16="http://schemas.microsoft.com/office/drawing/2014/main" id="{0A553EF3-31AC-3281-D06A-AAA567413C44}"/>
+              </a:ext>
+            </a:extLst>
+          </p:cNvPr>
+          <p:cNvSpPr/>
+          <p:nvPr/>
+        </p:nvSpPr>
+        <p:spPr>
+          <a:xfrm>
+            <a:off x="3977290" y="2224749"/>
+            <a:ext cx="129703" cy="129703"/>
+          </a:xfrm>
+          <a:prstGeom prst="ellipse">
+            <a:avLst/>
+          </a:prstGeom>
+          <a:solidFill>
+            <a:schemeClr val="accent6"/>
+          </a:solidFill>
+          <a:ln>
+            <a:solidFill>
+              <a:schemeClr val="tx1"/>
+            </a:solidFill>
+          </a:ln>
+        </p:spPr>
+        <p:style>
+          <a:lnRef idx="2">
+            <a:schemeClr val="accent1">
+              <a:shade val="50000"/>
+            </a:schemeClr>
+          </a:lnRef>
+          <a:fillRef idx="1">
+            <a:schemeClr val="accent1"/>
+          </a:fillRef>
+          <a:effectRef idx="0">
+            <a:schemeClr val="accent1"/>
+          </a:effectRef>
+          <a:fontRef idx="minor">
+            <a:schemeClr val="lt1"/>
+          </a:fontRef>
+        </p:style>
+        <p:txBody>
+          <a:bodyPr rtlCol="0" anchor="ctr"/>
+          <a:lstStyle/>
+          <a:p>
+            <a:pPr algn="ctr"/>
+            <a:endParaRPr lang="en-US">
+              <a:latin typeface="Helvetica" pitchFamily="2" charset="0"/>
+            </a:endParaRPr>
+          </a:p>
+        </p:txBody>
+      </p:sp>
+      <p:sp>
+        <p:nvSpPr>
+          <p:cNvPr id="35" name="Rounded Rectangle 34">
+            <a:extLst>
+              <a:ext uri="{FF2B5EF4-FFF2-40B4-BE49-F238E27FC236}">
+                <a16:creationId xmlns:a16="http://schemas.microsoft.com/office/drawing/2014/main" id="{678EFFA4-9AAA-8D66-8173-63793BDA0CEB}"/>
+              </a:ext>
+            </a:extLst>
+          </p:cNvPr>
+          <p:cNvSpPr/>
+          <p:nvPr/>
+        </p:nvSpPr>
+        <p:spPr>
+          <a:xfrm>
+            <a:off x="2754185" y="2001545"/>
+            <a:ext cx="1063083" cy="431180"/>
+          </a:xfrm>
+          <a:prstGeom prst="roundRect">
+            <a:avLst/>
+          </a:prstGeom>
+          <a:solidFill>
+            <a:schemeClr val="accent6"/>
+          </a:solidFill>
+          <a:ln>
+            <a:solidFill>
+              <a:schemeClr val="tx1"/>
+            </a:solidFill>
+          </a:ln>
+        </p:spPr>
+        <p:style>
+          <a:lnRef idx="2">
+            <a:schemeClr val="accent1">
+              <a:shade val="50000"/>
+            </a:schemeClr>
+          </a:lnRef>
+          <a:fillRef idx="1">
+            <a:schemeClr val="accent1"/>
+          </a:fillRef>
+          <a:effectRef idx="0">
+            <a:schemeClr val="accent1"/>
+          </a:effectRef>
+          <a:fontRef idx="minor">
+            <a:schemeClr val="lt1"/>
+          </a:fontRef>
+        </p:style>
+        <p:txBody>
+          <a:bodyPr rtlCol="0" anchor="ctr"/>
+          <a:lstStyle/>
+          <a:p>
+            <a:pPr algn="ctr"/>
+            <a:r>
+              <a:rPr lang="en-US" dirty="0">
+                <a:latin typeface="Helvetica" pitchFamily="2" charset="0"/>
+              </a:rPr>
+              <a:t>Link 5</a:t>
+            </a:r>
+          </a:p>
+        </p:txBody>
+      </p:sp>
+      <p:cxnSp>
+        <p:nvCxnSpPr>
+          <p:cNvPr id="36" name="Straight Connector 35">
+            <a:extLst>
+              <a:ext uri="{FF2B5EF4-FFF2-40B4-BE49-F238E27FC236}">
+                <a16:creationId xmlns:a16="http://schemas.microsoft.com/office/drawing/2014/main" id="{79F59DDA-9141-0EAF-9260-4F24613FB4B9}"/>
+              </a:ext>
+            </a:extLst>
+          </p:cNvPr>
+          <p:cNvCxnSpPr>
+            <a:cxnSpLocks/>
+          </p:cNvCxnSpPr>
+          <p:nvPr/>
+        </p:nvCxnSpPr>
+        <p:spPr>
+          <a:xfrm flipV="1">
+            <a:off x="4912451" y="1645920"/>
+            <a:ext cx="676362" cy="66126"/>
+          </a:xfrm>
+          <a:prstGeom prst="line">
+            <a:avLst/>
+          </a:prstGeom>
+          <a:ln w="38100">
+            <a:solidFill>
+              <a:srgbClr val="00B0F0"/>
+            </a:solidFill>
+          </a:ln>
+        </p:spPr>
+        <p:style>
+          <a:lnRef idx="1">
+            <a:schemeClr val="accent1"/>
+          </a:lnRef>
+          <a:fillRef idx="0">
+            <a:schemeClr val="accent1"/>
+          </a:fillRef>
+          <a:effectRef idx="0">
+            <a:schemeClr val="accent1"/>
+          </a:effectRef>
+          <a:fontRef idx="minor">
+            <a:schemeClr val="tx1"/>
+          </a:fontRef>
+        </p:style>
+      </p:cxnSp>
+      <p:sp>
+        <p:nvSpPr>
+          <p:cNvPr id="37" name="Oval 36">
+            <a:extLst>
+              <a:ext uri="{FF2B5EF4-FFF2-40B4-BE49-F238E27FC236}">
+                <a16:creationId xmlns:a16="http://schemas.microsoft.com/office/drawing/2014/main" id="{43551686-C825-8690-3D14-23DA21F0D613}"/>
+              </a:ext>
+            </a:extLst>
+          </p:cNvPr>
+          <p:cNvSpPr/>
+          <p:nvPr/>
+        </p:nvSpPr>
+        <p:spPr>
+          <a:xfrm flipH="1">
+            <a:off x="4873018" y="1641808"/>
+            <a:ext cx="129703" cy="129703"/>
+          </a:xfrm>
+          <a:prstGeom prst="ellipse">
+            <a:avLst/>
+          </a:prstGeom>
+          <a:solidFill>
+            <a:srgbClr val="00B0F0"/>
+          </a:solidFill>
+          <a:ln>
+            <a:solidFill>
+              <a:schemeClr val="tx1"/>
+            </a:solidFill>
+          </a:ln>
+        </p:spPr>
+        <p:style>
+          <a:lnRef idx="2">
+            <a:schemeClr val="accent1">
+              <a:shade val="50000"/>
+            </a:schemeClr>
+          </a:lnRef>
+          <a:fillRef idx="1">
+            <a:schemeClr val="accent1"/>
+          </a:fillRef>
+          <a:effectRef idx="0">
+            <a:schemeClr val="accent1"/>
+          </a:effectRef>
+          <a:fontRef idx="minor">
+            <a:schemeClr val="lt1"/>
+          </a:fontRef>
+        </p:style>
+        <p:txBody>
+          <a:bodyPr rtlCol="0" anchor="ctr"/>
+          <a:lstStyle/>
+          <a:p>
+            <a:pPr algn="ctr"/>
+            <a:endParaRPr lang="en-US">
+              <a:latin typeface="Helvetica" pitchFamily="2" charset="0"/>
+            </a:endParaRPr>
+          </a:p>
+        </p:txBody>
+      </p:sp>
+      <p:sp>
+        <p:nvSpPr>
+          <p:cNvPr id="38" name="Rounded Rectangle 37">
+            <a:extLst>
+              <a:ext uri="{FF2B5EF4-FFF2-40B4-BE49-F238E27FC236}">
+                <a16:creationId xmlns:a16="http://schemas.microsoft.com/office/drawing/2014/main" id="{0EDF5227-DCD7-AECD-C109-C62E8079DABD}"/>
+              </a:ext>
+            </a:extLst>
+          </p:cNvPr>
+          <p:cNvSpPr/>
+          <p:nvPr/>
+        </p:nvSpPr>
+        <p:spPr>
+          <a:xfrm flipH="1">
+            <a:off x="5162743" y="1418604"/>
+            <a:ext cx="1063083" cy="431180"/>
+          </a:xfrm>
+          <a:prstGeom prst="roundRect">
+            <a:avLst/>
+          </a:prstGeom>
+          <a:solidFill>
+            <a:srgbClr val="00B0F0"/>
+          </a:solidFill>
+          <a:ln>
+            <a:solidFill>
+              <a:schemeClr val="tx1"/>
+            </a:solidFill>
+          </a:ln>
+        </p:spPr>
+        <p:style>
+          <a:lnRef idx="2">
+            <a:schemeClr val="accent1">
+              <a:shade val="50000"/>
+            </a:schemeClr>
+          </a:lnRef>
+          <a:fillRef idx="1">
+            <a:schemeClr val="accent1"/>
+          </a:fillRef>
+          <a:effectRef idx="0">
+            <a:schemeClr val="accent1"/>
+          </a:effectRef>
+          <a:fontRef idx="minor">
+            <a:schemeClr val="lt1"/>
+          </a:fontRef>
+        </p:style>
+        <p:txBody>
+          <a:bodyPr rtlCol="0" anchor="ctr"/>
+          <a:lstStyle/>
+          <a:p>
+            <a:pPr algn="ctr"/>
+            <a:r>
+              <a:rPr lang="en-US" dirty="0">
+                <a:latin typeface="Helvetica" pitchFamily="2" charset="0"/>
+              </a:rPr>
+              <a:t>Link 6</a:t>
+            </a:r>
+          </a:p>
+        </p:txBody>
+      </p:sp>
+      <p:cxnSp>
+        <p:nvCxnSpPr>
+          <p:cNvPr id="44" name="Straight Connector 43">
+            <a:extLst>
+              <a:ext uri="{FF2B5EF4-FFF2-40B4-BE49-F238E27FC236}">
+                <a16:creationId xmlns:a16="http://schemas.microsoft.com/office/drawing/2014/main" id="{972FE6E3-6FE6-4853-3A74-DF3CA97F17C0}"/>
+              </a:ext>
+            </a:extLst>
+          </p:cNvPr>
+          <p:cNvCxnSpPr>
+            <a:cxnSpLocks/>
+          </p:cNvCxnSpPr>
+          <p:nvPr/>
+        </p:nvCxnSpPr>
+        <p:spPr>
+          <a:xfrm flipH="1" flipV="1">
+            <a:off x="4206240" y="694944"/>
+            <a:ext cx="249936" cy="505968"/>
+          </a:xfrm>
+          <a:prstGeom prst="line">
+            <a:avLst/>
+          </a:prstGeom>
+          <a:ln w="38100">
+            <a:solidFill>
+              <a:srgbClr val="C00000"/>
+            </a:solidFill>
+          </a:ln>
+        </p:spPr>
+        <p:style>
+          <a:lnRef idx="1">
+            <a:schemeClr val="accent1"/>
+          </a:lnRef>
+          <a:fillRef idx="0">
+            <a:schemeClr val="accent1"/>
+          </a:fillRef>
+          <a:effectRef idx="0">
+            <a:schemeClr val="accent1"/>
+          </a:effectRef>
+          <a:fontRef idx="minor">
+            <a:schemeClr val="tx1"/>
+          </a:fontRef>
+        </p:style>
+      </p:cxnSp>
+      <p:sp>
+        <p:nvSpPr>
+          <p:cNvPr id="42" name="Oval 41">
+            <a:extLst>
+              <a:ext uri="{FF2B5EF4-FFF2-40B4-BE49-F238E27FC236}">
+                <a16:creationId xmlns:a16="http://schemas.microsoft.com/office/drawing/2014/main" id="{B8F1FF5A-8BAE-9D35-BF1B-2E3C1B3A7716}"/>
+              </a:ext>
+            </a:extLst>
+          </p:cNvPr>
+          <p:cNvSpPr/>
+          <p:nvPr/>
+        </p:nvSpPr>
+        <p:spPr>
+          <a:xfrm>
+            <a:off x="4387488" y="1130887"/>
+            <a:ext cx="129703" cy="129703"/>
+          </a:xfrm>
+          <a:prstGeom prst="ellipse">
+            <a:avLst/>
+          </a:prstGeom>
+          <a:solidFill>
+            <a:srgbClr val="C00000"/>
+          </a:solidFill>
+          <a:ln>
+            <a:solidFill>
+              <a:schemeClr val="tx1"/>
+            </a:solidFill>
+          </a:ln>
+        </p:spPr>
+        <p:style>
+          <a:lnRef idx="2">
+            <a:schemeClr val="accent1">
+              <a:shade val="50000"/>
+            </a:schemeClr>
+          </a:lnRef>
+          <a:fillRef idx="1">
+            <a:schemeClr val="accent1"/>
+          </a:fillRef>
+          <a:effectRef idx="0">
+            <a:schemeClr val="accent1"/>
+          </a:effectRef>
+          <a:fontRef idx="minor">
+            <a:schemeClr val="lt1"/>
+          </a:fontRef>
+        </p:style>
+        <p:txBody>
+          <a:bodyPr rtlCol="0" anchor="ctr"/>
+          <a:lstStyle/>
+          <a:p>
+            <a:pPr algn="ctr"/>
+            <a:endParaRPr lang="en-US">
+              <a:latin typeface="Helvetica" pitchFamily="2" charset="0"/>
+            </a:endParaRPr>
+          </a:p>
+        </p:txBody>
+      </p:sp>
+      <p:sp>
+        <p:nvSpPr>
+          <p:cNvPr id="43" name="Rounded Rectangle 42">
+            <a:extLst>
+              <a:ext uri="{FF2B5EF4-FFF2-40B4-BE49-F238E27FC236}">
+                <a16:creationId xmlns:a16="http://schemas.microsoft.com/office/drawing/2014/main" id="{51813221-4D13-B042-7825-4FE206D53221}"/>
+              </a:ext>
+            </a:extLst>
+          </p:cNvPr>
+          <p:cNvSpPr/>
+          <p:nvPr/>
+        </p:nvSpPr>
+        <p:spPr>
+          <a:xfrm flipH="1">
+            <a:off x="3684320" y="435838"/>
+            <a:ext cx="1063083" cy="431180"/>
+          </a:xfrm>
+          <a:prstGeom prst="roundRect">
+            <a:avLst/>
+          </a:prstGeom>
+          <a:solidFill>
+            <a:srgbClr val="C00000"/>
+          </a:solidFill>
+          <a:ln>
+            <a:solidFill>
+              <a:schemeClr val="tx1"/>
+            </a:solidFill>
+          </a:ln>
+        </p:spPr>
+        <p:style>
+          <a:lnRef idx="2">
+            <a:schemeClr val="accent1">
+              <a:shade val="50000"/>
+            </a:schemeClr>
+          </a:lnRef>
+          <a:fillRef idx="1">
+            <a:schemeClr val="accent1"/>
+          </a:fillRef>
+          <a:effectRef idx="0">
+            <a:schemeClr val="accent1"/>
+          </a:effectRef>
+          <a:fontRef idx="minor">
+            <a:schemeClr val="lt1"/>
+          </a:fontRef>
+        </p:style>
+        <p:txBody>
+          <a:bodyPr rtlCol="0" anchor="ctr"/>
+          <a:lstStyle/>
+          <a:p>
+            <a:pPr algn="ctr"/>
+            <a:r>
+              <a:rPr lang="en-US" dirty="0">
+                <a:latin typeface="Helvetica" pitchFamily="2" charset="0"/>
+              </a:rPr>
+              <a:t>Link 7</a:t>
+            </a:r>
           </a:p>
         </p:txBody>
       </p:sp>
@@ -9583,8 +10915,8 @@
             </a:p>
           </p:txBody>
         </p:sp>
-        <mc:AlternateContent xmlns:mc="http://schemas.openxmlformats.org/markup-compatibility/2006">
-          <mc:Choice xmlns:a14="http://schemas.microsoft.com/office/drawing/2010/main" Requires="a14">
+        <mc:AlternateContent xmlns:mc="http://schemas.openxmlformats.org/markup-compatibility/2006" xmlns:a14="http://schemas.microsoft.com/office/drawing/2010/main">
+          <mc:Choice Requires="a14">
             <p:sp>
               <p:nvSpPr>
                 <p:cNvPr id="40" name="TextBox 39">
@@ -9632,7 +10964,9 @@
                         <m:sSub>
                           <m:sSubPr>
                             <m:ctrlPr>
-                              <a:rPr lang="en-US" altLang="ko-KR" sz="2000" i="1" smtClean="0"/>
+                              <a:rPr lang="en-US" altLang="ko-KR" sz="2000" i="1" smtClean="0">
+                                <a:latin typeface="Cambria Math" panose="02040503050406030204" pitchFamily="18" charset="0"/>
+                              </a:rPr>
                             </m:ctrlPr>
                           </m:sSubPr>
                           <m:e>
@@ -9640,7 +10974,9 @@
                               <m:accPr>
                                 <m:chr m:val="̂"/>
                                 <m:ctrlPr>
-                                  <a:rPr lang="en-US" altLang="ko-KR" sz="2000" i="1"/>
+                                  <a:rPr lang="en-US" altLang="ko-KR" sz="2000" i="1">
+                                    <a:latin typeface="Cambria Math" panose="02040503050406030204" pitchFamily="18" charset="0"/>
+                                  </a:rPr>
                                 </m:ctrlPr>
                               </m:accPr>
                               <m:e>
@@ -9648,7 +10984,9 @@
                                   <m:rPr>
                                     <m:sty m:val="p"/>
                                   </m:rPr>
-                                  <a:rPr lang="en-US" altLang="ko-KR" sz="2000"/>
+                                  <a:rPr lang="en-US" altLang="ko-KR" sz="2000">
+                                    <a:latin typeface="Cambria Math" panose="02040503050406030204" pitchFamily="18" charset="0"/>
+                                  </a:rPr>
                                   <m:t>e</m:t>
                                 </m:r>
                               </m:e>
@@ -9674,7 +11012,7 @@
               </p:txBody>
             </p:sp>
           </mc:Choice>
-          <mc:Fallback>
+          <mc:Fallback xmlns="">
             <p:sp>
               <p:nvSpPr>
                 <p:cNvPr id="40" name="TextBox 39">
@@ -9719,8 +11057,8 @@
             </p:sp>
           </mc:Fallback>
         </mc:AlternateContent>
-        <mc:AlternateContent xmlns:mc="http://schemas.openxmlformats.org/markup-compatibility/2006">
-          <mc:Choice xmlns:a14="http://schemas.microsoft.com/office/drawing/2010/main" Requires="a14">
+        <mc:AlternateContent xmlns:mc="http://schemas.openxmlformats.org/markup-compatibility/2006" xmlns:a14="http://schemas.microsoft.com/office/drawing/2010/main">
+          <mc:Choice Requires="a14">
             <p:sp>
               <p:nvSpPr>
                 <p:cNvPr id="41" name="TextBox 40">
@@ -9768,7 +11106,9 @@
                         <m:sSub>
                           <m:sSubPr>
                             <m:ctrlPr>
-                              <a:rPr lang="en-US" altLang="ko-KR" sz="2000" i="1" smtClean="0"/>
+                              <a:rPr lang="en-US" altLang="ko-KR" sz="2000" i="1" smtClean="0">
+                                <a:latin typeface="Cambria Math" panose="02040503050406030204" pitchFamily="18" charset="0"/>
+                              </a:rPr>
                             </m:ctrlPr>
                           </m:sSubPr>
                           <m:e>
@@ -9776,7 +11116,9 @@
                               <m:accPr>
                                 <m:chr m:val="̂"/>
                                 <m:ctrlPr>
-                                  <a:rPr lang="en-US" altLang="ko-KR" sz="2000" i="1"/>
+                                  <a:rPr lang="en-US" altLang="ko-KR" sz="2000" i="1">
+                                    <a:latin typeface="Cambria Math" panose="02040503050406030204" pitchFamily="18" charset="0"/>
+                                  </a:rPr>
                                 </m:ctrlPr>
                               </m:accPr>
                               <m:e>
@@ -9784,7 +11126,9 @@
                                   <m:rPr>
                                     <m:sty m:val="p"/>
                                   </m:rPr>
-                                  <a:rPr lang="en-US" altLang="ko-KR" sz="2000"/>
+                                  <a:rPr lang="en-US" altLang="ko-KR" sz="2000">
+                                    <a:latin typeface="Cambria Math" panose="02040503050406030204" pitchFamily="18" charset="0"/>
+                                  </a:rPr>
                                   <m:t>e</m:t>
                                 </m:r>
                               </m:e>
@@ -9810,7 +11154,7 @@
               </p:txBody>
             </p:sp>
           </mc:Choice>
-          <mc:Fallback>
+          <mc:Fallback xmlns="">
             <p:sp>
               <p:nvSpPr>
                 <p:cNvPr id="41" name="TextBox 40">
@@ -9855,8 +11199,8 @@
             </p:sp>
           </mc:Fallback>
         </mc:AlternateContent>
-        <mc:AlternateContent xmlns:mc="http://schemas.openxmlformats.org/markup-compatibility/2006">
-          <mc:Choice xmlns:a14="http://schemas.microsoft.com/office/drawing/2010/main" Requires="a14">
+        <mc:AlternateContent xmlns:mc="http://schemas.openxmlformats.org/markup-compatibility/2006" xmlns:a14="http://schemas.microsoft.com/office/drawing/2010/main">
+          <mc:Choice Requires="a14">
             <p:sp>
               <p:nvSpPr>
                 <p:cNvPr id="42" name="TextBox 41">
@@ -9906,7 +11250,7 @@
               </p:txBody>
             </p:sp>
           </mc:Choice>
-          <mc:Fallback>
+          <mc:Fallback xmlns="">
             <p:sp>
               <p:nvSpPr>
                 <p:cNvPr id="42" name="TextBox 41">
@@ -9951,8 +11295,8 @@
             </p:sp>
           </mc:Fallback>
         </mc:AlternateContent>
-        <mc:AlternateContent xmlns:mc="http://schemas.openxmlformats.org/markup-compatibility/2006">
-          <mc:Choice xmlns:a14="http://schemas.microsoft.com/office/drawing/2010/main" Requires="a14">
+        <mc:AlternateContent xmlns:mc="http://schemas.openxmlformats.org/markup-compatibility/2006" xmlns:a14="http://schemas.microsoft.com/office/drawing/2010/main">
+          <mc:Choice Requires="a14">
             <p:sp>
               <p:nvSpPr>
                 <p:cNvPr id="43" name="Rounded Rectangle 7">
@@ -10069,7 +11413,7 @@
               </p:txBody>
             </p:sp>
           </mc:Choice>
-          <mc:Fallback>
+          <mc:Fallback xmlns="">
             <p:sp>
               <p:nvSpPr>
                 <p:cNvPr id="43" name="Rounded Rectangle 7">
@@ -10121,8 +11465,8 @@
             </p:sp>
           </mc:Fallback>
         </mc:AlternateContent>
-        <mc:AlternateContent xmlns:mc="http://schemas.openxmlformats.org/markup-compatibility/2006">
-          <mc:Choice xmlns:a14="http://schemas.microsoft.com/office/drawing/2010/main" Requires="a14">
+        <mc:AlternateContent xmlns:mc="http://schemas.openxmlformats.org/markup-compatibility/2006" xmlns:a14="http://schemas.microsoft.com/office/drawing/2010/main">
+          <mc:Choice Requires="a14">
             <p:sp>
               <p:nvSpPr>
                 <p:cNvPr id="50" name="TextBox 49">
@@ -10170,7 +11514,9 @@
                         <m:sSub>
                           <m:sSubPr>
                             <m:ctrlPr>
-                              <a:rPr lang="en-US" altLang="ko-KR" sz="2000" i="1" smtClean="0"/>
+                              <a:rPr lang="en-US" altLang="ko-KR" sz="2000" i="1" smtClean="0">
+                                <a:latin typeface="Cambria Math" panose="02040503050406030204" pitchFamily="18" charset="0"/>
+                              </a:rPr>
                             </m:ctrlPr>
                           </m:sSubPr>
                           <m:e>
@@ -10178,7 +11524,9 @@
                               <m:accPr>
                                 <m:chr m:val="̂"/>
                                 <m:ctrlPr>
-                                  <a:rPr lang="en-US" altLang="ko-KR" sz="2000" i="1"/>
+                                  <a:rPr lang="en-US" altLang="ko-KR" sz="2000" i="1">
+                                    <a:latin typeface="Cambria Math" panose="02040503050406030204" pitchFamily="18" charset="0"/>
+                                  </a:rPr>
                                 </m:ctrlPr>
                               </m:accPr>
                               <m:e>
@@ -10186,7 +11534,9 @@
                                   <m:rPr>
                                     <m:sty m:val="p"/>
                                   </m:rPr>
-                                  <a:rPr lang="en-US" altLang="ko-KR" sz="2000"/>
+                                  <a:rPr lang="en-US" altLang="ko-KR" sz="2000">
+                                    <a:latin typeface="Cambria Math" panose="02040503050406030204" pitchFamily="18" charset="0"/>
+                                  </a:rPr>
                                   <m:t>e</m:t>
                                 </m:r>
                               </m:e>
@@ -10212,7 +11562,7 @@
               </p:txBody>
             </p:sp>
           </mc:Choice>
-          <mc:Fallback>
+          <mc:Fallback xmlns="">
             <p:sp>
               <p:nvSpPr>
                 <p:cNvPr id="50" name="TextBox 49">
@@ -12034,8 +13384,8 @@
             </a:p>
           </p:txBody>
         </p:sp>
-        <mc:AlternateContent xmlns:mc="http://schemas.openxmlformats.org/markup-compatibility/2006">
-          <mc:Choice xmlns:a14="http://schemas.microsoft.com/office/drawing/2010/main" Requires="a14">
+        <mc:AlternateContent xmlns:mc="http://schemas.openxmlformats.org/markup-compatibility/2006" xmlns:a14="http://schemas.microsoft.com/office/drawing/2010/main">
+          <mc:Choice Requires="a14">
             <p:sp>
               <p:nvSpPr>
                 <p:cNvPr id="40" name="TextBox 39">
@@ -12083,7 +13433,9 @@
                         <m:sSub>
                           <m:sSubPr>
                             <m:ctrlPr>
-                              <a:rPr lang="en-US" altLang="ko-KR" sz="2000" i="1" smtClean="0"/>
+                              <a:rPr lang="en-US" altLang="ko-KR" sz="2000" i="1" smtClean="0">
+                                <a:latin typeface="Cambria Math" panose="02040503050406030204" pitchFamily="18" charset="0"/>
+                              </a:rPr>
                             </m:ctrlPr>
                           </m:sSubPr>
                           <m:e>
@@ -12091,7 +13443,9 @@
                               <m:accPr>
                                 <m:chr m:val="̂"/>
                                 <m:ctrlPr>
-                                  <a:rPr lang="en-US" altLang="ko-KR" sz="2000" i="1"/>
+                                  <a:rPr lang="en-US" altLang="ko-KR" sz="2000" i="1">
+                                    <a:latin typeface="Cambria Math" panose="02040503050406030204" pitchFamily="18" charset="0"/>
+                                  </a:rPr>
                                 </m:ctrlPr>
                               </m:accPr>
                               <m:e>
@@ -12099,7 +13453,9 @@
                                   <m:rPr>
                                     <m:sty m:val="p"/>
                                   </m:rPr>
-                                  <a:rPr lang="en-US" altLang="ko-KR" sz="2000"/>
+                                  <a:rPr lang="en-US" altLang="ko-KR" sz="2000">
+                                    <a:latin typeface="Cambria Math" panose="02040503050406030204" pitchFamily="18" charset="0"/>
+                                  </a:rPr>
                                   <m:t>e</m:t>
                                 </m:r>
                               </m:e>
@@ -12125,7 +13481,7 @@
               </p:txBody>
             </p:sp>
           </mc:Choice>
-          <mc:Fallback>
+          <mc:Fallback xmlns="">
             <p:sp>
               <p:nvSpPr>
                 <p:cNvPr id="40" name="TextBox 39">
@@ -12170,8 +13526,8 @@
             </p:sp>
           </mc:Fallback>
         </mc:AlternateContent>
-        <mc:AlternateContent xmlns:mc="http://schemas.openxmlformats.org/markup-compatibility/2006">
-          <mc:Choice xmlns:a14="http://schemas.microsoft.com/office/drawing/2010/main" Requires="a14">
+        <mc:AlternateContent xmlns:mc="http://schemas.openxmlformats.org/markup-compatibility/2006" xmlns:a14="http://schemas.microsoft.com/office/drawing/2010/main">
+          <mc:Choice Requires="a14">
             <p:sp>
               <p:nvSpPr>
                 <p:cNvPr id="41" name="TextBox 40">
@@ -12219,7 +13575,9 @@
                         <m:sSub>
                           <m:sSubPr>
                             <m:ctrlPr>
-                              <a:rPr lang="en-US" altLang="ko-KR" sz="2000" i="1" smtClean="0"/>
+                              <a:rPr lang="en-US" altLang="ko-KR" sz="2000" i="1" smtClean="0">
+                                <a:latin typeface="Cambria Math" panose="02040503050406030204" pitchFamily="18" charset="0"/>
+                              </a:rPr>
                             </m:ctrlPr>
                           </m:sSubPr>
                           <m:e>
@@ -12227,7 +13585,9 @@
                               <m:accPr>
                                 <m:chr m:val="̂"/>
                                 <m:ctrlPr>
-                                  <a:rPr lang="en-US" altLang="ko-KR" sz="2000" i="1"/>
+                                  <a:rPr lang="en-US" altLang="ko-KR" sz="2000" i="1">
+                                    <a:latin typeface="Cambria Math" panose="02040503050406030204" pitchFamily="18" charset="0"/>
+                                  </a:rPr>
                                 </m:ctrlPr>
                               </m:accPr>
                               <m:e>
@@ -12235,7 +13595,9 @@
                                   <m:rPr>
                                     <m:sty m:val="p"/>
                                   </m:rPr>
-                                  <a:rPr lang="en-US" altLang="ko-KR" sz="2000"/>
+                                  <a:rPr lang="en-US" altLang="ko-KR" sz="2000">
+                                    <a:latin typeface="Cambria Math" panose="02040503050406030204" pitchFamily="18" charset="0"/>
+                                  </a:rPr>
                                   <m:t>e</m:t>
                                 </m:r>
                               </m:e>
@@ -12261,7 +13623,7 @@
               </p:txBody>
             </p:sp>
           </mc:Choice>
-          <mc:Fallback>
+          <mc:Fallback xmlns="">
             <p:sp>
               <p:nvSpPr>
                 <p:cNvPr id="41" name="TextBox 40">
@@ -12306,8 +13668,8 @@
             </p:sp>
           </mc:Fallback>
         </mc:AlternateContent>
-        <mc:AlternateContent xmlns:mc="http://schemas.openxmlformats.org/markup-compatibility/2006">
-          <mc:Choice xmlns:a14="http://schemas.microsoft.com/office/drawing/2010/main" Requires="a14">
+        <mc:AlternateContent xmlns:mc="http://schemas.openxmlformats.org/markup-compatibility/2006" xmlns:a14="http://schemas.microsoft.com/office/drawing/2010/main">
+          <mc:Choice Requires="a14">
             <p:sp>
               <p:nvSpPr>
                 <p:cNvPr id="42" name="TextBox 41">
@@ -12357,7 +13719,7 @@
               </p:txBody>
             </p:sp>
           </mc:Choice>
-          <mc:Fallback>
+          <mc:Fallback xmlns="">
             <p:sp>
               <p:nvSpPr>
                 <p:cNvPr id="42" name="TextBox 41">
@@ -12402,8 +13764,8 @@
             </p:sp>
           </mc:Fallback>
         </mc:AlternateContent>
-        <mc:AlternateContent xmlns:mc="http://schemas.openxmlformats.org/markup-compatibility/2006">
-          <mc:Choice xmlns:a14="http://schemas.microsoft.com/office/drawing/2010/main" Requires="a14">
+        <mc:AlternateContent xmlns:mc="http://schemas.openxmlformats.org/markup-compatibility/2006" xmlns:a14="http://schemas.microsoft.com/office/drawing/2010/main">
+          <mc:Choice Requires="a14">
             <p:sp>
               <p:nvSpPr>
                 <p:cNvPr id="43" name="Rounded Rectangle 7">
@@ -12520,7 +13882,7 @@
               </p:txBody>
             </p:sp>
           </mc:Choice>
-          <mc:Fallback>
+          <mc:Fallback xmlns="">
             <p:sp>
               <p:nvSpPr>
                 <p:cNvPr id="43" name="Rounded Rectangle 7">
@@ -12572,8 +13934,8 @@
             </p:sp>
           </mc:Fallback>
         </mc:AlternateContent>
-        <mc:AlternateContent xmlns:mc="http://schemas.openxmlformats.org/markup-compatibility/2006">
-          <mc:Choice xmlns:a14="http://schemas.microsoft.com/office/drawing/2010/main" Requires="a14">
+        <mc:AlternateContent xmlns:mc="http://schemas.openxmlformats.org/markup-compatibility/2006" xmlns:a14="http://schemas.microsoft.com/office/drawing/2010/main">
+          <mc:Choice Requires="a14">
             <p:sp>
               <p:nvSpPr>
                 <p:cNvPr id="50" name="TextBox 49">
@@ -12621,7 +13983,9 @@
                         <m:sSub>
                           <m:sSubPr>
                             <m:ctrlPr>
-                              <a:rPr lang="en-US" altLang="ko-KR" sz="2000" i="1" smtClean="0"/>
+                              <a:rPr lang="en-US" altLang="ko-KR" sz="2000" i="1" smtClean="0">
+                                <a:latin typeface="Cambria Math" panose="02040503050406030204" pitchFamily="18" charset="0"/>
+                              </a:rPr>
                             </m:ctrlPr>
                           </m:sSubPr>
                           <m:e>
@@ -12629,7 +13993,9 @@
                               <m:accPr>
                                 <m:chr m:val="̂"/>
                                 <m:ctrlPr>
-                                  <a:rPr lang="en-US" altLang="ko-KR" sz="2000" i="1"/>
+                                  <a:rPr lang="en-US" altLang="ko-KR" sz="2000" i="1">
+                                    <a:latin typeface="Cambria Math" panose="02040503050406030204" pitchFamily="18" charset="0"/>
+                                  </a:rPr>
                                 </m:ctrlPr>
                               </m:accPr>
                               <m:e>
@@ -12637,7 +14003,9 @@
                                   <m:rPr>
                                     <m:sty m:val="p"/>
                                   </m:rPr>
-                                  <a:rPr lang="en-US" altLang="ko-KR" sz="2000"/>
+                                  <a:rPr lang="en-US" altLang="ko-KR" sz="2000">
+                                    <a:latin typeface="Cambria Math" panose="02040503050406030204" pitchFamily="18" charset="0"/>
+                                  </a:rPr>
                                   <m:t>e</m:t>
                                 </m:r>
                               </m:e>
@@ -12663,7 +14031,7 @@
               </p:txBody>
             </p:sp>
           </mc:Choice>
-          <mc:Fallback>
+          <mc:Fallback xmlns="">
             <p:sp>
               <p:nvSpPr>
                 <p:cNvPr id="50" name="TextBox 49">

--- a/source/images/images.pptx
+++ b/source/images/images.pptx
@@ -5,7 +5,7 @@
     <p:sldMasterId id="2147483672" r:id="rId1"/>
   </p:sldMasterIdLst>
   <p:notesMasterIdLst>
-    <p:notesMasterId r:id="rId9"/>
+    <p:notesMasterId r:id="rId10"/>
   </p:notesMasterIdLst>
   <p:sldIdLst>
     <p:sldId id="257" r:id="rId2"/>
@@ -15,6 +15,7 @@
     <p:sldId id="263" r:id="rId6"/>
     <p:sldId id="261" r:id="rId7"/>
     <p:sldId id="262" r:id="rId8"/>
+    <p:sldId id="264" r:id="rId9"/>
   </p:sldIdLst>
   <p:sldSz cx="6858000" cy="6858000"/>
   <p:notesSz cx="6858000" cy="9144000"/>
@@ -214,7 +215,7 @@
           <a:p>
             <a:fld id="{A931C0ED-D60B-E940-AEAE-F8B90FC69403}" type="datetimeFigureOut">
               <a:rPr lang="en-US" smtClean="0"/>
-              <a:t>3/18/23</a:t>
+              <a:t>3/19/23</a:t>
             </a:fld>
             <a:endParaRPr lang="en-US"/>
           </a:p>
@@ -525,7 +526,10 @@
           <a:bodyPr/>
           <a:lstStyle/>
           <a:p>
-            <a:endParaRPr lang="en-US" dirty="0"/>
+            <a:r>
+              <a:rPr lang="en-US" dirty="0"/>
+              <a:t>iiwa7</a:t>
+            </a:r>
           </a:p>
         </p:txBody>
       </p:sp>
@@ -609,7 +613,10 @@
           <a:bodyPr/>
           <a:lstStyle/>
           <a:p>
-            <a:endParaRPr lang="en-US" dirty="0"/>
+            <a:r>
+              <a:rPr lang="en-US" dirty="0"/>
+              <a:t>iiwa7</a:t>
+            </a:r>
           </a:p>
         </p:txBody>
       </p:sp>
@@ -693,7 +700,10 @@
           <a:bodyPr/>
           <a:lstStyle/>
           <a:p>
-            <a:endParaRPr lang="en-US" dirty="0"/>
+            <a:r>
+              <a:rPr lang="en-US" dirty="0"/>
+              <a:t>iiwa7</a:t>
+            </a:r>
           </a:p>
         </p:txBody>
       </p:sp>
@@ -724,6 +734,93 @@
     <p:extLst>
       <p:ext uri="{BB962C8B-B14F-4D97-AF65-F5344CB8AC3E}">
         <p14:creationId xmlns:p14="http://schemas.microsoft.com/office/powerpoint/2010/main" val="3129570800"/>
+      </p:ext>
+    </p:extLst>
+  </p:cSld>
+  <p:clrMapOvr>
+    <a:masterClrMapping/>
+  </p:clrMapOvr>
+</p:notes>
+</file>
+
+<file path=ppt/notesSlides/notesSlide4.xml><?xml version="1.0" encoding="utf-8"?>
+<p:notes xmlns:a="http://schemas.openxmlformats.org/drawingml/2006/main" xmlns:r="http://schemas.openxmlformats.org/officeDocument/2006/relationships" xmlns:p="http://schemas.openxmlformats.org/presentationml/2006/main">
+  <p:cSld>
+    <p:spTree>
+      <p:nvGrpSpPr>
+        <p:cNvPr id="1" name=""/>
+        <p:cNvGrpSpPr/>
+        <p:nvPr/>
+      </p:nvGrpSpPr>
+      <p:grpSpPr>
+        <a:xfrm>
+          <a:off x="0" y="0"/>
+          <a:ext cx="0" cy="0"/>
+          <a:chOff x="0" y="0"/>
+          <a:chExt cx="0" cy="0"/>
+        </a:xfrm>
+      </p:grpSpPr>
+      <p:sp>
+        <p:nvSpPr>
+          <p:cNvPr id="2" name="Slide Image Placeholder 1"/>
+          <p:cNvSpPr>
+            <a:spLocks noGrp="1" noRot="1" noChangeAspect="1"/>
+          </p:cNvSpPr>
+          <p:nvPr>
+            <p:ph type="sldImg"/>
+          </p:nvPr>
+        </p:nvSpPr>
+        <p:spPr/>
+      </p:sp>
+      <p:sp>
+        <p:nvSpPr>
+          <p:cNvPr id="3" name="Notes Placeholder 2"/>
+          <p:cNvSpPr>
+            <a:spLocks noGrp="1"/>
+          </p:cNvSpPr>
+          <p:nvPr>
+            <p:ph type="body" idx="1"/>
+          </p:nvPr>
+        </p:nvSpPr>
+        <p:spPr/>
+        <p:txBody>
+          <a:bodyPr/>
+          <a:lstStyle/>
+          <a:p>
+            <a:r>
+              <a:rPr lang="en-US" dirty="0"/>
+              <a:t>iiwa14</a:t>
+            </a:r>
+          </a:p>
+        </p:txBody>
+      </p:sp>
+      <p:sp>
+        <p:nvSpPr>
+          <p:cNvPr id="4" name="Slide Number Placeholder 3"/>
+          <p:cNvSpPr>
+            <a:spLocks noGrp="1"/>
+          </p:cNvSpPr>
+          <p:nvPr>
+            <p:ph type="sldNum" sz="quarter" idx="5"/>
+          </p:nvPr>
+        </p:nvSpPr>
+        <p:spPr/>
+        <p:txBody>
+          <a:bodyPr/>
+          <a:lstStyle/>
+          <a:p>
+            <a:fld id="{A31D0361-6903-F04B-A7A4-97C87F5C812C}" type="slidenum">
+              <a:rPr lang="en-US" smtClean="0"/>
+              <a:t>8</a:t>
+            </a:fld>
+            <a:endParaRPr lang="en-US"/>
+          </a:p>
+        </p:txBody>
+      </p:sp>
+    </p:spTree>
+    <p:extLst>
+      <p:ext uri="{BB962C8B-B14F-4D97-AF65-F5344CB8AC3E}">
+        <p14:creationId xmlns:p14="http://schemas.microsoft.com/office/powerpoint/2010/main" val="4075246198"/>
       </p:ext>
     </p:extLst>
   </p:cSld>
@@ -864,7 +961,7 @@
           <a:p>
             <a:fld id="{1AE40B97-6DC4-B54E-841D-F36C7B85E1B8}" type="datetimeFigureOut">
               <a:rPr lang="en-US" smtClean="0"/>
-              <a:t>3/18/23</a:t>
+              <a:t>3/19/23</a:t>
             </a:fld>
             <a:endParaRPr lang="en-US"/>
           </a:p>
@@ -1034,7 +1131,7 @@
           <a:p>
             <a:fld id="{1AE40B97-6DC4-B54E-841D-F36C7B85E1B8}" type="datetimeFigureOut">
               <a:rPr lang="en-US" smtClean="0"/>
-              <a:t>3/18/23</a:t>
+              <a:t>3/19/23</a:t>
             </a:fld>
             <a:endParaRPr lang="en-US"/>
           </a:p>
@@ -1214,7 +1311,7 @@
           <a:p>
             <a:fld id="{1AE40B97-6DC4-B54E-841D-F36C7B85E1B8}" type="datetimeFigureOut">
               <a:rPr lang="en-US" smtClean="0"/>
-              <a:t>3/18/23</a:t>
+              <a:t>3/19/23</a:t>
             </a:fld>
             <a:endParaRPr lang="en-US"/>
           </a:p>
@@ -1384,7 +1481,7 @@
           <a:p>
             <a:fld id="{1AE40B97-6DC4-B54E-841D-F36C7B85E1B8}" type="datetimeFigureOut">
               <a:rPr lang="en-US" smtClean="0"/>
-              <a:t>3/18/23</a:t>
+              <a:t>3/19/23</a:t>
             </a:fld>
             <a:endParaRPr lang="en-US"/>
           </a:p>
@@ -1628,7 +1725,7 @@
           <a:p>
             <a:fld id="{1AE40B97-6DC4-B54E-841D-F36C7B85E1B8}" type="datetimeFigureOut">
               <a:rPr lang="en-US" smtClean="0"/>
-              <a:t>3/18/23</a:t>
+              <a:t>3/19/23</a:t>
             </a:fld>
             <a:endParaRPr lang="en-US"/>
           </a:p>
@@ -1860,7 +1957,7 @@
           <a:p>
             <a:fld id="{1AE40B97-6DC4-B54E-841D-F36C7B85E1B8}" type="datetimeFigureOut">
               <a:rPr lang="en-US" smtClean="0"/>
-              <a:t>3/18/23</a:t>
+              <a:t>3/19/23</a:t>
             </a:fld>
             <a:endParaRPr lang="en-US"/>
           </a:p>
@@ -2227,7 +2324,7 @@
           <a:p>
             <a:fld id="{1AE40B97-6DC4-B54E-841D-F36C7B85E1B8}" type="datetimeFigureOut">
               <a:rPr lang="en-US" smtClean="0"/>
-              <a:t>3/18/23</a:t>
+              <a:t>3/19/23</a:t>
             </a:fld>
             <a:endParaRPr lang="en-US"/>
           </a:p>
@@ -2345,7 +2442,7 @@
           <a:p>
             <a:fld id="{1AE40B97-6DC4-B54E-841D-F36C7B85E1B8}" type="datetimeFigureOut">
               <a:rPr lang="en-US" smtClean="0"/>
-              <a:t>3/18/23</a:t>
+              <a:t>3/19/23</a:t>
             </a:fld>
             <a:endParaRPr lang="en-US"/>
           </a:p>
@@ -2440,7 +2537,7 @@
           <a:p>
             <a:fld id="{1AE40B97-6DC4-B54E-841D-F36C7B85E1B8}" type="datetimeFigureOut">
               <a:rPr lang="en-US" smtClean="0"/>
-              <a:t>3/18/23</a:t>
+              <a:t>3/19/23</a:t>
             </a:fld>
             <a:endParaRPr lang="en-US"/>
           </a:p>
@@ -2717,7 +2814,7 @@
           <a:p>
             <a:fld id="{1AE40B97-6DC4-B54E-841D-F36C7B85E1B8}" type="datetimeFigureOut">
               <a:rPr lang="en-US" smtClean="0"/>
-              <a:t>3/18/23</a:t>
+              <a:t>3/19/23</a:t>
             </a:fld>
             <a:endParaRPr lang="en-US"/>
           </a:p>
@@ -2974,7 +3071,7 @@
           <a:p>
             <a:fld id="{1AE40B97-6DC4-B54E-841D-F36C7B85E1B8}" type="datetimeFigureOut">
               <a:rPr lang="en-US" smtClean="0"/>
-              <a:t>3/18/23</a:t>
+              <a:t>3/19/23</a:t>
             </a:fld>
             <a:endParaRPr lang="en-US"/>
           </a:p>
@@ -3187,7 +3284,7 @@
           <a:p>
             <a:fld id="{1AE40B97-6DC4-B54E-841D-F36C7B85E1B8}" type="datetimeFigureOut">
               <a:rPr lang="en-US" smtClean="0"/>
-              <a:t>3/18/23</a:t>
+              <a:t>3/19/23</a:t>
             </a:fld>
             <a:endParaRPr lang="en-US"/>
           </a:p>
@@ -16082,6 +16179,90 @@
 </p:sld>
 </file>
 
+<file path=ppt/slides/slide8.xml><?xml version="1.0" encoding="utf-8"?>
+<p:sld xmlns:a="http://schemas.openxmlformats.org/drawingml/2006/main" xmlns:r="http://schemas.openxmlformats.org/officeDocument/2006/relationships" xmlns:p="http://schemas.openxmlformats.org/presentationml/2006/main">
+  <p:cSld>
+    <p:spTree>
+      <p:nvGrpSpPr>
+        <p:cNvPr id="1" name=""/>
+        <p:cNvGrpSpPr/>
+        <p:nvPr/>
+      </p:nvGrpSpPr>
+      <p:grpSpPr>
+        <a:xfrm>
+          <a:off x="0" y="0"/>
+          <a:ext cx="0" cy="0"/>
+          <a:chOff x="0" y="0"/>
+          <a:chExt cx="0" cy="0"/>
+        </a:xfrm>
+      </p:grpSpPr>
+      <p:sp>
+        <p:nvSpPr>
+          <p:cNvPr id="24" name="Rounded Rectangle 23">
+            <a:extLst>
+              <a:ext uri="{FF2B5EF4-FFF2-40B4-BE49-F238E27FC236}">
+                <a16:creationId xmlns:a16="http://schemas.microsoft.com/office/drawing/2014/main" id="{13C32372-74E2-D935-7826-E3067BE56693}"/>
+              </a:ext>
+            </a:extLst>
+          </p:cNvPr>
+          <p:cNvSpPr/>
+          <p:nvPr/>
+        </p:nvSpPr>
+        <p:spPr>
+          <a:xfrm>
+            <a:off x="95533" y="95533"/>
+            <a:ext cx="6684645" cy="6192533"/>
+          </a:xfrm>
+          <a:prstGeom prst="roundRect">
+            <a:avLst>
+              <a:gd name="adj" fmla="val 2166"/>
+            </a:avLst>
+          </a:prstGeom>
+          <a:noFill/>
+          <a:ln w="38100">
+            <a:solidFill>
+              <a:schemeClr val="tx1"/>
+            </a:solidFill>
+          </a:ln>
+        </p:spPr>
+        <p:style>
+          <a:lnRef idx="2">
+            <a:schemeClr val="accent1">
+              <a:shade val="50000"/>
+            </a:schemeClr>
+          </a:lnRef>
+          <a:fillRef idx="1">
+            <a:schemeClr val="accent1"/>
+          </a:fillRef>
+          <a:effectRef idx="0">
+            <a:schemeClr val="accent1"/>
+          </a:effectRef>
+          <a:fontRef idx="minor">
+            <a:schemeClr val="lt1"/>
+          </a:fontRef>
+        </p:style>
+        <p:txBody>
+          <a:bodyPr rtlCol="0" anchor="ctr"/>
+          <a:lstStyle/>
+          <a:p>
+            <a:pPr algn="ctr"/>
+            <a:endParaRPr lang="en-US"/>
+          </a:p>
+        </p:txBody>
+      </p:sp>
+    </p:spTree>
+    <p:extLst>
+      <p:ext uri="{BB962C8B-B14F-4D97-AF65-F5344CB8AC3E}">
+        <p14:creationId xmlns:p14="http://schemas.microsoft.com/office/powerpoint/2010/main" val="2660983096"/>
+      </p:ext>
+    </p:extLst>
+  </p:cSld>
+  <p:clrMapOvr>
+    <a:masterClrMapping/>
+  </p:clrMapOvr>
+</p:sld>
+</file>
+
 <file path=ppt/theme/theme1.xml><?xml version="1.0" encoding="utf-8"?>
 <a:theme xmlns:a="http://schemas.openxmlformats.org/drawingml/2006/main" name="Office Theme">
   <a:themeElements>
